--- a/GestionDeProjet/Reunions/Reunion_06_07_2022/Reunion_avancement_06_07_22.pptx
+++ b/GestionDeProjet/Reunions/Reunion_06_07_2022/Reunion_avancement_06_07_22.pptx
@@ -12,14 +12,13 @@
     <p:sldId id="278" r:id="rId6"/>
     <p:sldId id="279" r:id="rId7"/>
     <p:sldId id="273" r:id="rId8"/>
-    <p:sldId id="277" r:id="rId9"/>
-    <p:sldId id="276" r:id="rId10"/>
-    <p:sldId id="270" r:id="rId11"/>
-    <p:sldId id="271" r:id="rId12"/>
-    <p:sldId id="263" r:id="rId13"/>
-    <p:sldId id="272" r:id="rId14"/>
-    <p:sldId id="274" r:id="rId15"/>
-    <p:sldId id="275" r:id="rId16"/>
+    <p:sldId id="280" r:id="rId9"/>
+    <p:sldId id="281" r:id="rId10"/>
+    <p:sldId id="271" r:id="rId11"/>
+    <p:sldId id="263" r:id="rId12"/>
+    <p:sldId id="272" r:id="rId13"/>
+    <p:sldId id="274" r:id="rId14"/>
+    <p:sldId id="275" r:id="rId15"/>
   </p:sldIdLst>
   <p:sldSz cx="12192000" cy="6858000"/>
   <p:notesSz cx="6858000" cy="9144000"/>
@@ -254,7 +253,7 @@
   </p:defaultTextStyle>
   <p:extLst>
     <p:ext uri="{EFAFB233-063F-42B5-8137-9DF3F51BA10A}">
-      <p15:sldGuideLst xmlns:p15="http://schemas.microsoft.com/office/powerpoint/2012/main" xmlns="">
+      <p15:sldGuideLst xmlns:p15="http://schemas.microsoft.com/office/powerpoint/2012/main">
         <p15:guide id="1" orient="horz" pos="2160">
           <p15:clr>
             <a:srgbClr val="A4A3A4"/>
@@ -564,7 +563,7 @@
             <a:fld id="{A88A01E3-435D-42BE-9973-0B1DC9C31A8C}" type="datetimeFigureOut">
               <a:rPr lang="fr-FR" smtClean="0"/>
               <a:pPr/>
-              <a:t>23/06/2022</a:t>
+              <a:t>06/07/2022</a:t>
             </a:fld>
             <a:endParaRPr lang="fr-FR"/>
           </a:p>
@@ -1011,7 +1010,7 @@
     </p:spTree>
     <p:extLst>
       <p:ext uri="{BB962C8B-B14F-4D97-AF65-F5344CB8AC3E}">
-        <p14:creationId xmlns:p14="http://schemas.microsoft.com/office/powerpoint/2010/main" xmlns="" val="1683196634"/>
+        <p14:creationId xmlns:p14="http://schemas.microsoft.com/office/powerpoint/2010/main" val="1683196634"/>
       </p:ext>
     </p:extLst>
   </p:cSld>
@@ -1489,7 +1488,7 @@
             <a:fld id="{A88A01E3-435D-42BE-9973-0B1DC9C31A8C}" type="datetimeFigureOut">
               <a:rPr lang="fr-FR" smtClean="0"/>
               <a:pPr/>
-              <a:t>23/06/2022</a:t>
+              <a:t>06/07/2022</a:t>
             </a:fld>
             <a:endParaRPr lang="fr-FR"/>
           </a:p>
@@ -1760,7 +1759,7 @@
     </p:spTree>
     <p:extLst>
       <p:ext uri="{BB962C8B-B14F-4D97-AF65-F5344CB8AC3E}">
-        <p14:creationId xmlns:p14="http://schemas.microsoft.com/office/powerpoint/2010/main" xmlns="" val="3557230879"/>
+        <p14:creationId xmlns:p14="http://schemas.microsoft.com/office/powerpoint/2010/main" val="3557230879"/>
       </p:ext>
     </p:extLst>
   </p:cSld>
@@ -2274,7 +2273,7 @@
             <a:fld id="{A88A01E3-435D-42BE-9973-0B1DC9C31A8C}" type="datetimeFigureOut">
               <a:rPr lang="fr-FR" smtClean="0"/>
               <a:pPr/>
-              <a:t>23/06/2022</a:t>
+              <a:t>06/07/2022</a:t>
             </a:fld>
             <a:endParaRPr lang="fr-FR"/>
           </a:p>
@@ -2518,7 +2517,7 @@
     </p:spTree>
     <p:extLst>
       <p:ext uri="{BB962C8B-B14F-4D97-AF65-F5344CB8AC3E}">
-        <p14:creationId xmlns:p14="http://schemas.microsoft.com/office/powerpoint/2010/main" xmlns="" val="1370354911"/>
+        <p14:creationId xmlns:p14="http://schemas.microsoft.com/office/powerpoint/2010/main" val="1370354911"/>
       </p:ext>
     </p:extLst>
   </p:cSld>
@@ -2999,7 +2998,7 @@
             <a:fld id="{A88A01E3-435D-42BE-9973-0B1DC9C31A8C}" type="datetimeFigureOut">
               <a:rPr lang="fr-FR" smtClean="0"/>
               <a:pPr/>
-              <a:t>23/06/2022</a:t>
+              <a:t>06/07/2022</a:t>
             </a:fld>
             <a:endParaRPr lang="fr-FR"/>
           </a:p>
@@ -3270,7 +3269,7 @@
     </p:spTree>
     <p:extLst>
       <p:ext uri="{BB962C8B-B14F-4D97-AF65-F5344CB8AC3E}">
-        <p14:creationId xmlns:p14="http://schemas.microsoft.com/office/powerpoint/2010/main" xmlns="" val="1488441881"/>
+        <p14:creationId xmlns:p14="http://schemas.microsoft.com/office/powerpoint/2010/main" val="1488441881"/>
       </p:ext>
     </p:extLst>
   </p:cSld>
@@ -3748,7 +3747,7 @@
             <a:fld id="{A88A01E3-435D-42BE-9973-0B1DC9C31A8C}" type="datetimeFigureOut">
               <a:rPr lang="fr-FR" smtClean="0"/>
               <a:pPr/>
-              <a:t>23/06/2022</a:t>
+              <a:t>06/07/2022</a:t>
             </a:fld>
             <a:endParaRPr lang="fr-FR"/>
           </a:p>
@@ -4019,7 +4018,7 @@
     </p:spTree>
     <p:extLst>
       <p:ext uri="{BB962C8B-B14F-4D97-AF65-F5344CB8AC3E}">
-        <p14:creationId xmlns:p14="http://schemas.microsoft.com/office/powerpoint/2010/main" xmlns="" val="4145855993"/>
+        <p14:creationId xmlns:p14="http://schemas.microsoft.com/office/powerpoint/2010/main" val="4145855993"/>
       </p:ext>
     </p:extLst>
   </p:cSld>
@@ -4354,7 +4353,7 @@
             <a:fld id="{A88A01E3-435D-42BE-9973-0B1DC9C31A8C}" type="datetimeFigureOut">
               <a:rPr lang="fr-FR" smtClean="0"/>
               <a:pPr/>
-              <a:t>23/06/2022</a:t>
+              <a:t>06/07/2022</a:t>
             </a:fld>
             <a:endParaRPr lang="fr-FR"/>
           </a:p>
@@ -4800,7 +4799,7 @@
     </p:spTree>
     <p:extLst>
       <p:ext uri="{BB962C8B-B14F-4D97-AF65-F5344CB8AC3E}">
-        <p14:creationId xmlns:p14="http://schemas.microsoft.com/office/powerpoint/2010/main" xmlns="" val="3023544346"/>
+        <p14:creationId xmlns:p14="http://schemas.microsoft.com/office/powerpoint/2010/main" val="3023544346"/>
       </p:ext>
     </p:extLst>
   </p:cSld>
@@ -5278,7 +5277,7 @@
             <a:fld id="{A88A01E3-435D-42BE-9973-0B1DC9C31A8C}" type="datetimeFigureOut">
               <a:rPr lang="fr-FR" smtClean="0"/>
               <a:pPr/>
-              <a:t>23/06/2022</a:t>
+              <a:t>06/07/2022</a:t>
             </a:fld>
             <a:endParaRPr lang="fr-FR"/>
           </a:p>
@@ -5522,7 +5521,7 @@
     </p:spTree>
     <p:extLst>
       <p:ext uri="{BB962C8B-B14F-4D97-AF65-F5344CB8AC3E}">
-        <p14:creationId xmlns:p14="http://schemas.microsoft.com/office/powerpoint/2010/main" xmlns="" val="2230660444"/>
+        <p14:creationId xmlns:p14="http://schemas.microsoft.com/office/powerpoint/2010/main" val="2230660444"/>
       </p:ext>
     </p:extLst>
   </p:cSld>
@@ -5889,7 +5888,7 @@
     </p:spTree>
     <p:extLst>
       <p:ext uri="{BB962C8B-B14F-4D97-AF65-F5344CB8AC3E}">
-        <p14:creationId xmlns:p14="http://schemas.microsoft.com/office/powerpoint/2010/main" xmlns="" val="2065464872"/>
+        <p14:creationId xmlns:p14="http://schemas.microsoft.com/office/powerpoint/2010/main" val="2065464872"/>
       </p:ext>
     </p:extLst>
   </p:cSld>
@@ -6396,7 +6395,7 @@
             <a:fld id="{A88A01E3-435D-42BE-9973-0B1DC9C31A8C}" type="datetimeFigureOut">
               <a:rPr lang="fr-FR" smtClean="0"/>
               <a:pPr/>
-              <a:t>23/06/2022</a:t>
+              <a:t>06/07/2022</a:t>
             </a:fld>
             <a:endParaRPr lang="fr-FR"/>
           </a:p>
@@ -6986,7 +6985,7 @@
     </p:spTree>
     <p:extLst>
       <p:ext uri="{BB962C8B-B14F-4D97-AF65-F5344CB8AC3E}">
-        <p14:creationId xmlns:p14="http://schemas.microsoft.com/office/powerpoint/2010/main" xmlns="" val="2551948298"/>
+        <p14:creationId xmlns:p14="http://schemas.microsoft.com/office/powerpoint/2010/main" val="2551948298"/>
       </p:ext>
     </p:extLst>
   </p:cSld>
@@ -7715,7 +7714,7 @@
           <p:cNvPr id="2" name="Titre 1">
             <a:extLst>
               <a:ext uri="{FF2B5EF4-FFF2-40B4-BE49-F238E27FC236}">
-                <a16:creationId xmlns:a16="http://schemas.microsoft.com/office/drawing/2014/main" xmlns="" id="{AB203E22-A68F-43B4-8A2A-8135BAB9C7D4}"/>
+                <a16:creationId xmlns:a16="http://schemas.microsoft.com/office/drawing/2014/main" id="{AB203E22-A68F-43B4-8A2A-8135BAB9C7D4}"/>
               </a:ext>
             </a:extLst>
           </p:cNvPr>
@@ -7745,7 +7744,7 @@
           <p:cNvPr id="3" name="Sous-titre 2">
             <a:extLst>
               <a:ext uri="{FF2B5EF4-FFF2-40B4-BE49-F238E27FC236}">
-                <a16:creationId xmlns:a16="http://schemas.microsoft.com/office/drawing/2014/main" xmlns="" id="{E4DA1A89-6A6D-438F-AD0A-7258D468F648}"/>
+                <a16:creationId xmlns:a16="http://schemas.microsoft.com/office/drawing/2014/main" id="{E4DA1A89-6A6D-438F-AD0A-7258D468F648}"/>
               </a:ext>
             </a:extLst>
           </p:cNvPr>
@@ -7788,7 +7787,7 @@
     </p:spTree>
     <p:extLst>
       <p:ext uri="{BB962C8B-B14F-4D97-AF65-F5344CB8AC3E}">
-        <p14:creationId xmlns:p14="http://schemas.microsoft.com/office/powerpoint/2010/main" xmlns="" val="3615421672"/>
+        <p14:creationId xmlns:p14="http://schemas.microsoft.com/office/powerpoint/2010/main" val="3615421672"/>
       </p:ext>
     </p:extLst>
   </p:cSld>
@@ -7823,219 +7822,7 @@
           <p:cNvPr id="2" name="Titre 1">
             <a:extLst>
               <a:ext uri="{FF2B5EF4-FFF2-40B4-BE49-F238E27FC236}">
-                <a16:creationId xmlns:a16="http://schemas.microsoft.com/office/drawing/2014/main" xmlns="" id="{BDEF606E-A611-403F-B367-E6244B4A4623}"/>
-              </a:ext>
-            </a:extLst>
-          </p:cNvPr>
-          <p:cNvSpPr>
-            <a:spLocks noGrp="1"/>
-          </p:cNvSpPr>
-          <p:nvPr>
-            <p:ph type="title"/>
-          </p:nvPr>
-        </p:nvSpPr>
-        <p:spPr/>
-        <p:txBody>
-          <a:bodyPr/>
-          <a:lstStyle/>
-          <a:p>
-            <a:r>
-              <a:rPr lang="fr-FR" dirty="0"/>
-              <a:t>FPGA: Communication FPGA - Soft</a:t>
-            </a:r>
-          </a:p>
-        </p:txBody>
-      </p:sp>
-      <p:sp>
-        <p:nvSpPr>
-          <p:cNvPr id="3" name="ZoneTexte 2">
-            <a:extLst>
-              <a:ext uri="{FF2B5EF4-FFF2-40B4-BE49-F238E27FC236}">
-                <a16:creationId xmlns:a16="http://schemas.microsoft.com/office/drawing/2014/main" xmlns="" id="{12BF6AB0-410E-62EB-01A7-8FF690B33FED}"/>
-              </a:ext>
-            </a:extLst>
-          </p:cNvPr>
-          <p:cNvSpPr txBox="1"/>
-          <p:nvPr/>
-        </p:nvSpPr>
-        <p:spPr>
-          <a:xfrm>
-            <a:off x="424896" y="1632414"/>
-            <a:ext cx="5469767" cy="738664"/>
-          </a:xfrm>
-          <a:prstGeom prst="rect">
-            <a:avLst/>
-          </a:prstGeom>
-          <a:noFill/>
-        </p:spPr>
-        <p:txBody>
-          <a:bodyPr wrap="none" rtlCol="0">
-            <a:spAutoFit/>
-          </a:bodyPr>
-          <a:lstStyle/>
-          <a:p>
-            <a:r>
-              <a:rPr lang="fr-FR" dirty="0"/>
-              <a:t>Mise en place d’une communication avec le soft via des AXI 4 lite: </a:t>
-            </a:r>
-          </a:p>
-          <a:p>
-            <a:pPr marL="285750" lvl="4" indent="-285750">
-              <a:buFont typeface="Arial" panose="020B0604020202020204" pitchFamily="34" charset="0"/>
-              <a:buChar char="•"/>
-            </a:pPr>
-            <a:r>
-              <a:rPr lang="fr-FR" dirty="0"/>
-              <a:t>Plus de lectures dans la RAM</a:t>
-            </a:r>
-          </a:p>
-          <a:p>
-            <a:pPr marL="285750" lvl="4" indent="-285750">
-              <a:buFont typeface="Arial" panose="020B0604020202020204" pitchFamily="34" charset="0"/>
-              <a:buChar char="•"/>
-            </a:pPr>
-            <a:r>
-              <a:rPr lang="fr-FR" dirty="0"/>
-              <a:t>Simple d’accès pour le soft et plus simple à géré côté FPGA</a:t>
-            </a:r>
-          </a:p>
-        </p:txBody>
-      </p:sp>
-      <p:sp>
-        <p:nvSpPr>
-          <p:cNvPr id="5" name="ZoneTexte 4">
-            <a:extLst>
-              <a:ext uri="{FF2B5EF4-FFF2-40B4-BE49-F238E27FC236}">
-                <a16:creationId xmlns:a16="http://schemas.microsoft.com/office/drawing/2014/main" xmlns="" id="{AEC2DCEE-5732-B584-E730-7D69337A6C7B}"/>
-              </a:ext>
-            </a:extLst>
-          </p:cNvPr>
-          <p:cNvSpPr txBox="1"/>
-          <p:nvPr/>
-        </p:nvSpPr>
-        <p:spPr>
-          <a:xfrm>
-            <a:off x="424896" y="2908057"/>
-            <a:ext cx="11479081" cy="523220"/>
-          </a:xfrm>
-          <a:prstGeom prst="rect">
-            <a:avLst/>
-          </a:prstGeom>
-          <a:noFill/>
-        </p:spPr>
-        <p:txBody>
-          <a:bodyPr wrap="square">
-            <a:spAutoFit/>
-          </a:bodyPr>
-          <a:lstStyle/>
-          <a:p>
-            <a:r>
-              <a:rPr lang="fr-FR" dirty="0"/>
-              <a:t>Tests sur Vitis avant d’effectuer des tests sur </a:t>
-            </a:r>
-            <a:r>
-              <a:rPr lang="fr-FR" dirty="0" err="1"/>
-              <a:t>Pynq</a:t>
-            </a:r>
-            <a:r>
-              <a:rPr lang="fr-FR" dirty="0"/>
-              <a:t> </a:t>
-            </a:r>
-            <a:r>
-              <a:rPr lang="fr-FR" dirty="0">
-                <a:sym typeface="Wingdings" panose="05000000000000000000" pitchFamily="2" charset="2"/>
-              </a:rPr>
-              <a:t> Vitis IDE permet de regarder plus facilement dans les différentes adresses mémoires.</a:t>
-            </a:r>
-            <a:endParaRPr lang="fr-FR" dirty="0"/>
-          </a:p>
-          <a:p>
-            <a:r>
-              <a:rPr lang="fr-FR" dirty="0"/>
-              <a:t>Développement de drivers pour les différents </a:t>
-            </a:r>
-            <a:r>
-              <a:rPr lang="fr-FR" dirty="0" err="1"/>
-              <a:t>IPs</a:t>
-            </a:r>
-            <a:r>
-              <a:rPr lang="fr-FR" dirty="0"/>
-              <a:t> créés</a:t>
-            </a:r>
-          </a:p>
-        </p:txBody>
-      </p:sp>
-      <p:sp>
-        <p:nvSpPr>
-          <p:cNvPr id="6" name="ZoneTexte 5">
-            <a:extLst>
-              <a:ext uri="{FF2B5EF4-FFF2-40B4-BE49-F238E27FC236}">
-                <a16:creationId xmlns:a16="http://schemas.microsoft.com/office/drawing/2014/main" xmlns="" id="{5DE4A867-B48A-3A45-DA0E-1D94D853393B}"/>
-              </a:ext>
-            </a:extLst>
-          </p:cNvPr>
-          <p:cNvSpPr txBox="1"/>
-          <p:nvPr/>
-        </p:nvSpPr>
-        <p:spPr>
-          <a:xfrm>
-            <a:off x="424896" y="4496624"/>
-            <a:ext cx="8440131" cy="307777"/>
-          </a:xfrm>
-          <a:prstGeom prst="rect">
-            <a:avLst/>
-          </a:prstGeom>
-          <a:noFill/>
-        </p:spPr>
-        <p:txBody>
-          <a:bodyPr wrap="none" rtlCol="0">
-            <a:spAutoFit/>
-          </a:bodyPr>
-          <a:lstStyle/>
-          <a:p>
-            <a:r>
-              <a:rPr lang="fr-FR" dirty="0"/>
-              <a:t>En attendant de recevoir le NFC et un nouvel IMU : début du développement du code pour les Ultrasons </a:t>
-            </a:r>
-          </a:p>
-        </p:txBody>
-      </p:sp>
-    </p:spTree>
-    <p:extLst>
-      <p:ext uri="{BB962C8B-B14F-4D97-AF65-F5344CB8AC3E}">
-        <p14:creationId xmlns:p14="http://schemas.microsoft.com/office/powerpoint/2010/main" xmlns="" val="1058788671"/>
-      </p:ext>
-    </p:extLst>
-  </p:cSld>
-  <p:clrMapOvr>
-    <a:masterClrMapping/>
-  </p:clrMapOvr>
-</p:sld>
-</file>
-
-<file path=ppt/slides/slide11.xml><?xml version="1.0" encoding="utf-8"?>
-<p:sld xmlns:a="http://schemas.openxmlformats.org/drawingml/2006/main" xmlns:r="http://schemas.openxmlformats.org/officeDocument/2006/relationships" xmlns:p="http://schemas.openxmlformats.org/presentationml/2006/main">
-  <p:cSld>
-    <p:spTree>
-      <p:nvGrpSpPr>
-        <p:cNvPr id="1" name=""/>
-        <p:cNvGrpSpPr/>
-        <p:nvPr/>
-      </p:nvGrpSpPr>
-      <p:grpSpPr>
-        <a:xfrm>
-          <a:off x="0" y="0"/>
-          <a:ext cx="0" cy="0"/>
-          <a:chOff x="0" y="0"/>
-          <a:chExt cx="0" cy="0"/>
-        </a:xfrm>
-      </p:grpSpPr>
-      <p:sp>
-        <p:nvSpPr>
-          <p:cNvPr id="2" name="Titre 1">
-            <a:extLst>
-              <a:ext uri="{FF2B5EF4-FFF2-40B4-BE49-F238E27FC236}">
-                <a16:creationId xmlns:a16="http://schemas.microsoft.com/office/drawing/2014/main" xmlns="" id="{BDEF606E-A611-403F-B367-E6244B4A4623}"/>
+                <a16:creationId xmlns:a16="http://schemas.microsoft.com/office/drawing/2014/main" id="{BDEF606E-A611-403F-B367-E6244B4A4623}"/>
               </a:ext>
             </a:extLst>
           </p:cNvPr>
@@ -8063,7 +7850,7 @@
           <p:cNvPr id="1026" name="Picture 2" descr="GitHub - Xilinx/PYNQ: Python Productivity for ZYNQ">
             <a:extLst>
               <a:ext uri="{FF2B5EF4-FFF2-40B4-BE49-F238E27FC236}">
-                <a16:creationId xmlns:a16="http://schemas.microsoft.com/office/drawing/2014/main" xmlns="" id="{AD221FFC-7ED3-77CD-4AAA-804A04DAE5D5}"/>
+                <a16:creationId xmlns:a16="http://schemas.microsoft.com/office/drawing/2014/main" id="{AD221FFC-7ED3-77CD-4AAA-804A04DAE5D5}"/>
               </a:ext>
             </a:extLst>
           </p:cNvPr>
@@ -8076,7 +7863,7 @@
           <a:blip r:embed="rId2" cstate="print">
             <a:extLst>
               <a:ext uri="{28A0092B-C50C-407E-A947-70E740481C1C}">
-                <a14:useLocalDpi xmlns:a14="http://schemas.microsoft.com/office/drawing/2010/main" xmlns="" val="0"/>
+                <a14:useLocalDpi xmlns:a14="http://schemas.microsoft.com/office/drawing/2010/main" val="0"/>
               </a:ext>
             </a:extLst>
           </a:blip>
@@ -8096,7 +7883,7 @@
           <a:noFill/>
           <a:extLst>
             <a:ext uri="{909E8E84-426E-40DD-AFC4-6F175D3DCCD1}">
-              <a14:hiddenFill xmlns:a14="http://schemas.microsoft.com/office/drawing/2010/main" xmlns="">
+              <a14:hiddenFill xmlns:a14="http://schemas.microsoft.com/office/drawing/2010/main">
                 <a:solidFill>
                   <a:srgbClr val="FFFFFF"/>
                 </a:solidFill>
@@ -8110,7 +7897,7 @@
           <p:cNvPr id="4" name="ZoneTexte 3">
             <a:extLst>
               <a:ext uri="{FF2B5EF4-FFF2-40B4-BE49-F238E27FC236}">
-                <a16:creationId xmlns:a16="http://schemas.microsoft.com/office/drawing/2014/main" xmlns="" id="{970CC3E5-844D-5AA1-2220-79F59D374C7D}"/>
+                <a16:creationId xmlns:a16="http://schemas.microsoft.com/office/drawing/2014/main" id="{970CC3E5-844D-5AA1-2220-79F59D374C7D}"/>
               </a:ext>
             </a:extLst>
           </p:cNvPr>
@@ -8156,7 +7943,7 @@
     </p:spTree>
     <p:extLst>
       <p:ext uri="{BB962C8B-B14F-4D97-AF65-F5344CB8AC3E}">
-        <p14:creationId xmlns:p14="http://schemas.microsoft.com/office/powerpoint/2010/main" xmlns="" val="1968962188"/>
+        <p14:creationId xmlns:p14="http://schemas.microsoft.com/office/powerpoint/2010/main" val="1968962188"/>
       </p:ext>
     </p:extLst>
   </p:cSld>
@@ -8166,7 +7953,7 @@
 </p:sld>
 </file>
 
-<file path=ppt/slides/slide12.xml><?xml version="1.0" encoding="utf-8"?>
+<file path=ppt/slides/slide11.xml><?xml version="1.0" encoding="utf-8"?>
 <p:sld xmlns:a="http://schemas.openxmlformats.org/drawingml/2006/main" xmlns:r="http://schemas.openxmlformats.org/officeDocument/2006/relationships" xmlns:p="http://schemas.openxmlformats.org/presentationml/2006/main">
   <p:cSld>
     <p:spTree>
@@ -8188,7 +7975,7 @@
           <p:cNvPr id="2" name="Titre 1">
             <a:extLst>
               <a:ext uri="{FF2B5EF4-FFF2-40B4-BE49-F238E27FC236}">
-                <a16:creationId xmlns:a16="http://schemas.microsoft.com/office/drawing/2014/main" xmlns="" id="{EDDD4FAF-1AF8-4391-9A8A-F1F63DD06F1E}"/>
+                <a16:creationId xmlns:a16="http://schemas.microsoft.com/office/drawing/2014/main" id="{EDDD4FAF-1AF8-4391-9A8A-F1F63DD06F1E}"/>
               </a:ext>
             </a:extLst>
           </p:cNvPr>
@@ -8216,7 +8003,7 @@
           <p:cNvPr id="4" name="Rectangle : coins arrondis 3">
             <a:extLst>
               <a:ext uri="{FF2B5EF4-FFF2-40B4-BE49-F238E27FC236}">
-                <a16:creationId xmlns:a16="http://schemas.microsoft.com/office/drawing/2014/main" xmlns="" id="{7A135F26-5CA7-7FDE-DADC-A0186D3A1185}"/>
+                <a16:creationId xmlns:a16="http://schemas.microsoft.com/office/drawing/2014/main" id="{7A135F26-5CA7-7FDE-DADC-A0186D3A1185}"/>
               </a:ext>
             </a:extLst>
           </p:cNvPr>
@@ -8270,7 +8057,7 @@
           <p:cNvPr id="5" name="Rectangle : coins arrondis 4">
             <a:extLst>
               <a:ext uri="{FF2B5EF4-FFF2-40B4-BE49-F238E27FC236}">
-                <a16:creationId xmlns:a16="http://schemas.microsoft.com/office/drawing/2014/main" xmlns="" id="{23CE6665-AA1B-2215-DA18-AD9439768906}"/>
+                <a16:creationId xmlns:a16="http://schemas.microsoft.com/office/drawing/2014/main" id="{23CE6665-AA1B-2215-DA18-AD9439768906}"/>
               </a:ext>
             </a:extLst>
           </p:cNvPr>
@@ -8324,7 +8111,7 @@
           <p:cNvPr id="6" name="Rectangle : coins arrondis 5">
             <a:extLst>
               <a:ext uri="{FF2B5EF4-FFF2-40B4-BE49-F238E27FC236}">
-                <a16:creationId xmlns:a16="http://schemas.microsoft.com/office/drawing/2014/main" xmlns="" id="{804C6B43-D218-7EFA-48A1-7D3E48F576E6}"/>
+                <a16:creationId xmlns:a16="http://schemas.microsoft.com/office/drawing/2014/main" id="{804C6B43-D218-7EFA-48A1-7D3E48F576E6}"/>
               </a:ext>
             </a:extLst>
           </p:cNvPr>
@@ -8378,7 +8165,7 @@
           <p:cNvPr id="33" name="Groupe 32">
             <a:extLst>
               <a:ext uri="{FF2B5EF4-FFF2-40B4-BE49-F238E27FC236}">
-                <a16:creationId xmlns:a16="http://schemas.microsoft.com/office/drawing/2014/main" xmlns="" id="{2D9B23F7-E0D5-87C4-9005-CC83FE174E7F}"/>
+                <a16:creationId xmlns:a16="http://schemas.microsoft.com/office/drawing/2014/main" id="{2D9B23F7-E0D5-87C4-9005-CC83FE174E7F}"/>
               </a:ext>
             </a:extLst>
           </p:cNvPr>
@@ -8398,7 +8185,7 @@
             <p:cNvPr id="9" name="Ellipse 8">
               <a:extLst>
                 <a:ext uri="{FF2B5EF4-FFF2-40B4-BE49-F238E27FC236}">
-                  <a16:creationId xmlns:a16="http://schemas.microsoft.com/office/drawing/2014/main" xmlns="" id="{1F63B939-20E0-B262-1715-3DC5B33C6958}"/>
+                  <a16:creationId xmlns:a16="http://schemas.microsoft.com/office/drawing/2014/main" id="{1F63B939-20E0-B262-1715-3DC5B33C6958}"/>
                 </a:ext>
               </a:extLst>
             </p:cNvPr>
@@ -8447,7 +8234,7 @@
             <p:cNvPr id="10" name="Ellipse 9">
               <a:extLst>
                 <a:ext uri="{FF2B5EF4-FFF2-40B4-BE49-F238E27FC236}">
-                  <a16:creationId xmlns:a16="http://schemas.microsoft.com/office/drawing/2014/main" xmlns="" id="{FA76DC8F-024C-6785-3F8B-DEDA52680F40}"/>
+                  <a16:creationId xmlns:a16="http://schemas.microsoft.com/office/drawing/2014/main" id="{FA76DC8F-024C-6785-3F8B-DEDA52680F40}"/>
                 </a:ext>
               </a:extLst>
             </p:cNvPr>
@@ -8496,7 +8283,7 @@
             <p:cNvPr id="11" name="Ellipse 10">
               <a:extLst>
                 <a:ext uri="{FF2B5EF4-FFF2-40B4-BE49-F238E27FC236}">
-                  <a16:creationId xmlns:a16="http://schemas.microsoft.com/office/drawing/2014/main" xmlns="" id="{5E80B45F-8F99-98FB-C191-3A7E58F56D08}"/>
+                  <a16:creationId xmlns:a16="http://schemas.microsoft.com/office/drawing/2014/main" id="{5E80B45F-8F99-98FB-C191-3A7E58F56D08}"/>
                 </a:ext>
               </a:extLst>
             </p:cNvPr>
@@ -8545,7 +8332,7 @@
             <p:cNvPr id="13" name="Rectangle : coins arrondis 12">
               <a:extLst>
                 <a:ext uri="{FF2B5EF4-FFF2-40B4-BE49-F238E27FC236}">
-                  <a16:creationId xmlns:a16="http://schemas.microsoft.com/office/drawing/2014/main" xmlns="" id="{0F77763D-B987-CF34-26B7-2FB0A4BF2784}"/>
+                  <a16:creationId xmlns:a16="http://schemas.microsoft.com/office/drawing/2014/main" id="{0F77763D-B987-CF34-26B7-2FB0A4BF2784}"/>
                 </a:ext>
               </a:extLst>
             </p:cNvPr>
@@ -8599,7 +8386,7 @@
             <p:cNvPr id="17" name="Connecteur : en angle 16">
               <a:extLst>
                 <a:ext uri="{FF2B5EF4-FFF2-40B4-BE49-F238E27FC236}">
-                  <a16:creationId xmlns:a16="http://schemas.microsoft.com/office/drawing/2014/main" xmlns="" id="{0314C3F8-12F9-3110-1619-7067ECA21E23}"/>
+                  <a16:creationId xmlns:a16="http://schemas.microsoft.com/office/drawing/2014/main" id="{0314C3F8-12F9-3110-1619-7067ECA21E23}"/>
                 </a:ext>
               </a:extLst>
             </p:cNvPr>
@@ -8643,7 +8430,7 @@
             <p:cNvPr id="20" name="Connecteur : en angle 19">
               <a:extLst>
                 <a:ext uri="{FF2B5EF4-FFF2-40B4-BE49-F238E27FC236}">
-                  <a16:creationId xmlns:a16="http://schemas.microsoft.com/office/drawing/2014/main" xmlns="" id="{F2CF4EE4-69EC-C7D6-978B-F9A5EF34C9BA}"/>
+                  <a16:creationId xmlns:a16="http://schemas.microsoft.com/office/drawing/2014/main" id="{F2CF4EE4-69EC-C7D6-978B-F9A5EF34C9BA}"/>
                 </a:ext>
               </a:extLst>
             </p:cNvPr>
@@ -8687,7 +8474,7 @@
             <p:cNvPr id="22" name="Connecteur : en angle 21">
               <a:extLst>
                 <a:ext uri="{FF2B5EF4-FFF2-40B4-BE49-F238E27FC236}">
-                  <a16:creationId xmlns:a16="http://schemas.microsoft.com/office/drawing/2014/main" xmlns="" id="{920D6936-2B92-405A-4E7E-F07E0A36F2EF}"/>
+                  <a16:creationId xmlns:a16="http://schemas.microsoft.com/office/drawing/2014/main" id="{920D6936-2B92-405A-4E7E-F07E0A36F2EF}"/>
                 </a:ext>
               </a:extLst>
             </p:cNvPr>
@@ -8730,7 +8517,7 @@
           <p:cNvPr id="34" name="Ellipse 33">
             <a:extLst>
               <a:ext uri="{FF2B5EF4-FFF2-40B4-BE49-F238E27FC236}">
-                <a16:creationId xmlns:a16="http://schemas.microsoft.com/office/drawing/2014/main" xmlns="" id="{63F95585-822D-5F84-4FB7-347D15902B1D}"/>
+                <a16:creationId xmlns:a16="http://schemas.microsoft.com/office/drawing/2014/main" id="{63F95585-822D-5F84-4FB7-347D15902B1D}"/>
               </a:ext>
             </a:extLst>
           </p:cNvPr>
@@ -8779,7 +8566,7 @@
           <p:cNvPr id="35" name="Ellipse 34">
             <a:extLst>
               <a:ext uri="{FF2B5EF4-FFF2-40B4-BE49-F238E27FC236}">
-                <a16:creationId xmlns:a16="http://schemas.microsoft.com/office/drawing/2014/main" xmlns="" id="{332CE12A-F7E9-196C-03CC-CCDAC39D2501}"/>
+                <a16:creationId xmlns:a16="http://schemas.microsoft.com/office/drawing/2014/main" id="{332CE12A-F7E9-196C-03CC-CCDAC39D2501}"/>
               </a:ext>
             </a:extLst>
           </p:cNvPr>
@@ -8828,7 +8615,7 @@
           <p:cNvPr id="36" name="Rectangle : coins arrondis 35">
             <a:extLst>
               <a:ext uri="{FF2B5EF4-FFF2-40B4-BE49-F238E27FC236}">
-                <a16:creationId xmlns:a16="http://schemas.microsoft.com/office/drawing/2014/main" xmlns="" id="{EE35229E-419E-FB7A-8350-AE38DC9644B2}"/>
+                <a16:creationId xmlns:a16="http://schemas.microsoft.com/office/drawing/2014/main" id="{EE35229E-419E-FB7A-8350-AE38DC9644B2}"/>
               </a:ext>
             </a:extLst>
           </p:cNvPr>
@@ -8882,7 +8669,7 @@
           <p:cNvPr id="37" name="Rectangle : coins arrondis 36">
             <a:extLst>
               <a:ext uri="{FF2B5EF4-FFF2-40B4-BE49-F238E27FC236}">
-                <a16:creationId xmlns:a16="http://schemas.microsoft.com/office/drawing/2014/main" xmlns="" id="{7B754B41-568F-C0AF-00AE-A6A2DC47A026}"/>
+                <a16:creationId xmlns:a16="http://schemas.microsoft.com/office/drawing/2014/main" id="{7B754B41-568F-C0AF-00AE-A6A2DC47A026}"/>
               </a:ext>
             </a:extLst>
           </p:cNvPr>
@@ -8936,7 +8723,7 @@
           <p:cNvPr id="38" name="Rectangle : coins arrondis 37">
             <a:extLst>
               <a:ext uri="{FF2B5EF4-FFF2-40B4-BE49-F238E27FC236}">
-                <a16:creationId xmlns:a16="http://schemas.microsoft.com/office/drawing/2014/main" xmlns="" id="{EFF2B3C2-D712-3443-0847-EDFDE9B31840}"/>
+                <a16:creationId xmlns:a16="http://schemas.microsoft.com/office/drawing/2014/main" id="{EFF2B3C2-D712-3443-0847-EDFDE9B31840}"/>
               </a:ext>
             </a:extLst>
           </p:cNvPr>
@@ -8990,7 +8777,7 @@
           <p:cNvPr id="39" name="Rectangle : coins arrondis 38">
             <a:extLst>
               <a:ext uri="{FF2B5EF4-FFF2-40B4-BE49-F238E27FC236}">
-                <a16:creationId xmlns:a16="http://schemas.microsoft.com/office/drawing/2014/main" xmlns="" id="{5E0FE08D-6110-7D34-11B3-D57BEC730617}"/>
+                <a16:creationId xmlns:a16="http://schemas.microsoft.com/office/drawing/2014/main" id="{5E0FE08D-6110-7D34-11B3-D57BEC730617}"/>
               </a:ext>
             </a:extLst>
           </p:cNvPr>
@@ -9044,7 +8831,7 @@
           <p:cNvPr id="40" name="Rectangle : coins arrondis 39">
             <a:extLst>
               <a:ext uri="{FF2B5EF4-FFF2-40B4-BE49-F238E27FC236}">
-                <a16:creationId xmlns:a16="http://schemas.microsoft.com/office/drawing/2014/main" xmlns="" id="{4CC7CF85-73D9-5C3D-5C13-72C728D6DD7A}"/>
+                <a16:creationId xmlns:a16="http://schemas.microsoft.com/office/drawing/2014/main" id="{4CC7CF85-73D9-5C3D-5C13-72C728D6DD7A}"/>
               </a:ext>
             </a:extLst>
           </p:cNvPr>
@@ -9098,7 +8885,7 @@
           <p:cNvPr id="41" name="Ellipse 40">
             <a:extLst>
               <a:ext uri="{FF2B5EF4-FFF2-40B4-BE49-F238E27FC236}">
-                <a16:creationId xmlns:a16="http://schemas.microsoft.com/office/drawing/2014/main" xmlns="" id="{F5E62DA9-4817-1857-CB4C-702544E72A15}"/>
+                <a16:creationId xmlns:a16="http://schemas.microsoft.com/office/drawing/2014/main" id="{F5E62DA9-4817-1857-CB4C-702544E72A15}"/>
               </a:ext>
             </a:extLst>
           </p:cNvPr>
@@ -9147,7 +8934,7 @@
           <p:cNvPr id="43" name="Connecteur : en angle 42">
             <a:extLst>
               <a:ext uri="{FF2B5EF4-FFF2-40B4-BE49-F238E27FC236}">
-                <a16:creationId xmlns:a16="http://schemas.microsoft.com/office/drawing/2014/main" xmlns="" id="{649832DF-EC81-BF95-2CAE-F7BD7955A8A5}"/>
+                <a16:creationId xmlns:a16="http://schemas.microsoft.com/office/drawing/2014/main" id="{649832DF-EC81-BF95-2CAE-F7BD7955A8A5}"/>
               </a:ext>
             </a:extLst>
           </p:cNvPr>
@@ -9189,7 +8976,7 @@
           <p:cNvPr id="45" name="Connecteur : en angle 44">
             <a:extLst>
               <a:ext uri="{FF2B5EF4-FFF2-40B4-BE49-F238E27FC236}">
-                <a16:creationId xmlns:a16="http://schemas.microsoft.com/office/drawing/2014/main" xmlns="" id="{099266D4-97F5-4E7B-ADE9-790139E8A7D6}"/>
+                <a16:creationId xmlns:a16="http://schemas.microsoft.com/office/drawing/2014/main" id="{099266D4-97F5-4E7B-ADE9-790139E8A7D6}"/>
               </a:ext>
             </a:extLst>
           </p:cNvPr>
@@ -9231,7 +9018,7 @@
           <p:cNvPr id="47" name="Connecteur droit avec flèche 46">
             <a:extLst>
               <a:ext uri="{FF2B5EF4-FFF2-40B4-BE49-F238E27FC236}">
-                <a16:creationId xmlns:a16="http://schemas.microsoft.com/office/drawing/2014/main" xmlns="" id="{9D7B20DF-908E-7C86-8190-D45D11FABD13}"/>
+                <a16:creationId xmlns:a16="http://schemas.microsoft.com/office/drawing/2014/main" id="{9D7B20DF-908E-7C86-8190-D45D11FABD13}"/>
               </a:ext>
             </a:extLst>
           </p:cNvPr>
@@ -9274,7 +9061,7 @@
           <p:cNvPr id="56" name="Connecteur droit avec flèche 55">
             <a:extLst>
               <a:ext uri="{FF2B5EF4-FFF2-40B4-BE49-F238E27FC236}">
-                <a16:creationId xmlns:a16="http://schemas.microsoft.com/office/drawing/2014/main" xmlns="" id="{FC53D68D-0788-EF8A-CDDE-B3346EF5CE34}"/>
+                <a16:creationId xmlns:a16="http://schemas.microsoft.com/office/drawing/2014/main" id="{FC53D68D-0788-EF8A-CDDE-B3346EF5CE34}"/>
               </a:ext>
             </a:extLst>
           </p:cNvPr>
@@ -9317,7 +9104,7 @@
           <p:cNvPr id="58" name="Connecteur droit avec flèche 57">
             <a:extLst>
               <a:ext uri="{FF2B5EF4-FFF2-40B4-BE49-F238E27FC236}">
-                <a16:creationId xmlns:a16="http://schemas.microsoft.com/office/drawing/2014/main" xmlns="" id="{24B976DA-B15A-61A7-1686-7DAB19BF621D}"/>
+                <a16:creationId xmlns:a16="http://schemas.microsoft.com/office/drawing/2014/main" id="{24B976DA-B15A-61A7-1686-7DAB19BF621D}"/>
               </a:ext>
             </a:extLst>
           </p:cNvPr>
@@ -9360,7 +9147,7 @@
           <p:cNvPr id="64" name="Connecteur : en angle 63">
             <a:extLst>
               <a:ext uri="{FF2B5EF4-FFF2-40B4-BE49-F238E27FC236}">
-                <a16:creationId xmlns:a16="http://schemas.microsoft.com/office/drawing/2014/main" xmlns="" id="{A6F0342A-D2FE-E4F9-C7BD-DB7EF262D74A}"/>
+                <a16:creationId xmlns:a16="http://schemas.microsoft.com/office/drawing/2014/main" id="{A6F0342A-D2FE-E4F9-C7BD-DB7EF262D74A}"/>
               </a:ext>
             </a:extLst>
           </p:cNvPr>
@@ -9404,7 +9191,7 @@
           <p:cNvPr id="73" name="Connecteur : en angle 72">
             <a:extLst>
               <a:ext uri="{FF2B5EF4-FFF2-40B4-BE49-F238E27FC236}">
-                <a16:creationId xmlns:a16="http://schemas.microsoft.com/office/drawing/2014/main" xmlns="" id="{5F4AF7E8-F5BC-3D9D-7373-AF8E4715ADCD}"/>
+                <a16:creationId xmlns:a16="http://schemas.microsoft.com/office/drawing/2014/main" id="{5F4AF7E8-F5BC-3D9D-7373-AF8E4715ADCD}"/>
               </a:ext>
             </a:extLst>
           </p:cNvPr>
@@ -9445,7 +9232,7 @@
           <p:cNvPr id="75" name="Connecteur : en angle 74">
             <a:extLst>
               <a:ext uri="{FF2B5EF4-FFF2-40B4-BE49-F238E27FC236}">
-                <a16:creationId xmlns:a16="http://schemas.microsoft.com/office/drawing/2014/main" xmlns="" id="{841990B5-CDAF-C60C-A02C-D28C8D27D427}"/>
+                <a16:creationId xmlns:a16="http://schemas.microsoft.com/office/drawing/2014/main" id="{841990B5-CDAF-C60C-A02C-D28C8D27D427}"/>
               </a:ext>
             </a:extLst>
           </p:cNvPr>
@@ -9487,7 +9274,7 @@
           <p:cNvPr id="77" name="Connecteur droit avec flèche 76">
             <a:extLst>
               <a:ext uri="{FF2B5EF4-FFF2-40B4-BE49-F238E27FC236}">
-                <a16:creationId xmlns:a16="http://schemas.microsoft.com/office/drawing/2014/main" xmlns="" id="{F0256DF0-9A4D-F906-5558-4EA1A4EC6AC4}"/>
+                <a16:creationId xmlns:a16="http://schemas.microsoft.com/office/drawing/2014/main" id="{F0256DF0-9A4D-F906-5558-4EA1A4EC6AC4}"/>
               </a:ext>
             </a:extLst>
           </p:cNvPr>
@@ -9529,7 +9316,7 @@
           <p:cNvPr id="85" name="Connecteur droit avec flèche 84">
             <a:extLst>
               <a:ext uri="{FF2B5EF4-FFF2-40B4-BE49-F238E27FC236}">
-                <a16:creationId xmlns:a16="http://schemas.microsoft.com/office/drawing/2014/main" xmlns="" id="{D6393167-CD56-D7FD-A5D4-364CFB24F497}"/>
+                <a16:creationId xmlns:a16="http://schemas.microsoft.com/office/drawing/2014/main" id="{D6393167-CD56-D7FD-A5D4-364CFB24F497}"/>
               </a:ext>
             </a:extLst>
           </p:cNvPr>
@@ -9572,7 +9359,7 @@
           <p:cNvPr id="91" name="Connecteur : en angle 90">
             <a:extLst>
               <a:ext uri="{FF2B5EF4-FFF2-40B4-BE49-F238E27FC236}">
-                <a16:creationId xmlns:a16="http://schemas.microsoft.com/office/drawing/2014/main" xmlns="" id="{0514B31D-2EBD-B825-7FA8-E1B64CEE08AA}"/>
+                <a16:creationId xmlns:a16="http://schemas.microsoft.com/office/drawing/2014/main" id="{0514B31D-2EBD-B825-7FA8-E1B64CEE08AA}"/>
               </a:ext>
             </a:extLst>
           </p:cNvPr>
@@ -9614,7 +9401,7 @@
           <p:cNvPr id="94" name="Connecteur droit avec flèche 93">
             <a:extLst>
               <a:ext uri="{FF2B5EF4-FFF2-40B4-BE49-F238E27FC236}">
-                <a16:creationId xmlns:a16="http://schemas.microsoft.com/office/drawing/2014/main" xmlns="" id="{6F270C21-B04A-3EC1-5747-5CC35E6E63EF}"/>
+                <a16:creationId xmlns:a16="http://schemas.microsoft.com/office/drawing/2014/main" id="{6F270C21-B04A-3EC1-5747-5CC35E6E63EF}"/>
               </a:ext>
             </a:extLst>
           </p:cNvPr>
@@ -9658,7 +9445,7 @@
           <p:cNvPr id="97" name="Ellipse 96">
             <a:extLst>
               <a:ext uri="{FF2B5EF4-FFF2-40B4-BE49-F238E27FC236}">
-                <a16:creationId xmlns:a16="http://schemas.microsoft.com/office/drawing/2014/main" xmlns="" id="{347DDB6E-E264-6860-9E9F-3FF861187FEA}"/>
+                <a16:creationId xmlns:a16="http://schemas.microsoft.com/office/drawing/2014/main" id="{347DDB6E-E264-6860-9E9F-3FF861187FEA}"/>
               </a:ext>
             </a:extLst>
           </p:cNvPr>
@@ -9707,7 +9494,7 @@
           <p:cNvPr id="99" name="Connecteur droit avec flèche 98">
             <a:extLst>
               <a:ext uri="{FF2B5EF4-FFF2-40B4-BE49-F238E27FC236}">
-                <a16:creationId xmlns:a16="http://schemas.microsoft.com/office/drawing/2014/main" xmlns="" id="{B6E6B8BD-6DC5-467F-595F-12C152D9FE05}"/>
+                <a16:creationId xmlns:a16="http://schemas.microsoft.com/office/drawing/2014/main" id="{B6E6B8BD-6DC5-467F-595F-12C152D9FE05}"/>
               </a:ext>
             </a:extLst>
           </p:cNvPr>
@@ -9748,7 +9535,7 @@
     </p:spTree>
     <p:extLst>
       <p:ext uri="{BB962C8B-B14F-4D97-AF65-F5344CB8AC3E}">
-        <p14:creationId xmlns:p14="http://schemas.microsoft.com/office/powerpoint/2010/main" xmlns="" val="2709414635"/>
+        <p14:creationId xmlns:p14="http://schemas.microsoft.com/office/powerpoint/2010/main" val="2709414635"/>
       </p:ext>
     </p:extLst>
   </p:cSld>
@@ -9758,7 +9545,7 @@
 </p:sld>
 </file>
 
-<file path=ppt/slides/slide13.xml><?xml version="1.0" encoding="utf-8"?>
+<file path=ppt/slides/slide12.xml><?xml version="1.0" encoding="utf-8"?>
 <p:sld xmlns:a="http://schemas.openxmlformats.org/drawingml/2006/main" xmlns:r="http://schemas.openxmlformats.org/officeDocument/2006/relationships" xmlns:p="http://schemas.openxmlformats.org/presentationml/2006/main">
   <p:cSld>
     <p:spTree>
@@ -9780,7 +9567,7 @@
           <p:cNvPr id="2" name="Titre 1">
             <a:extLst>
               <a:ext uri="{FF2B5EF4-FFF2-40B4-BE49-F238E27FC236}">
-                <a16:creationId xmlns:a16="http://schemas.microsoft.com/office/drawing/2014/main" xmlns="" id="{EDDD4FAF-1AF8-4391-9A8A-F1F63DD06F1E}"/>
+                <a16:creationId xmlns:a16="http://schemas.microsoft.com/office/drawing/2014/main" id="{EDDD4FAF-1AF8-4391-9A8A-F1F63DD06F1E}"/>
               </a:ext>
             </a:extLst>
           </p:cNvPr>
@@ -9808,7 +9595,7 @@
           <p:cNvPr id="4" name="Rectangle : coins arrondis 3">
             <a:extLst>
               <a:ext uri="{FF2B5EF4-FFF2-40B4-BE49-F238E27FC236}">
-                <a16:creationId xmlns:a16="http://schemas.microsoft.com/office/drawing/2014/main" xmlns="" id="{408360F4-1C42-C75F-D743-3E681C6BA735}"/>
+                <a16:creationId xmlns:a16="http://schemas.microsoft.com/office/drawing/2014/main" id="{408360F4-1C42-C75F-D743-3E681C6BA735}"/>
               </a:ext>
             </a:extLst>
           </p:cNvPr>
@@ -9862,7 +9649,7 @@
           <p:cNvPr id="6" name="Rectangle : coins arrondis 5">
             <a:extLst>
               <a:ext uri="{FF2B5EF4-FFF2-40B4-BE49-F238E27FC236}">
-                <a16:creationId xmlns:a16="http://schemas.microsoft.com/office/drawing/2014/main" xmlns="" id="{480C5267-7A32-140F-086C-C89EC82E391F}"/>
+                <a16:creationId xmlns:a16="http://schemas.microsoft.com/office/drawing/2014/main" id="{480C5267-7A32-140F-086C-C89EC82E391F}"/>
               </a:ext>
             </a:extLst>
           </p:cNvPr>
@@ -9953,7 +9740,7 @@
           <p:cNvPr id="7" name="Rectangle : coins arrondis 6">
             <a:extLst>
               <a:ext uri="{FF2B5EF4-FFF2-40B4-BE49-F238E27FC236}">
-                <a16:creationId xmlns:a16="http://schemas.microsoft.com/office/drawing/2014/main" xmlns="" id="{D0CA73F1-89CC-8128-E55C-3BB5E8E2F11D}"/>
+                <a16:creationId xmlns:a16="http://schemas.microsoft.com/office/drawing/2014/main" id="{D0CA73F1-89CC-8128-E55C-3BB5E8E2F11D}"/>
               </a:ext>
             </a:extLst>
           </p:cNvPr>
@@ -10044,7 +9831,7 @@
           <p:cNvPr id="8" name="Rectangle : coins arrondis 7">
             <a:extLst>
               <a:ext uri="{FF2B5EF4-FFF2-40B4-BE49-F238E27FC236}">
-                <a16:creationId xmlns:a16="http://schemas.microsoft.com/office/drawing/2014/main" xmlns="" id="{2D0EA7FC-8644-8840-9CFD-4527CA625F49}"/>
+                <a16:creationId xmlns:a16="http://schemas.microsoft.com/office/drawing/2014/main" id="{2D0EA7FC-8644-8840-9CFD-4527CA625F49}"/>
               </a:ext>
             </a:extLst>
           </p:cNvPr>
@@ -10135,7 +9922,7 @@
           <p:cNvPr id="9" name="Rectangle : coins arrondis 8">
             <a:extLst>
               <a:ext uri="{FF2B5EF4-FFF2-40B4-BE49-F238E27FC236}">
-                <a16:creationId xmlns:a16="http://schemas.microsoft.com/office/drawing/2014/main" xmlns="" id="{4B5331AA-A5F2-A4D4-BCFB-9686993ADBE6}"/>
+                <a16:creationId xmlns:a16="http://schemas.microsoft.com/office/drawing/2014/main" id="{4B5331AA-A5F2-A4D4-BCFB-9686993ADBE6}"/>
               </a:ext>
             </a:extLst>
           </p:cNvPr>
@@ -10189,7 +9976,7 @@
           <p:cNvPr id="11" name="Connecteur droit avec flèche 10">
             <a:extLst>
               <a:ext uri="{FF2B5EF4-FFF2-40B4-BE49-F238E27FC236}">
-                <a16:creationId xmlns:a16="http://schemas.microsoft.com/office/drawing/2014/main" xmlns="" id="{538CF4AC-C5F5-BF36-FFC3-76006B5FE3CF}"/>
+                <a16:creationId xmlns:a16="http://schemas.microsoft.com/office/drawing/2014/main" id="{538CF4AC-C5F5-BF36-FFC3-76006B5FE3CF}"/>
               </a:ext>
             </a:extLst>
           </p:cNvPr>
@@ -10232,7 +10019,7 @@
           <p:cNvPr id="13" name="Connecteur : en angle 12">
             <a:extLst>
               <a:ext uri="{FF2B5EF4-FFF2-40B4-BE49-F238E27FC236}">
-                <a16:creationId xmlns:a16="http://schemas.microsoft.com/office/drawing/2014/main" xmlns="" id="{91CE8145-9DAB-9C1D-4A85-8AF1160DC6EA}"/>
+                <a16:creationId xmlns:a16="http://schemas.microsoft.com/office/drawing/2014/main" id="{91CE8145-9DAB-9C1D-4A85-8AF1160DC6EA}"/>
               </a:ext>
             </a:extLst>
           </p:cNvPr>
@@ -10277,7 +10064,7 @@
           <p:cNvPr id="16" name="Connecteur : en angle 15">
             <a:extLst>
               <a:ext uri="{FF2B5EF4-FFF2-40B4-BE49-F238E27FC236}">
-                <a16:creationId xmlns:a16="http://schemas.microsoft.com/office/drawing/2014/main" xmlns="" id="{6206946B-EE9C-7337-4DB5-72FB851B7748}"/>
+                <a16:creationId xmlns:a16="http://schemas.microsoft.com/office/drawing/2014/main" id="{6206946B-EE9C-7337-4DB5-72FB851B7748}"/>
               </a:ext>
             </a:extLst>
           </p:cNvPr>
@@ -10320,7 +10107,7 @@
           <p:cNvPr id="18" name="Connecteur : en angle 17">
             <a:extLst>
               <a:ext uri="{FF2B5EF4-FFF2-40B4-BE49-F238E27FC236}">
-                <a16:creationId xmlns:a16="http://schemas.microsoft.com/office/drawing/2014/main" xmlns="" id="{4F00918C-E217-40A5-A50C-14723B5C1BF6}"/>
+                <a16:creationId xmlns:a16="http://schemas.microsoft.com/office/drawing/2014/main" id="{4F00918C-E217-40A5-A50C-14723B5C1BF6}"/>
               </a:ext>
             </a:extLst>
           </p:cNvPr>
@@ -10362,7 +10149,7 @@
           <p:cNvPr id="20" name="Connecteur droit avec flèche 19">
             <a:extLst>
               <a:ext uri="{FF2B5EF4-FFF2-40B4-BE49-F238E27FC236}">
-                <a16:creationId xmlns:a16="http://schemas.microsoft.com/office/drawing/2014/main" xmlns="" id="{FB82EACB-A79E-2C71-8F82-2481E4ED9E16}"/>
+                <a16:creationId xmlns:a16="http://schemas.microsoft.com/office/drawing/2014/main" id="{FB82EACB-A79E-2C71-8F82-2481E4ED9E16}"/>
               </a:ext>
             </a:extLst>
           </p:cNvPr>
@@ -10404,7 +10191,7 @@
           <p:cNvPr id="22" name="Connecteur : en angle 21">
             <a:extLst>
               <a:ext uri="{FF2B5EF4-FFF2-40B4-BE49-F238E27FC236}">
-                <a16:creationId xmlns:a16="http://schemas.microsoft.com/office/drawing/2014/main" xmlns="" id="{37C1945C-B3E1-3114-F0E4-2378E67B7020}"/>
+                <a16:creationId xmlns:a16="http://schemas.microsoft.com/office/drawing/2014/main" id="{37C1945C-B3E1-3114-F0E4-2378E67B7020}"/>
               </a:ext>
             </a:extLst>
           </p:cNvPr>
@@ -10446,7 +10233,7 @@
           <p:cNvPr id="23" name="Rectangle : coins arrondis 22">
             <a:extLst>
               <a:ext uri="{FF2B5EF4-FFF2-40B4-BE49-F238E27FC236}">
-                <a16:creationId xmlns:a16="http://schemas.microsoft.com/office/drawing/2014/main" xmlns="" id="{9D2F720B-C588-00B1-6FB1-9F478F94CCBF}"/>
+                <a16:creationId xmlns:a16="http://schemas.microsoft.com/office/drawing/2014/main" id="{9D2F720B-C588-00B1-6FB1-9F478F94CCBF}"/>
               </a:ext>
             </a:extLst>
           </p:cNvPr>
@@ -10511,7 +10298,7 @@
           <p:cNvPr id="24" name="Rectangle : coins arrondis 23">
             <a:extLst>
               <a:ext uri="{FF2B5EF4-FFF2-40B4-BE49-F238E27FC236}">
-                <a16:creationId xmlns:a16="http://schemas.microsoft.com/office/drawing/2014/main" xmlns="" id="{6D14735D-2E8E-5A28-3193-3583FFF962BD}"/>
+                <a16:creationId xmlns:a16="http://schemas.microsoft.com/office/drawing/2014/main" id="{6D14735D-2E8E-5A28-3193-3583FFF962BD}"/>
               </a:ext>
             </a:extLst>
           </p:cNvPr>
@@ -10602,7 +10389,7 @@
           <p:cNvPr id="26" name="Connecteur droit avec flèche 25">
             <a:extLst>
               <a:ext uri="{FF2B5EF4-FFF2-40B4-BE49-F238E27FC236}">
-                <a16:creationId xmlns:a16="http://schemas.microsoft.com/office/drawing/2014/main" xmlns="" id="{48EB9CB8-FDEB-830B-F42C-D8AAB5BA809C}"/>
+                <a16:creationId xmlns:a16="http://schemas.microsoft.com/office/drawing/2014/main" id="{48EB9CB8-FDEB-830B-F42C-D8AAB5BA809C}"/>
               </a:ext>
             </a:extLst>
           </p:cNvPr>
@@ -10644,7 +10431,7 @@
           <p:cNvPr id="28" name="Connecteur droit avec flèche 27">
             <a:extLst>
               <a:ext uri="{FF2B5EF4-FFF2-40B4-BE49-F238E27FC236}">
-                <a16:creationId xmlns:a16="http://schemas.microsoft.com/office/drawing/2014/main" xmlns="" id="{8B5E8CF1-D755-71CC-5528-A14775016C0C}"/>
+                <a16:creationId xmlns:a16="http://schemas.microsoft.com/office/drawing/2014/main" id="{8B5E8CF1-D755-71CC-5528-A14775016C0C}"/>
               </a:ext>
             </a:extLst>
           </p:cNvPr>
@@ -10686,7 +10473,7 @@
           <p:cNvPr id="29" name="Rectangle : coins arrondis 28">
             <a:extLst>
               <a:ext uri="{FF2B5EF4-FFF2-40B4-BE49-F238E27FC236}">
-                <a16:creationId xmlns:a16="http://schemas.microsoft.com/office/drawing/2014/main" xmlns="" id="{8964EDCE-378D-7DB8-E663-ABEECE2A6376}"/>
+                <a16:creationId xmlns:a16="http://schemas.microsoft.com/office/drawing/2014/main" id="{8964EDCE-378D-7DB8-E663-ABEECE2A6376}"/>
               </a:ext>
             </a:extLst>
           </p:cNvPr>
@@ -10745,7 +10532,7 @@
           <p:cNvPr id="33" name="Rectangle : coins arrondis 32">
             <a:extLst>
               <a:ext uri="{FF2B5EF4-FFF2-40B4-BE49-F238E27FC236}">
-                <a16:creationId xmlns:a16="http://schemas.microsoft.com/office/drawing/2014/main" xmlns="" id="{761FE718-768F-2F5C-79F7-F194CEEDAE62}"/>
+                <a16:creationId xmlns:a16="http://schemas.microsoft.com/office/drawing/2014/main" id="{761FE718-768F-2F5C-79F7-F194CEEDAE62}"/>
               </a:ext>
             </a:extLst>
           </p:cNvPr>
@@ -10820,7 +10607,7 @@
           <p:cNvPr id="34" name="Rectangle : coins arrondis 33">
             <a:extLst>
               <a:ext uri="{FF2B5EF4-FFF2-40B4-BE49-F238E27FC236}">
-                <a16:creationId xmlns:a16="http://schemas.microsoft.com/office/drawing/2014/main" xmlns="" id="{7E90820F-5D34-0413-1E80-55237E614638}"/>
+                <a16:creationId xmlns:a16="http://schemas.microsoft.com/office/drawing/2014/main" id="{7E90820F-5D34-0413-1E80-55237E614638}"/>
               </a:ext>
             </a:extLst>
           </p:cNvPr>
@@ -10879,7 +10666,7 @@
           <p:cNvPr id="35" name="Rectangle : coins arrondis 34">
             <a:extLst>
               <a:ext uri="{FF2B5EF4-FFF2-40B4-BE49-F238E27FC236}">
-                <a16:creationId xmlns:a16="http://schemas.microsoft.com/office/drawing/2014/main" xmlns="" id="{19F321DE-F48A-05FA-1088-ADF77DEC07D1}"/>
+                <a16:creationId xmlns:a16="http://schemas.microsoft.com/office/drawing/2014/main" id="{19F321DE-F48A-05FA-1088-ADF77DEC07D1}"/>
               </a:ext>
             </a:extLst>
           </p:cNvPr>
@@ -10954,7 +10741,7 @@
           <p:cNvPr id="37" name="Connecteur : en angle 36">
             <a:extLst>
               <a:ext uri="{FF2B5EF4-FFF2-40B4-BE49-F238E27FC236}">
-                <a16:creationId xmlns:a16="http://schemas.microsoft.com/office/drawing/2014/main" xmlns="" id="{194AA783-B657-67BB-2AC4-12BB270F3B8F}"/>
+                <a16:creationId xmlns:a16="http://schemas.microsoft.com/office/drawing/2014/main" id="{194AA783-B657-67BB-2AC4-12BB270F3B8F}"/>
               </a:ext>
             </a:extLst>
           </p:cNvPr>
@@ -10996,7 +10783,7 @@
           <p:cNvPr id="41" name="Connecteur : en angle 40">
             <a:extLst>
               <a:ext uri="{FF2B5EF4-FFF2-40B4-BE49-F238E27FC236}">
-                <a16:creationId xmlns:a16="http://schemas.microsoft.com/office/drawing/2014/main" xmlns="" id="{E7E5FD3C-A12E-14B0-C398-88A95F5121EB}"/>
+                <a16:creationId xmlns:a16="http://schemas.microsoft.com/office/drawing/2014/main" id="{E7E5FD3C-A12E-14B0-C398-88A95F5121EB}"/>
               </a:ext>
             </a:extLst>
           </p:cNvPr>
@@ -11038,7 +10825,7 @@
           <p:cNvPr id="43" name="Connecteur droit avec flèche 42">
             <a:extLst>
               <a:ext uri="{FF2B5EF4-FFF2-40B4-BE49-F238E27FC236}">
-                <a16:creationId xmlns:a16="http://schemas.microsoft.com/office/drawing/2014/main" xmlns="" id="{F81F4414-E13F-EBDD-DF03-EDD00751248E}"/>
+                <a16:creationId xmlns:a16="http://schemas.microsoft.com/office/drawing/2014/main" id="{F81F4414-E13F-EBDD-DF03-EDD00751248E}"/>
               </a:ext>
             </a:extLst>
           </p:cNvPr>
@@ -11080,7 +10867,7 @@
           <p:cNvPr id="44" name="Rectangle : coins arrondis 43">
             <a:extLst>
               <a:ext uri="{FF2B5EF4-FFF2-40B4-BE49-F238E27FC236}">
-                <a16:creationId xmlns:a16="http://schemas.microsoft.com/office/drawing/2014/main" xmlns="" id="{FCAD3380-B30F-8363-2DE2-AB222B90A466}"/>
+                <a16:creationId xmlns:a16="http://schemas.microsoft.com/office/drawing/2014/main" id="{FCAD3380-B30F-8363-2DE2-AB222B90A466}"/>
               </a:ext>
             </a:extLst>
           </p:cNvPr>
@@ -11182,7 +10969,7 @@
           <p:cNvPr id="46" name="Connecteur : en angle 45">
             <a:extLst>
               <a:ext uri="{FF2B5EF4-FFF2-40B4-BE49-F238E27FC236}">
-                <a16:creationId xmlns:a16="http://schemas.microsoft.com/office/drawing/2014/main" xmlns="" id="{FC02D047-0F9B-7A30-F0DC-C65827D5617F}"/>
+                <a16:creationId xmlns:a16="http://schemas.microsoft.com/office/drawing/2014/main" id="{FC02D047-0F9B-7A30-F0DC-C65827D5617F}"/>
               </a:ext>
             </a:extLst>
           </p:cNvPr>
@@ -11223,7 +11010,7 @@
           <p:cNvPr id="48" name="Connecteur : en angle 47">
             <a:extLst>
               <a:ext uri="{FF2B5EF4-FFF2-40B4-BE49-F238E27FC236}">
-                <a16:creationId xmlns:a16="http://schemas.microsoft.com/office/drawing/2014/main" xmlns="" id="{7921153C-DCAD-D5A9-BDB8-3CABA52A375D}"/>
+                <a16:creationId xmlns:a16="http://schemas.microsoft.com/office/drawing/2014/main" id="{7921153C-DCAD-D5A9-BDB8-3CABA52A375D}"/>
               </a:ext>
             </a:extLst>
           </p:cNvPr>
@@ -11266,7 +11053,7 @@
           <p:cNvPr id="50" name="Connecteur : en angle 49">
             <a:extLst>
               <a:ext uri="{FF2B5EF4-FFF2-40B4-BE49-F238E27FC236}">
-                <a16:creationId xmlns:a16="http://schemas.microsoft.com/office/drawing/2014/main" xmlns="" id="{35521BC1-1ABB-0909-AE90-BB448CBF71F5}"/>
+                <a16:creationId xmlns:a16="http://schemas.microsoft.com/office/drawing/2014/main" id="{35521BC1-1ABB-0909-AE90-BB448CBF71F5}"/>
               </a:ext>
             </a:extLst>
           </p:cNvPr>
@@ -11309,7 +11096,7 @@
           <p:cNvPr id="52" name="Connecteur : en angle 51">
             <a:extLst>
               <a:ext uri="{FF2B5EF4-FFF2-40B4-BE49-F238E27FC236}">
-                <a16:creationId xmlns:a16="http://schemas.microsoft.com/office/drawing/2014/main" xmlns="" id="{CB799732-1313-5D67-4F99-8F2A543279BF}"/>
+                <a16:creationId xmlns:a16="http://schemas.microsoft.com/office/drawing/2014/main" id="{CB799732-1313-5D67-4F99-8F2A543279BF}"/>
               </a:ext>
             </a:extLst>
           </p:cNvPr>
@@ -11351,7 +11138,7 @@
     </p:spTree>
     <p:extLst>
       <p:ext uri="{BB962C8B-B14F-4D97-AF65-F5344CB8AC3E}">
-        <p14:creationId xmlns:p14="http://schemas.microsoft.com/office/powerpoint/2010/main" xmlns="" val="399026903"/>
+        <p14:creationId xmlns:p14="http://schemas.microsoft.com/office/powerpoint/2010/main" val="399026903"/>
       </p:ext>
     </p:extLst>
   </p:cSld>
@@ -11361,7 +11148,7 @@
 </p:sld>
 </file>
 
-<file path=ppt/slides/slide14.xml><?xml version="1.0" encoding="utf-8"?>
+<file path=ppt/slides/slide13.xml><?xml version="1.0" encoding="utf-8"?>
 <p:sld xmlns:a="http://schemas.openxmlformats.org/drawingml/2006/main" xmlns:r="http://schemas.openxmlformats.org/officeDocument/2006/relationships" xmlns:p="http://schemas.openxmlformats.org/presentationml/2006/main">
   <p:cSld>
     <p:spTree>
@@ -11383,7 +11170,7 @@
           <p:cNvPr id="4" name="Titre 1">
             <a:extLst>
               <a:ext uri="{FF2B5EF4-FFF2-40B4-BE49-F238E27FC236}">
-                <a16:creationId xmlns:a16="http://schemas.microsoft.com/office/drawing/2014/main" xmlns="" id="{BCDD4BC3-33C4-0072-9904-331307E4B50B}"/>
+                <a16:creationId xmlns:a16="http://schemas.microsoft.com/office/drawing/2014/main" id="{BCDD4BC3-33C4-0072-9904-331307E4B50B}"/>
               </a:ext>
             </a:extLst>
           </p:cNvPr>
@@ -11416,7 +11203,7 @@
           <p:cNvPr id="5" name="Titre 1">
             <a:extLst>
               <a:ext uri="{FF2B5EF4-FFF2-40B4-BE49-F238E27FC236}">
-                <a16:creationId xmlns:a16="http://schemas.microsoft.com/office/drawing/2014/main" xmlns="" id="{66530794-D329-D508-55C7-BFF305556223}"/>
+                <a16:creationId xmlns:a16="http://schemas.microsoft.com/office/drawing/2014/main" id="{66530794-D329-D508-55C7-BFF305556223}"/>
               </a:ext>
             </a:extLst>
           </p:cNvPr>
@@ -11703,7 +11490,7 @@
           <p:cNvPr id="6" name="Titre 1">
             <a:extLst>
               <a:ext uri="{FF2B5EF4-FFF2-40B4-BE49-F238E27FC236}">
-                <a16:creationId xmlns:a16="http://schemas.microsoft.com/office/drawing/2014/main" xmlns="" id="{46C6AF4B-B1D6-4344-AA48-68F4E2C3E564}"/>
+                <a16:creationId xmlns:a16="http://schemas.microsoft.com/office/drawing/2014/main" id="{46C6AF4B-B1D6-4344-AA48-68F4E2C3E564}"/>
               </a:ext>
             </a:extLst>
           </p:cNvPr>
@@ -11987,7 +11774,7 @@
     </p:spTree>
     <p:extLst>
       <p:ext uri="{BB962C8B-B14F-4D97-AF65-F5344CB8AC3E}">
-        <p14:creationId xmlns:p14="http://schemas.microsoft.com/office/powerpoint/2010/main" xmlns="" val="3270809342"/>
+        <p14:creationId xmlns:p14="http://schemas.microsoft.com/office/powerpoint/2010/main" val="3270809342"/>
       </p:ext>
     </p:extLst>
   </p:cSld>
@@ -11997,7 +11784,7 @@
 </p:sld>
 </file>
 
-<file path=ppt/slides/slide15.xml><?xml version="1.0" encoding="utf-8"?>
+<file path=ppt/slides/slide14.xml><?xml version="1.0" encoding="utf-8"?>
 <p:sld xmlns:a="http://schemas.openxmlformats.org/drawingml/2006/main" xmlns:r="http://schemas.openxmlformats.org/officeDocument/2006/relationships" xmlns:p="http://schemas.openxmlformats.org/presentationml/2006/main">
   <p:cSld>
     <p:spTree>
@@ -12019,7 +11806,7 @@
           <p:cNvPr id="2" name="Titre 1">
             <a:extLst>
               <a:ext uri="{FF2B5EF4-FFF2-40B4-BE49-F238E27FC236}">
-                <a16:creationId xmlns:a16="http://schemas.microsoft.com/office/drawing/2014/main" xmlns="" id="{2EA2BC10-1FAE-3800-B973-2D0E47A0D267}"/>
+                <a16:creationId xmlns:a16="http://schemas.microsoft.com/office/drawing/2014/main" id="{2EA2BC10-1FAE-3800-B973-2D0E47A0D267}"/>
               </a:ext>
             </a:extLst>
           </p:cNvPr>
@@ -12045,7 +11832,7 @@
     </p:spTree>
     <p:extLst>
       <p:ext uri="{BB962C8B-B14F-4D97-AF65-F5344CB8AC3E}">
-        <p14:creationId xmlns:p14="http://schemas.microsoft.com/office/powerpoint/2010/main" xmlns="" val="1808465620"/>
+        <p14:creationId xmlns:p14="http://schemas.microsoft.com/office/powerpoint/2010/main" val="1808465620"/>
       </p:ext>
     </p:extLst>
   </p:cSld>
@@ -12077,7 +11864,7 @@
           <p:cNvPr id="2" name="Titre 1">
             <a:extLst>
               <a:ext uri="{FF2B5EF4-FFF2-40B4-BE49-F238E27FC236}">
-                <a16:creationId xmlns:a16="http://schemas.microsoft.com/office/drawing/2014/main" xmlns="" id="{709515F8-52F5-41EA-9F94-01B0981A1295}"/>
+                <a16:creationId xmlns:a16="http://schemas.microsoft.com/office/drawing/2014/main" id="{709515F8-52F5-41EA-9F94-01B0981A1295}"/>
               </a:ext>
             </a:extLst>
           </p:cNvPr>
@@ -12105,7 +11892,7 @@
           <p:cNvPr id="3" name="Espace réservé du contenu 2">
             <a:extLst>
               <a:ext uri="{FF2B5EF4-FFF2-40B4-BE49-F238E27FC236}">
-                <a16:creationId xmlns:a16="http://schemas.microsoft.com/office/drawing/2014/main" xmlns="" id="{BF6A637C-CB97-4C62-85F7-63CB79C428D8}"/>
+                <a16:creationId xmlns:a16="http://schemas.microsoft.com/office/drawing/2014/main" id="{BF6A637C-CB97-4C62-85F7-63CB79C428D8}"/>
               </a:ext>
             </a:extLst>
           </p:cNvPr>
@@ -12153,25 +11940,8 @@
                 <a:effectLst/>
                 <a:latin typeface="arial" panose="020B0604020202020204" pitchFamily="34" charset="0"/>
               </a:rPr>
-              <a:t>Présentation de la carte </a:t>
+              <a:t>Présentation de la carte interface</a:t>
             </a:r>
-            <a:r>
-              <a:rPr lang="fr-FR" sz="1600" b="0" i="0" dirty="0" smtClean="0">
-                <a:solidFill>
-                  <a:srgbClr val="000000"/>
-                </a:solidFill>
-                <a:effectLst/>
-                <a:latin typeface="arial" panose="020B0604020202020204" pitchFamily="34" charset="0"/>
-              </a:rPr>
-              <a:t>interface</a:t>
-            </a:r>
-            <a:endParaRPr lang="fr-FR" sz="1600" b="0" i="0" dirty="0">
-              <a:solidFill>
-                <a:srgbClr val="000000"/>
-              </a:solidFill>
-              <a:effectLst/>
-              <a:latin typeface="arial" panose="020B0604020202020204" pitchFamily="34" charset="0"/>
-            </a:endParaRPr>
           </a:p>
           <a:p>
             <a:pPr algn="l">
@@ -12217,7 +11987,7 @@
                 <a:effectLst/>
                 <a:latin typeface="arial" panose="020B0604020202020204" pitchFamily="34" charset="0"/>
               </a:rPr>
-              <a:t>Schéma du prétraitement IMU</a:t>
+              <a:t>Gestion des ultrasons</a:t>
             </a:r>
           </a:p>
           <a:p>
@@ -12232,7 +12002,22 @@
                 </a:solidFill>
                 <a:latin typeface="arial" panose="020B0604020202020204" pitchFamily="34" charset="0"/>
               </a:rPr>
-              <a:t>Schéma du Dijkstra</a:t>
+              <a:t>Changement de carte Dijkstra</a:t>
+            </a:r>
+          </a:p>
+          <a:p>
+            <a:pPr algn="l">
+              <a:buFont typeface="Arial" panose="020B0604020202020204" pitchFamily="34" charset="0"/>
+              <a:buChar char="•"/>
+            </a:pPr>
+            <a:r>
+              <a:rPr lang="fr-FR" sz="1600" dirty="0">
+                <a:solidFill>
+                  <a:srgbClr val="000000"/>
+                </a:solidFill>
+                <a:latin typeface="arial" panose="020B0604020202020204" pitchFamily="34" charset="0"/>
+              </a:rPr>
+              <a:t>Balises</a:t>
             </a:r>
             <a:endParaRPr lang="fr-FR" sz="1600" b="0" i="0" dirty="0">
               <a:solidFill>
@@ -12241,22 +12026,6 @@
               <a:effectLst/>
               <a:latin typeface="arial" panose="020B0604020202020204" pitchFamily="34" charset="0"/>
             </a:endParaRPr>
-          </a:p>
-          <a:p>
-            <a:pPr algn="l">
-              <a:buFont typeface="Arial" panose="020B0604020202020204" pitchFamily="34" charset="0"/>
-              <a:buChar char="•"/>
-            </a:pPr>
-            <a:r>
-              <a:rPr lang="fr-FR" sz="1600" b="0" i="0" dirty="0">
-                <a:solidFill>
-                  <a:srgbClr val="000000"/>
-                </a:solidFill>
-                <a:effectLst/>
-                <a:latin typeface="arial" panose="020B0604020202020204" pitchFamily="34" charset="0"/>
-              </a:rPr>
-              <a:t>Connexion et communication entre FPGA et Soft</a:t>
-            </a:r>
           </a:p>
           <a:p>
             <a:pPr marL="186262" indent="0" algn="l">
@@ -12382,7 +12151,7 @@
     </p:spTree>
     <p:extLst>
       <p:ext uri="{BB962C8B-B14F-4D97-AF65-F5344CB8AC3E}">
-        <p14:creationId xmlns:p14="http://schemas.microsoft.com/office/powerpoint/2010/main" xmlns="" val="4219772065"/>
+        <p14:creationId xmlns:p14="http://schemas.microsoft.com/office/powerpoint/2010/main" val="4219772065"/>
       </p:ext>
     </p:extLst>
   </p:cSld>
@@ -12414,7 +12183,7 @@
           <p:cNvPr id="2" name="Titre 1">
             <a:extLst>
               <a:ext uri="{FF2B5EF4-FFF2-40B4-BE49-F238E27FC236}">
-                <a16:creationId xmlns:a16="http://schemas.microsoft.com/office/drawing/2014/main" xmlns="" id="{8DD7FC93-5892-4592-BBFC-C8DD177163ED}"/>
+                <a16:creationId xmlns:a16="http://schemas.microsoft.com/office/drawing/2014/main" id="{8DD7FC93-5892-4592-BBFC-C8DD177163ED}"/>
               </a:ext>
             </a:extLst>
           </p:cNvPr>
@@ -12432,13 +12201,8 @@
           <a:p>
             <a:r>
               <a:rPr lang="fr-FR" dirty="0"/>
-              <a:t>Hard: Carte </a:t>
+              <a:t>Hard: Carte interface</a:t>
             </a:r>
-            <a:r>
-              <a:rPr lang="fr-FR" dirty="0" smtClean="0"/>
-              <a:t>interface</a:t>
-            </a:r>
-            <a:endParaRPr lang="fr-FR" dirty="0"/>
           </a:p>
         </p:txBody>
       </p:sp>
@@ -12477,7 +12241,7 @@
     </p:spTree>
     <p:extLst>
       <p:ext uri="{BB962C8B-B14F-4D97-AF65-F5344CB8AC3E}">
-        <p14:creationId xmlns:p14="http://schemas.microsoft.com/office/powerpoint/2010/main" xmlns="" val="2251765279"/>
+        <p14:creationId xmlns:p14="http://schemas.microsoft.com/office/powerpoint/2010/main" val="2251765279"/>
       </p:ext>
     </p:extLst>
   </p:cSld>
@@ -12509,7 +12273,7 @@
           <p:cNvPr id="2" name="Titre 1">
             <a:extLst>
               <a:ext uri="{FF2B5EF4-FFF2-40B4-BE49-F238E27FC236}">
-                <a16:creationId xmlns:a16="http://schemas.microsoft.com/office/drawing/2014/main" xmlns="" id="{BDEF606E-A611-403F-B367-E6244B4A4623}"/>
+                <a16:creationId xmlns:a16="http://schemas.microsoft.com/office/drawing/2014/main" id="{BDEF606E-A611-403F-B367-E6244B4A4623}"/>
               </a:ext>
             </a:extLst>
           </p:cNvPr>
@@ -12567,7 +12331,7 @@
     </p:spTree>
     <p:extLst>
       <p:ext uri="{BB962C8B-B14F-4D97-AF65-F5344CB8AC3E}">
-        <p14:creationId xmlns:p14="http://schemas.microsoft.com/office/powerpoint/2010/main" xmlns="" val="205039471"/>
+        <p14:creationId xmlns:p14="http://schemas.microsoft.com/office/powerpoint/2010/main" val="205039471"/>
       </p:ext>
     </p:extLst>
   </p:cSld>
@@ -12599,7 +12363,7 @@
           <p:cNvPr id="2" name="Titre 1">
             <a:extLst>
               <a:ext uri="{FF2B5EF4-FFF2-40B4-BE49-F238E27FC236}">
-                <a16:creationId xmlns:a16="http://schemas.microsoft.com/office/drawing/2014/main" xmlns="" id="{BDEF606E-A611-403F-B367-E6244B4A4623}"/>
+                <a16:creationId xmlns:a16="http://schemas.microsoft.com/office/drawing/2014/main" id="{BDEF606E-A611-403F-B367-E6244B4A4623}"/>
               </a:ext>
             </a:extLst>
           </p:cNvPr>
@@ -12657,7 +12421,7 @@
     </p:spTree>
     <p:extLst>
       <p:ext uri="{BB962C8B-B14F-4D97-AF65-F5344CB8AC3E}">
-        <p14:creationId xmlns:p14="http://schemas.microsoft.com/office/powerpoint/2010/main" xmlns="" val="205039471"/>
+        <p14:creationId xmlns:p14="http://schemas.microsoft.com/office/powerpoint/2010/main" val="205039471"/>
       </p:ext>
     </p:extLst>
   </p:cSld>
@@ -12689,7 +12453,7 @@
           <p:cNvPr id="2" name="Titre 1">
             <a:extLst>
               <a:ext uri="{FF2B5EF4-FFF2-40B4-BE49-F238E27FC236}">
-                <a16:creationId xmlns:a16="http://schemas.microsoft.com/office/drawing/2014/main" xmlns="" id="{BDEF606E-A611-403F-B367-E6244B4A4623}"/>
+                <a16:creationId xmlns:a16="http://schemas.microsoft.com/office/drawing/2014/main" id="{BDEF606E-A611-403F-B367-E6244B4A4623}"/>
               </a:ext>
             </a:extLst>
           </p:cNvPr>
@@ -12747,7 +12511,7 @@
     </p:spTree>
     <p:extLst>
       <p:ext uri="{BB962C8B-B14F-4D97-AF65-F5344CB8AC3E}">
-        <p14:creationId xmlns:p14="http://schemas.microsoft.com/office/powerpoint/2010/main" xmlns="" val="205039471"/>
+        <p14:creationId xmlns:p14="http://schemas.microsoft.com/office/powerpoint/2010/main" val="205039471"/>
       </p:ext>
     </p:extLst>
   </p:cSld>
@@ -12779,7 +12543,7 @@
           <p:cNvPr id="2" name="Titre 1">
             <a:extLst>
               <a:ext uri="{FF2B5EF4-FFF2-40B4-BE49-F238E27FC236}">
-                <a16:creationId xmlns:a16="http://schemas.microsoft.com/office/drawing/2014/main" xmlns="" id="{BDEF606E-A611-403F-B367-E6244B4A4623}"/>
+                <a16:creationId xmlns:a16="http://schemas.microsoft.com/office/drawing/2014/main" id="{BDEF606E-A611-403F-B367-E6244B4A4623}"/>
               </a:ext>
             </a:extLst>
           </p:cNvPr>
@@ -12797,17 +12561,64 @@
           <a:p>
             <a:r>
               <a:rPr lang="fr-FR" dirty="0"/>
-              <a:t>FPGA: Schéma du prétraitement IMU</a:t>
+              <a:t>FPGA: Gestion des ultrasons</a:t>
             </a:r>
           </a:p>
         </p:txBody>
       </p:sp>
       <p:pic>
         <p:nvPicPr>
-          <p:cNvPr id="4" name="Image 3">
+          <p:cNvPr id="1026" name="Picture 2">
             <a:extLst>
               <a:ext uri="{FF2B5EF4-FFF2-40B4-BE49-F238E27FC236}">
-                <a16:creationId xmlns:a16="http://schemas.microsoft.com/office/drawing/2014/main" xmlns="" id="{63FD58AC-B891-51C3-2B78-04786650DDA7}"/>
+                <a16:creationId xmlns:a16="http://schemas.microsoft.com/office/drawing/2014/main" id="{EEEBF244-653F-C43E-B306-701F51A05604}"/>
+              </a:ext>
+            </a:extLst>
+          </p:cNvPr>
+          <p:cNvPicPr>
+            <a:picLocks noChangeAspect="1" noChangeArrowheads="1"/>
+          </p:cNvPicPr>
+          <p:nvPr/>
+        </p:nvPicPr>
+        <p:blipFill>
+          <a:blip r:embed="rId2">
+            <a:extLst>
+              <a:ext uri="{28A0092B-C50C-407E-A947-70E740481C1C}">
+                <a14:useLocalDpi xmlns:a14="http://schemas.microsoft.com/office/drawing/2010/main" val="0"/>
+              </a:ext>
+            </a:extLst>
+          </a:blip>
+          <a:srcRect/>
+          <a:stretch>
+            <a:fillRect/>
+          </a:stretch>
+        </p:blipFill>
+        <p:spPr bwMode="auto">
+          <a:xfrm>
+            <a:off x="838200" y="1305731"/>
+            <a:ext cx="6537695" cy="3601829"/>
+          </a:xfrm>
+          <a:prstGeom prst="rect">
+            <a:avLst/>
+          </a:prstGeom>
+          <a:noFill/>
+          <a:extLst>
+            <a:ext uri="{909E8E84-426E-40DD-AFC4-6F175D3DCCD1}">
+              <a14:hiddenFill xmlns:a14="http://schemas.microsoft.com/office/drawing/2010/main">
+                <a:solidFill>
+                  <a:srgbClr val="FFFFFF"/>
+                </a:solidFill>
+              </a14:hiddenFill>
+            </a:ext>
+          </a:extLst>
+        </p:spPr>
+      </p:pic>
+      <p:pic>
+        <p:nvPicPr>
+          <p:cNvPr id="3" name="Image 2">
+            <a:extLst>
+              <a:ext uri="{FF2B5EF4-FFF2-40B4-BE49-F238E27FC236}">
+                <a16:creationId xmlns:a16="http://schemas.microsoft.com/office/drawing/2014/main" id="{B41E45BF-A8FB-6DA4-FD07-87CB1C5DD9D8}"/>
               </a:ext>
             </a:extLst>
           </p:cNvPr>
@@ -12817,15 +12628,15 @@
           <p:nvPr/>
         </p:nvPicPr>
         <p:blipFill>
-          <a:blip r:embed="rId2" cstate="print"/>
+          <a:blip r:embed="rId3"/>
           <a:stretch>
             <a:fillRect/>
           </a:stretch>
         </p:blipFill>
         <p:spPr>
           <a:xfrm>
-            <a:off x="1490124" y="1412689"/>
-            <a:ext cx="9211752" cy="4803553"/>
+            <a:off x="7853827" y="1175467"/>
+            <a:ext cx="3499973" cy="5523142"/>
           </a:xfrm>
           <a:prstGeom prst="rect">
             <a:avLst/>
@@ -12835,7 +12646,7 @@
     </p:spTree>
     <p:extLst>
       <p:ext uri="{BB962C8B-B14F-4D97-AF65-F5344CB8AC3E}">
-        <p14:creationId xmlns:p14="http://schemas.microsoft.com/office/powerpoint/2010/main" xmlns="" val="205039471"/>
+        <p14:creationId xmlns:p14="http://schemas.microsoft.com/office/powerpoint/2010/main" val="205039471"/>
       </p:ext>
     </p:extLst>
   </p:cSld>
@@ -12867,7 +12678,7 @@
           <p:cNvPr id="2" name="Titre 1">
             <a:extLst>
               <a:ext uri="{FF2B5EF4-FFF2-40B4-BE49-F238E27FC236}">
-                <a16:creationId xmlns:a16="http://schemas.microsoft.com/office/drawing/2014/main" xmlns="" id="{BDEF606E-A611-403F-B367-E6244B4A4623}"/>
+                <a16:creationId xmlns:a16="http://schemas.microsoft.com/office/drawing/2014/main" id="{BDEF606E-A611-403F-B367-E6244B4A4623}"/>
               </a:ext>
             </a:extLst>
           </p:cNvPr>
@@ -12885,17 +12696,17 @@
           <a:p>
             <a:r>
               <a:rPr lang="fr-FR" dirty="0"/>
-              <a:t>FPGA: Schéma du prétraitement IMU</a:t>
+              <a:t>FPGA: Changement de carte Dijkstra</a:t>
             </a:r>
           </a:p>
         </p:txBody>
       </p:sp>
       <p:pic>
         <p:nvPicPr>
-          <p:cNvPr id="5" name="Image 4">
+          <p:cNvPr id="4" name="Image 3">
             <a:extLst>
               <a:ext uri="{FF2B5EF4-FFF2-40B4-BE49-F238E27FC236}">
-                <a16:creationId xmlns:a16="http://schemas.microsoft.com/office/drawing/2014/main" xmlns="" id="{71A30D3B-8FA9-836F-A1E3-716B9EE2FFC7}"/>
+                <a16:creationId xmlns:a16="http://schemas.microsoft.com/office/drawing/2014/main" id="{7D8C735E-13D5-AE5D-8CBF-1AE1D8FA442B}"/>
               </a:ext>
             </a:extLst>
           </p:cNvPr>
@@ -12905,15 +12716,21 @@
           <p:nvPr/>
         </p:nvPicPr>
         <p:blipFill>
-          <a:blip r:embed="rId2" cstate="print"/>
+          <a:blip r:embed="rId2">
+            <a:extLst>
+              <a:ext uri="{28A0092B-C50C-407E-A947-70E740481C1C}">
+                <a14:useLocalDpi xmlns:a14="http://schemas.microsoft.com/office/drawing/2010/main" val="0"/>
+              </a:ext>
+            </a:extLst>
+          </a:blip>
           <a:stretch>
             <a:fillRect/>
           </a:stretch>
         </p:blipFill>
         <p:spPr>
           <a:xfrm>
-            <a:off x="0" y="1305731"/>
-            <a:ext cx="12192000" cy="3298812"/>
+            <a:off x="389811" y="2294998"/>
+            <a:ext cx="3982006" cy="657317"/>
           </a:xfrm>
           <a:prstGeom prst="rect">
             <a:avLst/>
@@ -12925,7 +12742,7 @@
           <p:cNvPr id="6" name="Image 5">
             <a:extLst>
               <a:ext uri="{FF2B5EF4-FFF2-40B4-BE49-F238E27FC236}">
-                <a16:creationId xmlns:a16="http://schemas.microsoft.com/office/drawing/2014/main" xmlns="" id="{06CB7341-081B-E5DA-F193-A9415AD58507}"/>
+                <a16:creationId xmlns:a16="http://schemas.microsoft.com/office/drawing/2014/main" id="{9594B467-CB1C-5544-47A5-C6181C8E555E}"/>
               </a:ext>
             </a:extLst>
           </p:cNvPr>
@@ -12935,85 +12752,203 @@
           <p:nvPr/>
         </p:nvPicPr>
         <p:blipFill>
-          <a:blip r:embed="rId3" cstate="print"/>
+          <a:blip r:embed="rId3">
+            <a:extLst>
+              <a:ext uri="{28A0092B-C50C-407E-A947-70E740481C1C}">
+                <a14:useLocalDpi xmlns:a14="http://schemas.microsoft.com/office/drawing/2010/main" val="0"/>
+              </a:ext>
+            </a:extLst>
+          </a:blip>
           <a:stretch>
             <a:fillRect/>
           </a:stretch>
         </p:blipFill>
         <p:spPr>
           <a:xfrm>
-            <a:off x="6696773" y="4863865"/>
-            <a:ext cx="3621601" cy="1376807"/>
+            <a:off x="475548" y="1652911"/>
+            <a:ext cx="3810532" cy="466790"/>
           </a:xfrm>
           <a:prstGeom prst="rect">
             <a:avLst/>
           </a:prstGeom>
         </p:spPr>
       </p:pic>
-      <p:sp>
-        <p:nvSpPr>
-          <p:cNvPr id="8" name="ZoneTexte 7">
+      <p:pic>
+        <p:nvPicPr>
+          <p:cNvPr id="8" name="Image 7">
             <a:extLst>
               <a:ext uri="{FF2B5EF4-FFF2-40B4-BE49-F238E27FC236}">
-                <a16:creationId xmlns:a16="http://schemas.microsoft.com/office/drawing/2014/main" xmlns="" id="{0C029189-0A4D-2DD2-23EE-C6D1434589DA}"/>
+                <a16:creationId xmlns:a16="http://schemas.microsoft.com/office/drawing/2014/main" id="{D34C83CC-FBEF-CE65-31B2-536D67CC40FF}"/>
               </a:ext>
             </a:extLst>
           </p:cNvPr>
-          <p:cNvSpPr txBox="1"/>
+          <p:cNvPicPr>
+            <a:picLocks noChangeAspect="1"/>
+          </p:cNvPicPr>
           <p:nvPr/>
-        </p:nvSpPr>
+        </p:nvPicPr>
+        <p:blipFill>
+          <a:blip r:embed="rId4">
+            <a:extLst>
+              <a:ext uri="{28A0092B-C50C-407E-A947-70E740481C1C}">
+                <a14:useLocalDpi xmlns:a14="http://schemas.microsoft.com/office/drawing/2010/main" val="0"/>
+              </a:ext>
+            </a:extLst>
+          </a:blip>
+          <a:stretch>
+            <a:fillRect/>
+          </a:stretch>
+        </p:blipFill>
         <p:spPr>
           <a:xfrm>
-            <a:off x="472142" y="4863865"/>
-            <a:ext cx="6224631" cy="738664"/>
+            <a:off x="475548" y="3154495"/>
+            <a:ext cx="3791479" cy="762106"/>
+          </a:xfrm>
+          <a:prstGeom prst="rect">
+            <a:avLst/>
+          </a:prstGeom>
+        </p:spPr>
+      </p:pic>
+      <p:pic>
+        <p:nvPicPr>
+          <p:cNvPr id="9" name="Image 8">
+            <a:extLst>
+              <a:ext uri="{FF2B5EF4-FFF2-40B4-BE49-F238E27FC236}">
+                <a16:creationId xmlns:a16="http://schemas.microsoft.com/office/drawing/2014/main" id="{4DF7AE9B-6372-E2F3-03D5-4F5A6050F1C0}"/>
+              </a:ext>
+            </a:extLst>
+          </p:cNvPr>
+          <p:cNvPicPr>
+            <a:picLocks noChangeAspect="1"/>
+          </p:cNvPicPr>
+          <p:nvPr/>
+        </p:nvPicPr>
+        <p:blipFill rotWithShape="1">
+          <a:blip r:embed="rId5">
+            <a:extLst>
+              <a:ext uri="{28A0092B-C50C-407E-A947-70E740481C1C}">
+                <a14:useLocalDpi xmlns:a14="http://schemas.microsoft.com/office/drawing/2010/main" val="0"/>
+              </a:ext>
+            </a:extLst>
+          </a:blip>
+          <a:srcRect l="1441" r="9461" b="1733"/>
+          <a:stretch/>
+        </p:blipFill>
+        <p:spPr bwMode="auto">
+          <a:xfrm>
+            <a:off x="5703714" y="1494474"/>
+            <a:ext cx="4232942" cy="4447784"/>
           </a:xfrm>
           <a:prstGeom prst="rect">
             <a:avLst/>
           </a:prstGeom>
           <a:noFill/>
+          <a:ln>
+            <a:noFill/>
+          </a:ln>
+          <a:extLst>
+            <a:ext uri="{53640926-AAD7-44D8-BBD7-CCE9431645EC}">
+              <a14:shadowObscured xmlns:a14="http://schemas.microsoft.com/office/drawing/2010/main"/>
+            </a:ext>
+          </a:extLst>
         </p:spPr>
+      </p:pic>
+      <p:sp>
+        <p:nvSpPr>
+          <p:cNvPr id="16" name="Signe de multiplication 15">
+            <a:extLst>
+              <a:ext uri="{FF2B5EF4-FFF2-40B4-BE49-F238E27FC236}">
+                <a16:creationId xmlns:a16="http://schemas.microsoft.com/office/drawing/2014/main" id="{9D75B36A-C0A4-B3D0-F387-FC816FDC4EFA}"/>
+              </a:ext>
+            </a:extLst>
+          </p:cNvPr>
+          <p:cNvSpPr/>
+          <p:nvPr/>
+        </p:nvSpPr>
+        <p:spPr>
+          <a:xfrm>
+            <a:off x="8598716" y="2893592"/>
+            <a:ext cx="352337" cy="344558"/>
+          </a:xfrm>
+          <a:prstGeom prst="mathMultiply">
+            <a:avLst/>
+          </a:prstGeom>
+          <a:solidFill>
+            <a:schemeClr val="tx1">
+              <a:alpha val="50000"/>
+            </a:schemeClr>
+          </a:solidFill>
+          <a:ln>
+            <a:noFill/>
+          </a:ln>
+        </p:spPr>
+        <p:style>
+          <a:lnRef idx="0">
+            <a:scrgbClr r="0" g="0" b="0"/>
+          </a:lnRef>
+          <a:fillRef idx="0">
+            <a:scrgbClr r="0" g="0" b="0"/>
+          </a:fillRef>
+          <a:effectRef idx="0">
+            <a:scrgbClr r="0" g="0" b="0"/>
+          </a:effectRef>
+          <a:fontRef idx="minor">
+            <a:schemeClr val="lt1"/>
+          </a:fontRef>
+        </p:style>
         <p:txBody>
-          <a:bodyPr wrap="square" rtlCol="0">
-            <a:spAutoFit/>
-          </a:bodyPr>
+          <a:bodyPr rtlCol="0" anchor="ctr"/>
           <a:lstStyle/>
           <a:p>
-            <a:r>
-              <a:rPr lang="fr-FR" dirty="0"/>
-              <a:t>Read </a:t>
-            </a:r>
-            <a:r>
-              <a:rPr lang="fr-FR" dirty="0" err="1"/>
-              <a:t>acc_x</a:t>
-            </a:r>
-            <a:r>
-              <a:rPr lang="fr-FR" dirty="0"/>
-              <a:t> = not (0011011100100000) = 1100100011011111 = 0xC8DF</a:t>
-            </a:r>
-          </a:p>
-          <a:p>
-            <a:endParaRPr lang="fr-FR" dirty="0"/>
-          </a:p>
-          <a:p>
-            <a:r>
-              <a:rPr lang="fr-FR" dirty="0"/>
-              <a:t>Read </a:t>
-            </a:r>
-            <a:r>
-              <a:rPr lang="fr-FR" dirty="0" err="1"/>
-              <a:t>acc_y</a:t>
-            </a:r>
-            <a:r>
-              <a:rPr lang="fr-FR" dirty="0"/>
-              <a:t> = not(0000110000111000) = 1111001111000111 = 0xF3C7</a:t>
-            </a:r>
+            <a:pPr algn="ctr"/>
+            <a:endParaRPr lang="fr-FR"/>
           </a:p>
         </p:txBody>
       </p:sp>
+      <p:cxnSp>
+        <p:nvCxnSpPr>
+          <p:cNvPr id="18" name="Connecteur droit avec flèche 17">
+            <a:extLst>
+              <a:ext uri="{FF2B5EF4-FFF2-40B4-BE49-F238E27FC236}">
+                <a16:creationId xmlns:a16="http://schemas.microsoft.com/office/drawing/2014/main" id="{B30E9260-034A-01DC-9469-E35C54CA1836}"/>
+              </a:ext>
+            </a:extLst>
+          </p:cNvPr>
+          <p:cNvCxnSpPr/>
+          <p:nvPr/>
+        </p:nvCxnSpPr>
+        <p:spPr>
+          <a:xfrm>
+            <a:off x="6602136" y="2294998"/>
+            <a:ext cx="2172748" cy="1240550"/>
+          </a:xfrm>
+          <a:prstGeom prst="straightConnector1">
+            <a:avLst/>
+          </a:prstGeom>
+          <a:ln>
+            <a:headEnd type="triangle"/>
+            <a:tailEnd type="triangle"/>
+          </a:ln>
+        </p:spPr>
+        <p:style>
+          <a:lnRef idx="1">
+            <a:schemeClr val="dk1"/>
+          </a:lnRef>
+          <a:fillRef idx="0">
+            <a:schemeClr val="dk1"/>
+          </a:fillRef>
+          <a:effectRef idx="0">
+            <a:schemeClr val="dk1"/>
+          </a:effectRef>
+          <a:fontRef idx="minor">
+            <a:schemeClr val="tx1"/>
+          </a:fontRef>
+        </p:style>
+      </p:cxnSp>
     </p:spTree>
     <p:extLst>
       <p:ext uri="{BB962C8B-B14F-4D97-AF65-F5344CB8AC3E}">
-        <p14:creationId xmlns:p14="http://schemas.microsoft.com/office/powerpoint/2010/main" xmlns="" val="23424022"/>
+        <p14:creationId xmlns:p14="http://schemas.microsoft.com/office/powerpoint/2010/main" val="1095449298"/>
       </p:ext>
     </p:extLst>
   </p:cSld>
@@ -13045,7 +12980,7 @@
           <p:cNvPr id="2" name="Titre 1">
             <a:extLst>
               <a:ext uri="{FF2B5EF4-FFF2-40B4-BE49-F238E27FC236}">
-                <a16:creationId xmlns:a16="http://schemas.microsoft.com/office/drawing/2014/main" xmlns="" id="{092DC696-2BCF-1747-3511-B584B1ED5EED}"/>
+                <a16:creationId xmlns:a16="http://schemas.microsoft.com/office/drawing/2014/main" id="{BDEF606E-A611-403F-B367-E6244B4A4623}"/>
               </a:ext>
             </a:extLst>
           </p:cNvPr>
@@ -13063,45 +12998,132 @@
           <a:p>
             <a:r>
               <a:rPr lang="fr-FR" dirty="0"/>
-              <a:t>Schéma du Dijkstra</a:t>
+              <a:t>FPGA: Balises</a:t>
             </a:r>
           </a:p>
         </p:txBody>
       </p:sp>
-      <p:pic>
-        <p:nvPicPr>
-          <p:cNvPr id="5" name="Image 4">
+      <p:sp>
+        <p:nvSpPr>
+          <p:cNvPr id="3" name="ZoneTexte 2">
             <a:extLst>
               <a:ext uri="{FF2B5EF4-FFF2-40B4-BE49-F238E27FC236}">
-                <a16:creationId xmlns:a16="http://schemas.microsoft.com/office/drawing/2014/main" xmlns="" id="{190C0558-4A51-324A-05FD-BA6FBFD28A17}"/>
+                <a16:creationId xmlns:a16="http://schemas.microsoft.com/office/drawing/2014/main" id="{311B03C9-6FA4-A206-F3F9-6C069ED72EAD}"/>
               </a:ext>
             </a:extLst>
           </p:cNvPr>
-          <p:cNvPicPr>
-            <a:picLocks noChangeAspect="1"/>
-          </p:cNvPicPr>
+          <p:cNvSpPr txBox="1"/>
           <p:nvPr/>
-        </p:nvPicPr>
-        <p:blipFill>
-          <a:blip r:embed="rId2" cstate="print"/>
-          <a:stretch>
-            <a:fillRect/>
-          </a:stretch>
-        </p:blipFill>
+        </p:nvSpPr>
         <p:spPr>
           <a:xfrm>
-            <a:off x="950254" y="1613508"/>
-            <a:ext cx="9475035" cy="4991494"/>
+            <a:off x="721453" y="1702965"/>
+            <a:ext cx="7147420" cy="1384995"/>
           </a:xfrm>
           <a:prstGeom prst="rect">
             <a:avLst/>
           </a:prstGeom>
+          <a:noFill/>
         </p:spPr>
-      </p:pic>
+        <p:txBody>
+          <a:bodyPr wrap="square" rtlCol="0">
+            <a:spAutoFit/>
+          </a:bodyPr>
+          <a:lstStyle/>
+          <a:p>
+            <a:pPr marL="285750" indent="-285750">
+              <a:buFont typeface="Arial" panose="020B0604020202020204" pitchFamily="34" charset="0"/>
+              <a:buChar char="•"/>
+            </a:pPr>
+            <a:r>
+              <a:rPr lang="fr-FR" dirty="0"/>
+              <a:t>Impression de nouveaux supports plus grands</a:t>
+            </a:r>
+          </a:p>
+          <a:p>
+            <a:pPr marL="285750" indent="-285750">
+              <a:buFont typeface="Arial" panose="020B0604020202020204" pitchFamily="34" charset="0"/>
+              <a:buChar char="•"/>
+            </a:pPr>
+            <a:r>
+              <a:rPr lang="fr-FR" dirty="0"/>
+              <a:t>Reprise du wifi </a:t>
+            </a:r>
+            <a:r>
+              <a:rPr lang="fr-FR" dirty="0" err="1"/>
+              <a:t>Mesh</a:t>
+            </a:r>
+            <a:r>
+              <a:rPr lang="fr-FR" dirty="0"/>
+              <a:t> à partir de la librairie </a:t>
+            </a:r>
+            <a:r>
+              <a:rPr lang="fr-FR" dirty="0" err="1"/>
+              <a:t>PainlessMesh</a:t>
+            </a:r>
+            <a:endParaRPr lang="fr-FR" dirty="0"/>
+          </a:p>
+          <a:p>
+            <a:pPr marL="285750" indent="-285750">
+              <a:buFont typeface="Arial" panose="020B0604020202020204" pitchFamily="34" charset="0"/>
+              <a:buChar char="•"/>
+            </a:pPr>
+            <a:endParaRPr lang="fr-FR" dirty="0"/>
+          </a:p>
+          <a:p>
+            <a:pPr marL="285750" indent="-285750">
+              <a:buFont typeface="Arial" panose="020B0604020202020204" pitchFamily="34" charset="0"/>
+              <a:buChar char="•"/>
+            </a:pPr>
+            <a:r>
+              <a:rPr lang="fr-FR" dirty="0"/>
+              <a:t>En cours </a:t>
+            </a:r>
+            <a:r>
+              <a:rPr lang="fr-FR" dirty="0">
+                <a:sym typeface="Wingdings" panose="05000000000000000000" pitchFamily="2" charset="2"/>
+              </a:rPr>
+              <a:t> mise en place de la connexion I</a:t>
+            </a:r>
+            <a:r>
+              <a:rPr lang="fr-FR" baseline="-25000" dirty="0">
+                <a:sym typeface="Wingdings" panose="05000000000000000000" pitchFamily="2" charset="2"/>
+              </a:rPr>
+              <a:t>2</a:t>
+            </a:r>
+            <a:r>
+              <a:rPr lang="fr-FR" dirty="0">
+                <a:sym typeface="Wingdings" panose="05000000000000000000" pitchFamily="2" charset="2"/>
+              </a:rPr>
+              <a:t>C </a:t>
+            </a:r>
+          </a:p>
+          <a:p>
+            <a:pPr marL="285750" indent="-285750">
+              <a:buFont typeface="Arial" panose="020B0604020202020204" pitchFamily="34" charset="0"/>
+              <a:buChar char="•"/>
+            </a:pPr>
+            <a:r>
+              <a:rPr lang="fr-FR" dirty="0">
+                <a:sym typeface="Wingdings" panose="05000000000000000000" pitchFamily="2" charset="2"/>
+              </a:rPr>
+              <a:t>A faire  Mise en place d’un bloc de communication au niveau du FPGA</a:t>
+            </a:r>
+            <a:endParaRPr lang="fr-FR" dirty="0"/>
+          </a:p>
+          <a:p>
+            <a:pPr marL="285750" indent="-285750">
+              <a:buFont typeface="Arial" panose="020B0604020202020204" pitchFamily="34" charset="0"/>
+              <a:buChar char="•"/>
+            </a:pPr>
+            <a:endParaRPr lang="fr-FR" dirty="0"/>
+          </a:p>
+        </p:txBody>
+      </p:sp>
     </p:spTree>
     <p:extLst>
       <p:ext uri="{BB962C8B-B14F-4D97-AF65-F5344CB8AC3E}">
-        <p14:creationId xmlns:p14="http://schemas.microsoft.com/office/powerpoint/2010/main" xmlns="" val="2960113335"/>
+        <p14:creationId xmlns:p14="http://schemas.microsoft.com/office/powerpoint/2010/main" val="1822520944"/>
       </p:ext>
     </p:extLst>
   </p:cSld>
@@ -13391,7 +13413,7 @@
   <a:extraClrSchemeLst/>
   <a:extLst>
     <a:ext uri="{05A4C25C-085E-4340-85A3-A5531E510DB2}">
-      <thm15:themeFamily xmlns:thm15="http://schemas.microsoft.com/office/thememl/2012/main" xmlns="" name="Thème1" id="{F8D90D31-0E82-441F-979D-5CA5121051FF}" vid="{6756C6E6-5B85-46E8-8880-4CDFF9CDDAE6}"/>
+      <thm15:themeFamily xmlns:thm15="http://schemas.microsoft.com/office/thememl/2012/main" name="Thème1" id="{F8D90D31-0E82-441F-979D-5CA5121051FF}" vid="{6756C6E6-5B85-46E8-8880-4CDFF9CDDAE6}"/>
     </a:ext>
   </a:extLst>
 </a:theme>

--- a/GestionDeProjet/Reunions/Reunion_06_07_2022/Reunion_avancement_06_07_22.pptx
+++ b/GestionDeProjet/Reunions/Reunion_06_07_2022/Reunion_avancement_06_07_22.pptx
@@ -6,20 +6,15 @@
   </p:sldMasterIdLst>
   <p:sldIdLst>
     <p:sldId id="256" r:id="rId2"/>
-    <p:sldId id="257" r:id="rId3"/>
-    <p:sldId id="279" r:id="rId4"/>
-    <p:sldId id="282" r:id="rId5"/>
-    <p:sldId id="283" r:id="rId6"/>
-    <p:sldId id="258" r:id="rId7"/>
-    <p:sldId id="284" r:id="rId8"/>
-    <p:sldId id="273" r:id="rId9"/>
-    <p:sldId id="280" r:id="rId10"/>
-    <p:sldId id="281" r:id="rId11"/>
-    <p:sldId id="271" r:id="rId12"/>
-    <p:sldId id="263" r:id="rId13"/>
-    <p:sldId id="272" r:id="rId14"/>
-    <p:sldId id="274" r:id="rId15"/>
-    <p:sldId id="275" r:id="rId16"/>
+    <p:sldId id="279" r:id="rId3"/>
+    <p:sldId id="282" r:id="rId4"/>
+    <p:sldId id="283" r:id="rId5"/>
+    <p:sldId id="258" r:id="rId6"/>
+    <p:sldId id="284" r:id="rId7"/>
+    <p:sldId id="273" r:id="rId8"/>
+    <p:sldId id="280" r:id="rId9"/>
+    <p:sldId id="281" r:id="rId10"/>
+    <p:sldId id="286" r:id="rId11"/>
   </p:sldIdLst>
   <p:sldSz cx="12192000" cy="6858000"/>
   <p:notesSz cx="6858000" cy="9144000"/>
@@ -254,7 +249,7 @@
   </p:defaultTextStyle>
   <p:extLst>
     <p:ext uri="{EFAFB233-063F-42B5-8137-9DF3F51BA10A}">
-      <p15:sldGuideLst xmlns:p15="http://schemas.microsoft.com/office/powerpoint/2012/main" xmlns="">
+      <p15:sldGuideLst xmlns:p15="http://schemas.microsoft.com/office/powerpoint/2012/main">
         <p15:guide id="1" orient="horz" pos="2160">
           <p15:clr>
             <a:srgbClr val="A4A3A4"/>
@@ -1011,7 +1006,7 @@
     </p:spTree>
     <p:extLst>
       <p:ext uri="{BB962C8B-B14F-4D97-AF65-F5344CB8AC3E}">
-        <p14:creationId xmlns:p14="http://schemas.microsoft.com/office/powerpoint/2010/main" xmlns="" val="1683196634"/>
+        <p14:creationId xmlns:p14="http://schemas.microsoft.com/office/powerpoint/2010/main" val="1683196634"/>
       </p:ext>
     </p:extLst>
   </p:cSld>
@@ -1760,7 +1755,7 @@
     </p:spTree>
     <p:extLst>
       <p:ext uri="{BB962C8B-B14F-4D97-AF65-F5344CB8AC3E}">
-        <p14:creationId xmlns:p14="http://schemas.microsoft.com/office/powerpoint/2010/main" xmlns="" val="3557230879"/>
+        <p14:creationId xmlns:p14="http://schemas.microsoft.com/office/powerpoint/2010/main" val="3557230879"/>
       </p:ext>
     </p:extLst>
   </p:cSld>
@@ -2518,7 +2513,7 @@
     </p:spTree>
     <p:extLst>
       <p:ext uri="{BB962C8B-B14F-4D97-AF65-F5344CB8AC3E}">
-        <p14:creationId xmlns:p14="http://schemas.microsoft.com/office/powerpoint/2010/main" xmlns="" val="1370354911"/>
+        <p14:creationId xmlns:p14="http://schemas.microsoft.com/office/powerpoint/2010/main" val="1370354911"/>
       </p:ext>
     </p:extLst>
   </p:cSld>
@@ -3270,7 +3265,7 @@
     </p:spTree>
     <p:extLst>
       <p:ext uri="{BB962C8B-B14F-4D97-AF65-F5344CB8AC3E}">
-        <p14:creationId xmlns:p14="http://schemas.microsoft.com/office/powerpoint/2010/main" xmlns="" val="1488441881"/>
+        <p14:creationId xmlns:p14="http://schemas.microsoft.com/office/powerpoint/2010/main" val="1488441881"/>
       </p:ext>
     </p:extLst>
   </p:cSld>
@@ -4019,7 +4014,7 @@
     </p:spTree>
     <p:extLst>
       <p:ext uri="{BB962C8B-B14F-4D97-AF65-F5344CB8AC3E}">
-        <p14:creationId xmlns:p14="http://schemas.microsoft.com/office/powerpoint/2010/main" xmlns="" val="4145855993"/>
+        <p14:creationId xmlns:p14="http://schemas.microsoft.com/office/powerpoint/2010/main" val="4145855993"/>
       </p:ext>
     </p:extLst>
   </p:cSld>
@@ -4800,7 +4795,7 @@
     </p:spTree>
     <p:extLst>
       <p:ext uri="{BB962C8B-B14F-4D97-AF65-F5344CB8AC3E}">
-        <p14:creationId xmlns:p14="http://schemas.microsoft.com/office/powerpoint/2010/main" xmlns="" val="3023544346"/>
+        <p14:creationId xmlns:p14="http://schemas.microsoft.com/office/powerpoint/2010/main" val="3023544346"/>
       </p:ext>
     </p:extLst>
   </p:cSld>
@@ -5522,7 +5517,7 @@
     </p:spTree>
     <p:extLst>
       <p:ext uri="{BB962C8B-B14F-4D97-AF65-F5344CB8AC3E}">
-        <p14:creationId xmlns:p14="http://schemas.microsoft.com/office/powerpoint/2010/main" xmlns="" val="2230660444"/>
+        <p14:creationId xmlns:p14="http://schemas.microsoft.com/office/powerpoint/2010/main" val="2230660444"/>
       </p:ext>
     </p:extLst>
   </p:cSld>
@@ -5889,7 +5884,7 @@
     </p:spTree>
     <p:extLst>
       <p:ext uri="{BB962C8B-B14F-4D97-AF65-F5344CB8AC3E}">
-        <p14:creationId xmlns:p14="http://schemas.microsoft.com/office/powerpoint/2010/main" xmlns="" val="2065464872"/>
+        <p14:creationId xmlns:p14="http://schemas.microsoft.com/office/powerpoint/2010/main" val="2065464872"/>
       </p:ext>
     </p:extLst>
   </p:cSld>
@@ -6986,7 +6981,7 @@
     </p:spTree>
     <p:extLst>
       <p:ext uri="{BB962C8B-B14F-4D97-AF65-F5344CB8AC3E}">
-        <p14:creationId xmlns:p14="http://schemas.microsoft.com/office/powerpoint/2010/main" xmlns="" val="2551948298"/>
+        <p14:creationId xmlns:p14="http://schemas.microsoft.com/office/powerpoint/2010/main" val="2551948298"/>
       </p:ext>
     </p:extLst>
   </p:cSld>
@@ -7715,7 +7710,7 @@
           <p:cNvPr id="2" name="Titre 1">
             <a:extLst>
               <a:ext uri="{FF2B5EF4-FFF2-40B4-BE49-F238E27FC236}">
-                <a16:creationId xmlns:a16="http://schemas.microsoft.com/office/drawing/2014/main" xmlns="" id="{AB203E22-A68F-43B4-8A2A-8135BAB9C7D4}"/>
+                <a16:creationId xmlns:a16="http://schemas.microsoft.com/office/drawing/2014/main" id="{AB203E22-A68F-43B4-8A2A-8135BAB9C7D4}"/>
               </a:ext>
             </a:extLst>
           </p:cNvPr>
@@ -7745,7 +7740,7 @@
           <p:cNvPr id="3" name="Sous-titre 2">
             <a:extLst>
               <a:ext uri="{FF2B5EF4-FFF2-40B4-BE49-F238E27FC236}">
-                <a16:creationId xmlns:a16="http://schemas.microsoft.com/office/drawing/2014/main" xmlns="" id="{E4DA1A89-6A6D-438F-AD0A-7258D468F648}"/>
+                <a16:creationId xmlns:a16="http://schemas.microsoft.com/office/drawing/2014/main" id="{E4DA1A89-6A6D-438F-AD0A-7258D468F648}"/>
               </a:ext>
             </a:extLst>
           </p:cNvPr>
@@ -7788,7 +7783,7 @@
     </p:spTree>
     <p:extLst>
       <p:ext uri="{BB962C8B-B14F-4D97-AF65-F5344CB8AC3E}">
-        <p14:creationId xmlns:p14="http://schemas.microsoft.com/office/powerpoint/2010/main" xmlns="" val="3615421672"/>
+        <p14:creationId xmlns:p14="http://schemas.microsoft.com/office/powerpoint/2010/main" val="3615421672"/>
       </p:ext>
     </p:extLst>
   </p:cSld>
@@ -7798,13 +7793,6 @@
   <p:transition spd="med">
     <p:fade/>
   </p:transition>
-  <p:timing>
-    <p:tnLst>
-      <p:par>
-        <p:cTn id="1" dur="indefinite" restart="never" nodeType="tmRoot"/>
-      </p:par>
-    </p:tnLst>
-  </p:timing>
 </p:sld>
 </file>
 
@@ -7830,7 +7818,1116 @@
           <p:cNvPr id="2" name="Titre 1">
             <a:extLst>
               <a:ext uri="{FF2B5EF4-FFF2-40B4-BE49-F238E27FC236}">
-                <a16:creationId xmlns:a16="http://schemas.microsoft.com/office/drawing/2014/main" xmlns="" id="{BDEF606E-A611-403F-B367-E6244B4A4623}"/>
+                <a16:creationId xmlns:a16="http://schemas.microsoft.com/office/drawing/2014/main" id="{BDEF606E-A611-403F-B367-E6244B4A4623}"/>
+              </a:ext>
+            </a:extLst>
+          </p:cNvPr>
+          <p:cNvSpPr>
+            <a:spLocks noGrp="1"/>
+          </p:cNvSpPr>
+          <p:nvPr>
+            <p:ph type="title"/>
+          </p:nvPr>
+        </p:nvSpPr>
+        <p:spPr/>
+        <p:txBody>
+          <a:bodyPr/>
+          <a:lstStyle/>
+          <a:p>
+            <a:r>
+              <a:rPr lang="fr-FR" dirty="0"/>
+              <a:t>Soft</a:t>
+            </a:r>
+          </a:p>
+        </p:txBody>
+      </p:sp>
+      <p:sp>
+        <p:nvSpPr>
+          <p:cNvPr id="3" name="ZoneTexte 2">
+            <a:extLst>
+              <a:ext uri="{FF2B5EF4-FFF2-40B4-BE49-F238E27FC236}">
+                <a16:creationId xmlns:a16="http://schemas.microsoft.com/office/drawing/2014/main" id="{311B03C9-6FA4-A206-F3F9-6C069ED72EAD}"/>
+              </a:ext>
+            </a:extLst>
+          </p:cNvPr>
+          <p:cNvSpPr txBox="1"/>
+          <p:nvPr/>
+        </p:nvSpPr>
+        <p:spPr>
+          <a:xfrm>
+            <a:off x="721453" y="1702965"/>
+            <a:ext cx="7147420" cy="954107"/>
+          </a:xfrm>
+          <a:prstGeom prst="rect">
+            <a:avLst/>
+          </a:prstGeom>
+          <a:noFill/>
+        </p:spPr>
+        <p:txBody>
+          <a:bodyPr wrap="square" rtlCol="0">
+            <a:spAutoFit/>
+          </a:bodyPr>
+          <a:lstStyle/>
+          <a:p>
+            <a:pPr marL="285750" indent="-285750">
+              <a:buFont typeface="Arial" panose="020B0604020202020204" pitchFamily="34" charset="0"/>
+              <a:buChar char="•"/>
+            </a:pPr>
+            <a:r>
+              <a:rPr lang="fr-FR" dirty="0"/>
+              <a:t>Logiciel Mode management</a:t>
+            </a:r>
+          </a:p>
+          <a:p>
+            <a:pPr marL="285750" indent="-285750">
+              <a:buFont typeface="Arial" panose="020B0604020202020204" pitchFamily="34" charset="0"/>
+              <a:buChar char="•"/>
+            </a:pPr>
+            <a:endParaRPr lang="fr-FR" dirty="0"/>
+          </a:p>
+          <a:p>
+            <a:pPr marL="285750" indent="-285750">
+              <a:buFont typeface="Arial" panose="020B0604020202020204" pitchFamily="34" charset="0"/>
+              <a:buChar char="•"/>
+            </a:pPr>
+            <a:r>
+              <a:rPr lang="fr-FR" dirty="0"/>
+              <a:t>Filtre de </a:t>
+            </a:r>
+            <a:r>
+              <a:rPr lang="fr-FR"/>
+              <a:t>Kalman</a:t>
+            </a:r>
+            <a:endParaRPr lang="fr-FR" dirty="0"/>
+          </a:p>
+          <a:p>
+            <a:pPr marL="285750" indent="-285750">
+              <a:buFont typeface="Arial" panose="020B0604020202020204" pitchFamily="34" charset="0"/>
+              <a:buChar char="•"/>
+            </a:pPr>
+            <a:endParaRPr lang="fr-FR" dirty="0"/>
+          </a:p>
+        </p:txBody>
+      </p:sp>
+    </p:spTree>
+    <p:extLst>
+      <p:ext uri="{BB962C8B-B14F-4D97-AF65-F5344CB8AC3E}">
+        <p14:creationId xmlns:p14="http://schemas.microsoft.com/office/powerpoint/2010/main" val="3939886424"/>
+      </p:ext>
+    </p:extLst>
+  </p:cSld>
+  <p:clrMapOvr>
+    <a:masterClrMapping/>
+  </p:clrMapOvr>
+</p:sld>
+</file>
+
+<file path=ppt/slides/slide2.xml><?xml version="1.0" encoding="utf-8"?>
+<p:sld xmlns:a="http://schemas.openxmlformats.org/drawingml/2006/main" xmlns:r="http://schemas.openxmlformats.org/officeDocument/2006/relationships" xmlns:p="http://schemas.openxmlformats.org/presentationml/2006/main">
+  <p:cSld>
+    <p:spTree>
+      <p:nvGrpSpPr>
+        <p:cNvPr id="1" name=""/>
+        <p:cNvGrpSpPr/>
+        <p:nvPr/>
+      </p:nvGrpSpPr>
+      <p:grpSpPr>
+        <a:xfrm>
+          <a:off x="0" y="0"/>
+          <a:ext cx="0" cy="0"/>
+          <a:chOff x="0" y="0"/>
+          <a:chExt cx="0" cy="0"/>
+        </a:xfrm>
+      </p:grpSpPr>
+      <p:sp>
+        <p:nvSpPr>
+          <p:cNvPr id="2" name="Titre 1">
+            <a:extLst>
+              <a:ext uri="{FF2B5EF4-FFF2-40B4-BE49-F238E27FC236}">
+                <a16:creationId xmlns:a16="http://schemas.microsoft.com/office/drawing/2014/main" id="{BDEF606E-A611-403F-B367-E6244B4A4623}"/>
+              </a:ext>
+            </a:extLst>
+          </p:cNvPr>
+          <p:cNvSpPr>
+            <a:spLocks noGrp="1"/>
+          </p:cNvSpPr>
+          <p:nvPr>
+            <p:ph type="title"/>
+          </p:nvPr>
+        </p:nvSpPr>
+        <p:spPr/>
+        <p:txBody>
+          <a:bodyPr/>
+          <a:lstStyle/>
+          <a:p>
+            <a:r>
+              <a:rPr lang="fr-FR" dirty="0"/>
+              <a:t>Hard: Conception de la station de charge</a:t>
+            </a:r>
+          </a:p>
+        </p:txBody>
+      </p:sp>
+      <p:pic>
+        <p:nvPicPr>
+          <p:cNvPr id="1026" name="Picture 2"/>
+          <p:cNvPicPr>
+            <a:picLocks noChangeAspect="1" noChangeArrowheads="1"/>
+          </p:cNvPicPr>
+          <p:nvPr/>
+        </p:nvPicPr>
+        <p:blipFill>
+          <a:blip r:embed="rId2" cstate="print"/>
+          <a:srcRect/>
+          <a:stretch>
+            <a:fillRect/>
+          </a:stretch>
+        </p:blipFill>
+        <p:spPr bwMode="auto">
+          <a:xfrm>
+            <a:off x="424542" y="1504497"/>
+            <a:ext cx="11115675" cy="4736497"/>
+          </a:xfrm>
+          <a:prstGeom prst="rect">
+            <a:avLst/>
+          </a:prstGeom>
+          <a:noFill/>
+          <a:ln w="9525">
+            <a:noFill/>
+            <a:miter lim="800000"/>
+            <a:headEnd/>
+            <a:tailEnd/>
+          </a:ln>
+        </p:spPr>
+      </p:pic>
+    </p:spTree>
+    <p:extLst>
+      <p:ext uri="{BB962C8B-B14F-4D97-AF65-F5344CB8AC3E}">
+        <p14:creationId xmlns:p14="http://schemas.microsoft.com/office/powerpoint/2010/main" val="205039471"/>
+      </p:ext>
+    </p:extLst>
+  </p:cSld>
+  <p:clrMapOvr>
+    <a:masterClrMapping/>
+  </p:clrMapOvr>
+</p:sld>
+</file>
+
+<file path=ppt/slides/slide3.xml><?xml version="1.0" encoding="utf-8"?>
+<p:sld xmlns:a="http://schemas.openxmlformats.org/drawingml/2006/main" xmlns:r="http://schemas.openxmlformats.org/officeDocument/2006/relationships" xmlns:p="http://schemas.openxmlformats.org/presentationml/2006/main">
+  <p:cSld>
+    <p:spTree>
+      <p:nvGrpSpPr>
+        <p:cNvPr id="1" name=""/>
+        <p:cNvGrpSpPr/>
+        <p:nvPr/>
+      </p:nvGrpSpPr>
+      <p:grpSpPr>
+        <a:xfrm>
+          <a:off x="0" y="0"/>
+          <a:ext cx="0" cy="0"/>
+          <a:chOff x="0" y="0"/>
+          <a:chExt cx="0" cy="0"/>
+        </a:xfrm>
+      </p:grpSpPr>
+      <p:sp>
+        <p:nvSpPr>
+          <p:cNvPr id="2" name="Titre 1">
+            <a:extLst>
+              <a:ext uri="{FF2B5EF4-FFF2-40B4-BE49-F238E27FC236}">
+                <a16:creationId xmlns:a16="http://schemas.microsoft.com/office/drawing/2014/main" id="{BDEF606E-A611-403F-B367-E6244B4A4623}"/>
+              </a:ext>
+            </a:extLst>
+          </p:cNvPr>
+          <p:cNvSpPr>
+            <a:spLocks noGrp="1"/>
+          </p:cNvSpPr>
+          <p:nvPr>
+            <p:ph type="title"/>
+          </p:nvPr>
+        </p:nvSpPr>
+        <p:spPr/>
+        <p:txBody>
+          <a:bodyPr/>
+          <a:lstStyle/>
+          <a:p>
+            <a:r>
+              <a:rPr lang="fr-FR" dirty="0"/>
+              <a:t>Hard: Conception de la station de charge</a:t>
+            </a:r>
+          </a:p>
+        </p:txBody>
+      </p:sp>
+      <p:pic>
+        <p:nvPicPr>
+          <p:cNvPr id="3074" name="Picture 2"/>
+          <p:cNvPicPr>
+            <a:picLocks noChangeAspect="1" noChangeArrowheads="1"/>
+          </p:cNvPicPr>
+          <p:nvPr/>
+        </p:nvPicPr>
+        <p:blipFill>
+          <a:blip r:embed="rId2" cstate="print"/>
+          <a:srcRect/>
+          <a:stretch>
+            <a:fillRect/>
+          </a:stretch>
+        </p:blipFill>
+        <p:spPr bwMode="auto">
+          <a:xfrm>
+            <a:off x="189366" y="1335314"/>
+            <a:ext cx="4529797" cy="5213803"/>
+          </a:xfrm>
+          <a:prstGeom prst="rect">
+            <a:avLst/>
+          </a:prstGeom>
+          <a:noFill/>
+          <a:ln w="9525">
+            <a:noFill/>
+            <a:miter lim="800000"/>
+            <a:headEnd/>
+            <a:tailEnd/>
+          </a:ln>
+        </p:spPr>
+      </p:pic>
+      <p:pic>
+        <p:nvPicPr>
+          <p:cNvPr id="3075" name="Picture 3"/>
+          <p:cNvPicPr>
+            <a:picLocks noChangeAspect="1" noChangeArrowheads="1"/>
+          </p:cNvPicPr>
+          <p:nvPr/>
+        </p:nvPicPr>
+        <p:blipFill>
+          <a:blip r:embed="rId3" cstate="print"/>
+          <a:srcRect/>
+          <a:stretch>
+            <a:fillRect/>
+          </a:stretch>
+        </p:blipFill>
+        <p:spPr bwMode="auto">
+          <a:xfrm>
+            <a:off x="4727145" y="1539388"/>
+            <a:ext cx="7464855" cy="4664022"/>
+          </a:xfrm>
+          <a:prstGeom prst="rect">
+            <a:avLst/>
+          </a:prstGeom>
+          <a:noFill/>
+          <a:ln w="9525">
+            <a:noFill/>
+            <a:miter lim="800000"/>
+            <a:headEnd/>
+            <a:tailEnd/>
+          </a:ln>
+        </p:spPr>
+      </p:pic>
+    </p:spTree>
+    <p:extLst>
+      <p:ext uri="{BB962C8B-B14F-4D97-AF65-F5344CB8AC3E}">
+        <p14:creationId xmlns:p14="http://schemas.microsoft.com/office/powerpoint/2010/main" val="205039471"/>
+      </p:ext>
+    </p:extLst>
+  </p:cSld>
+  <p:clrMapOvr>
+    <a:masterClrMapping/>
+  </p:clrMapOvr>
+</p:sld>
+</file>
+
+<file path=ppt/slides/slide4.xml><?xml version="1.0" encoding="utf-8"?>
+<p:sld xmlns:a="http://schemas.openxmlformats.org/drawingml/2006/main" xmlns:r="http://schemas.openxmlformats.org/officeDocument/2006/relationships" xmlns:p="http://schemas.openxmlformats.org/presentationml/2006/main">
+  <p:cSld>
+    <p:spTree>
+      <p:nvGrpSpPr>
+        <p:cNvPr id="1" name=""/>
+        <p:cNvGrpSpPr/>
+        <p:nvPr/>
+      </p:nvGrpSpPr>
+      <p:grpSpPr>
+        <a:xfrm>
+          <a:off x="0" y="0"/>
+          <a:ext cx="0" cy="0"/>
+          <a:chOff x="0" y="0"/>
+          <a:chExt cx="0" cy="0"/>
+        </a:xfrm>
+      </p:grpSpPr>
+      <p:sp>
+        <p:nvSpPr>
+          <p:cNvPr id="2" name="Titre 1">
+            <a:extLst>
+              <a:ext uri="{FF2B5EF4-FFF2-40B4-BE49-F238E27FC236}">
+                <a16:creationId xmlns:a16="http://schemas.microsoft.com/office/drawing/2014/main" id="{BDEF606E-A611-403F-B367-E6244B4A4623}"/>
+              </a:ext>
+            </a:extLst>
+          </p:cNvPr>
+          <p:cNvSpPr>
+            <a:spLocks noGrp="1"/>
+          </p:cNvSpPr>
+          <p:nvPr>
+            <p:ph type="title"/>
+          </p:nvPr>
+        </p:nvSpPr>
+        <p:spPr/>
+        <p:txBody>
+          <a:bodyPr/>
+          <a:lstStyle/>
+          <a:p>
+            <a:r>
+              <a:rPr lang="fr-FR" dirty="0"/>
+              <a:t>Hard: Conception de la station de charge</a:t>
+            </a:r>
+          </a:p>
+        </p:txBody>
+      </p:sp>
+      <p:pic>
+        <p:nvPicPr>
+          <p:cNvPr id="4098" name="Picture 2"/>
+          <p:cNvPicPr>
+            <a:picLocks noChangeAspect="1" noChangeArrowheads="1"/>
+          </p:cNvPicPr>
+          <p:nvPr/>
+        </p:nvPicPr>
+        <p:blipFill>
+          <a:blip r:embed="rId2" cstate="print"/>
+          <a:srcRect/>
+          <a:stretch>
+            <a:fillRect/>
+          </a:stretch>
+        </p:blipFill>
+        <p:spPr bwMode="auto">
+          <a:xfrm rot="16200000">
+            <a:off x="-719946" y="2178634"/>
+            <a:ext cx="5450114" cy="3603821"/>
+          </a:xfrm>
+          <a:prstGeom prst="rect">
+            <a:avLst/>
+          </a:prstGeom>
+          <a:noFill/>
+          <a:ln w="9525">
+            <a:noFill/>
+            <a:miter lim="800000"/>
+            <a:headEnd/>
+            <a:tailEnd/>
+          </a:ln>
+        </p:spPr>
+      </p:pic>
+      <p:pic>
+        <p:nvPicPr>
+          <p:cNvPr id="4099" name="Picture 3"/>
+          <p:cNvPicPr>
+            <a:picLocks noChangeAspect="1" noChangeArrowheads="1"/>
+          </p:cNvPicPr>
+          <p:nvPr/>
+        </p:nvPicPr>
+        <p:blipFill>
+          <a:blip r:embed="rId3" cstate="print"/>
+          <a:srcRect/>
+          <a:stretch>
+            <a:fillRect/>
+          </a:stretch>
+        </p:blipFill>
+        <p:spPr bwMode="auto">
+          <a:xfrm>
+            <a:off x="4357688" y="1295400"/>
+            <a:ext cx="6715125" cy="5391150"/>
+          </a:xfrm>
+          <a:prstGeom prst="rect">
+            <a:avLst/>
+          </a:prstGeom>
+          <a:noFill/>
+          <a:ln w="9525">
+            <a:noFill/>
+            <a:miter lim="800000"/>
+            <a:headEnd/>
+            <a:tailEnd/>
+          </a:ln>
+        </p:spPr>
+      </p:pic>
+    </p:spTree>
+    <p:extLst>
+      <p:ext uri="{BB962C8B-B14F-4D97-AF65-F5344CB8AC3E}">
+        <p14:creationId xmlns:p14="http://schemas.microsoft.com/office/powerpoint/2010/main" val="205039471"/>
+      </p:ext>
+    </p:extLst>
+  </p:cSld>
+  <p:clrMapOvr>
+    <a:masterClrMapping/>
+  </p:clrMapOvr>
+</p:sld>
+</file>
+
+<file path=ppt/slides/slide5.xml><?xml version="1.0" encoding="utf-8"?>
+<p:sld xmlns:a="http://schemas.openxmlformats.org/drawingml/2006/main" xmlns:r="http://schemas.openxmlformats.org/officeDocument/2006/relationships" xmlns:p="http://schemas.openxmlformats.org/presentationml/2006/main">
+  <p:cSld>
+    <p:spTree>
+      <p:nvGrpSpPr>
+        <p:cNvPr id="1" name=""/>
+        <p:cNvGrpSpPr/>
+        <p:nvPr/>
+      </p:nvGrpSpPr>
+      <p:grpSpPr>
+        <a:xfrm>
+          <a:off x="0" y="0"/>
+          <a:ext cx="0" cy="0"/>
+          <a:chOff x="0" y="0"/>
+          <a:chExt cx="0" cy="0"/>
+        </a:xfrm>
+      </p:grpSpPr>
+      <p:sp>
+        <p:nvSpPr>
+          <p:cNvPr id="2" name="Titre 1">
+            <a:extLst>
+              <a:ext uri="{FF2B5EF4-FFF2-40B4-BE49-F238E27FC236}">
+                <a16:creationId xmlns:a16="http://schemas.microsoft.com/office/drawing/2014/main" id="{BDEF606E-A611-403F-B367-E6244B4A4623}"/>
+              </a:ext>
+            </a:extLst>
+          </p:cNvPr>
+          <p:cNvSpPr>
+            <a:spLocks noGrp="1"/>
+          </p:cNvSpPr>
+          <p:nvPr>
+            <p:ph type="title"/>
+          </p:nvPr>
+        </p:nvSpPr>
+        <p:spPr/>
+        <p:txBody>
+          <a:bodyPr/>
+          <a:lstStyle/>
+          <a:p>
+            <a:r>
+              <a:rPr lang="fr-FR" dirty="0"/>
+              <a:t>Hard: Conception de la station de charge</a:t>
+            </a:r>
+          </a:p>
+        </p:txBody>
+      </p:sp>
+      <p:pic>
+        <p:nvPicPr>
+          <p:cNvPr id="2050" name="Picture 2"/>
+          <p:cNvPicPr>
+            <a:picLocks noChangeAspect="1" noChangeArrowheads="1"/>
+          </p:cNvPicPr>
+          <p:nvPr/>
+        </p:nvPicPr>
+        <p:blipFill>
+          <a:blip r:embed="rId2" cstate="print"/>
+          <a:srcRect/>
+          <a:stretch>
+            <a:fillRect/>
+          </a:stretch>
+        </p:blipFill>
+        <p:spPr bwMode="auto">
+          <a:xfrm>
+            <a:off x="261257" y="2009465"/>
+            <a:ext cx="5950857" cy="3927106"/>
+          </a:xfrm>
+          <a:prstGeom prst="rect">
+            <a:avLst/>
+          </a:prstGeom>
+          <a:noFill/>
+          <a:ln w="9525">
+            <a:noFill/>
+            <a:miter lim="800000"/>
+            <a:headEnd/>
+            <a:tailEnd/>
+          </a:ln>
+        </p:spPr>
+      </p:pic>
+      <p:pic>
+        <p:nvPicPr>
+          <p:cNvPr id="2051" name="Picture 3"/>
+          <p:cNvPicPr>
+            <a:picLocks noChangeAspect="1" noChangeArrowheads="1"/>
+          </p:cNvPicPr>
+          <p:nvPr/>
+        </p:nvPicPr>
+        <p:blipFill>
+          <a:blip r:embed="rId3" cstate="print"/>
+          <a:srcRect/>
+          <a:stretch>
+            <a:fillRect/>
+          </a:stretch>
+        </p:blipFill>
+        <p:spPr bwMode="auto">
+          <a:xfrm>
+            <a:off x="6281057" y="1987904"/>
+            <a:ext cx="5910943" cy="3715756"/>
+          </a:xfrm>
+          <a:prstGeom prst="rect">
+            <a:avLst/>
+          </a:prstGeom>
+          <a:noFill/>
+          <a:ln w="9525">
+            <a:noFill/>
+            <a:miter lim="800000"/>
+            <a:headEnd/>
+            <a:tailEnd/>
+          </a:ln>
+        </p:spPr>
+      </p:pic>
+    </p:spTree>
+    <p:extLst>
+      <p:ext uri="{BB962C8B-B14F-4D97-AF65-F5344CB8AC3E}">
+        <p14:creationId xmlns:p14="http://schemas.microsoft.com/office/powerpoint/2010/main" val="205039471"/>
+      </p:ext>
+    </p:extLst>
+  </p:cSld>
+  <p:clrMapOvr>
+    <a:masterClrMapping/>
+  </p:clrMapOvr>
+</p:sld>
+</file>
+
+<file path=ppt/slides/slide6.xml><?xml version="1.0" encoding="utf-8"?>
+<p:sld xmlns:a="http://schemas.openxmlformats.org/drawingml/2006/main" xmlns:r="http://schemas.openxmlformats.org/officeDocument/2006/relationships" xmlns:p="http://schemas.openxmlformats.org/presentationml/2006/main">
+  <p:cSld>
+    <p:spTree>
+      <p:nvGrpSpPr>
+        <p:cNvPr id="1" name=""/>
+        <p:cNvGrpSpPr/>
+        <p:nvPr/>
+      </p:nvGrpSpPr>
+      <p:grpSpPr>
+        <a:xfrm>
+          <a:off x="0" y="0"/>
+          <a:ext cx="0" cy="0"/>
+          <a:chOff x="0" y="0"/>
+          <a:chExt cx="0" cy="0"/>
+        </a:xfrm>
+      </p:grpSpPr>
+      <p:sp>
+        <p:nvSpPr>
+          <p:cNvPr id="2" name="Titre 1">
+            <a:extLst>
+              <a:ext uri="{FF2B5EF4-FFF2-40B4-BE49-F238E27FC236}">
+                <a16:creationId xmlns:a16="http://schemas.microsoft.com/office/drawing/2014/main" id="{BDEF606E-A611-403F-B367-E6244B4A4623}"/>
+              </a:ext>
+            </a:extLst>
+          </p:cNvPr>
+          <p:cNvSpPr>
+            <a:spLocks noGrp="1"/>
+          </p:cNvSpPr>
+          <p:nvPr>
+            <p:ph type="title"/>
+          </p:nvPr>
+        </p:nvSpPr>
+        <p:spPr/>
+        <p:txBody>
+          <a:bodyPr/>
+          <a:lstStyle/>
+          <a:p>
+            <a:r>
+              <a:rPr lang="fr-FR" dirty="0"/>
+              <a:t>Hard: Conception de la station de charge</a:t>
+            </a:r>
+          </a:p>
+        </p:txBody>
+      </p:sp>
+      <p:pic>
+        <p:nvPicPr>
+          <p:cNvPr id="5122" name="Picture 2"/>
+          <p:cNvPicPr>
+            <a:picLocks noChangeAspect="1" noChangeArrowheads="1"/>
+          </p:cNvPicPr>
+          <p:nvPr/>
+        </p:nvPicPr>
+        <p:blipFill>
+          <a:blip r:embed="rId2" cstate="print"/>
+          <a:srcRect/>
+          <a:stretch>
+            <a:fillRect/>
+          </a:stretch>
+        </p:blipFill>
+        <p:spPr bwMode="auto">
+          <a:xfrm>
+            <a:off x="2386013" y="1438827"/>
+            <a:ext cx="6853237" cy="5219147"/>
+          </a:xfrm>
+          <a:prstGeom prst="rect">
+            <a:avLst/>
+          </a:prstGeom>
+          <a:noFill/>
+          <a:ln w="9525">
+            <a:noFill/>
+            <a:miter lim="800000"/>
+            <a:headEnd/>
+            <a:tailEnd/>
+          </a:ln>
+        </p:spPr>
+      </p:pic>
+    </p:spTree>
+    <p:extLst>
+      <p:ext uri="{BB962C8B-B14F-4D97-AF65-F5344CB8AC3E}">
+        <p14:creationId xmlns:p14="http://schemas.microsoft.com/office/powerpoint/2010/main" val="205039471"/>
+      </p:ext>
+    </p:extLst>
+  </p:cSld>
+  <p:clrMapOvr>
+    <a:masterClrMapping/>
+  </p:clrMapOvr>
+</p:sld>
+</file>
+
+<file path=ppt/slides/slide7.xml><?xml version="1.0" encoding="utf-8"?>
+<p:sld xmlns:a="http://schemas.openxmlformats.org/drawingml/2006/main" xmlns:r="http://schemas.openxmlformats.org/officeDocument/2006/relationships" xmlns:p="http://schemas.openxmlformats.org/presentationml/2006/main">
+  <p:cSld>
+    <p:spTree>
+      <p:nvGrpSpPr>
+        <p:cNvPr id="1" name=""/>
+        <p:cNvGrpSpPr/>
+        <p:nvPr/>
+      </p:nvGrpSpPr>
+      <p:grpSpPr>
+        <a:xfrm>
+          <a:off x="0" y="0"/>
+          <a:ext cx="0" cy="0"/>
+          <a:chOff x="0" y="0"/>
+          <a:chExt cx="0" cy="0"/>
+        </a:xfrm>
+      </p:grpSpPr>
+      <p:sp>
+        <p:nvSpPr>
+          <p:cNvPr id="2" name="Titre 1">
+            <a:extLst>
+              <a:ext uri="{FF2B5EF4-FFF2-40B4-BE49-F238E27FC236}">
+                <a16:creationId xmlns:a16="http://schemas.microsoft.com/office/drawing/2014/main" id="{BDEF606E-A611-403F-B367-E6244B4A4623}"/>
+              </a:ext>
+            </a:extLst>
+          </p:cNvPr>
+          <p:cNvSpPr>
+            <a:spLocks noGrp="1"/>
+          </p:cNvSpPr>
+          <p:nvPr>
+            <p:ph type="title"/>
+          </p:nvPr>
+        </p:nvSpPr>
+        <p:spPr/>
+        <p:txBody>
+          <a:bodyPr/>
+          <a:lstStyle/>
+          <a:p>
+            <a:r>
+              <a:rPr lang="fr-FR" dirty="0"/>
+              <a:t>FPGA: Gestion des ultrasons</a:t>
+            </a:r>
+          </a:p>
+        </p:txBody>
+      </p:sp>
+      <p:pic>
+        <p:nvPicPr>
+          <p:cNvPr id="1026" name="Picture 2">
+            <a:extLst>
+              <a:ext uri="{FF2B5EF4-FFF2-40B4-BE49-F238E27FC236}">
+                <a16:creationId xmlns:a16="http://schemas.microsoft.com/office/drawing/2014/main" id="{EEEBF244-653F-C43E-B306-701F51A05604}"/>
+              </a:ext>
+            </a:extLst>
+          </p:cNvPr>
+          <p:cNvPicPr>
+            <a:picLocks noChangeAspect="1" noChangeArrowheads="1"/>
+          </p:cNvPicPr>
+          <p:nvPr/>
+        </p:nvPicPr>
+        <p:blipFill>
+          <a:blip r:embed="rId2" cstate="print">
+            <a:extLst>
+              <a:ext uri="{28A0092B-C50C-407E-A947-70E740481C1C}">
+                <a14:useLocalDpi xmlns:a14="http://schemas.microsoft.com/office/drawing/2010/main" val="0"/>
+              </a:ext>
+            </a:extLst>
+          </a:blip>
+          <a:srcRect/>
+          <a:stretch>
+            <a:fillRect/>
+          </a:stretch>
+        </p:blipFill>
+        <p:spPr bwMode="auto">
+          <a:xfrm>
+            <a:off x="838200" y="1305731"/>
+            <a:ext cx="6537695" cy="3601829"/>
+          </a:xfrm>
+          <a:prstGeom prst="rect">
+            <a:avLst/>
+          </a:prstGeom>
+          <a:noFill/>
+          <a:extLst>
+            <a:ext uri="{909E8E84-426E-40DD-AFC4-6F175D3DCCD1}">
+              <a14:hiddenFill xmlns:a14="http://schemas.microsoft.com/office/drawing/2010/main">
+                <a:solidFill>
+                  <a:srgbClr val="FFFFFF"/>
+                </a:solidFill>
+              </a14:hiddenFill>
+            </a:ext>
+          </a:extLst>
+        </p:spPr>
+      </p:pic>
+      <p:pic>
+        <p:nvPicPr>
+          <p:cNvPr id="3" name="Image 2">
+            <a:extLst>
+              <a:ext uri="{FF2B5EF4-FFF2-40B4-BE49-F238E27FC236}">
+                <a16:creationId xmlns:a16="http://schemas.microsoft.com/office/drawing/2014/main" id="{B41E45BF-A8FB-6DA4-FD07-87CB1C5DD9D8}"/>
+              </a:ext>
+            </a:extLst>
+          </p:cNvPr>
+          <p:cNvPicPr>
+            <a:picLocks noChangeAspect="1"/>
+          </p:cNvPicPr>
+          <p:nvPr/>
+        </p:nvPicPr>
+        <p:blipFill>
+          <a:blip r:embed="rId3" cstate="print"/>
+          <a:stretch>
+            <a:fillRect/>
+          </a:stretch>
+        </p:blipFill>
+        <p:spPr>
+          <a:xfrm>
+            <a:off x="7853827" y="1175467"/>
+            <a:ext cx="3499973" cy="5523142"/>
+          </a:xfrm>
+          <a:prstGeom prst="rect">
+            <a:avLst/>
+          </a:prstGeom>
+        </p:spPr>
+      </p:pic>
+    </p:spTree>
+    <p:extLst>
+      <p:ext uri="{BB962C8B-B14F-4D97-AF65-F5344CB8AC3E}">
+        <p14:creationId xmlns:p14="http://schemas.microsoft.com/office/powerpoint/2010/main" val="205039471"/>
+      </p:ext>
+    </p:extLst>
+  </p:cSld>
+  <p:clrMapOvr>
+    <a:masterClrMapping/>
+  </p:clrMapOvr>
+</p:sld>
+</file>
+
+<file path=ppt/slides/slide8.xml><?xml version="1.0" encoding="utf-8"?>
+<p:sld xmlns:a="http://schemas.openxmlformats.org/drawingml/2006/main" xmlns:r="http://schemas.openxmlformats.org/officeDocument/2006/relationships" xmlns:p="http://schemas.openxmlformats.org/presentationml/2006/main">
+  <p:cSld>
+    <p:spTree>
+      <p:nvGrpSpPr>
+        <p:cNvPr id="1" name=""/>
+        <p:cNvGrpSpPr/>
+        <p:nvPr/>
+      </p:nvGrpSpPr>
+      <p:grpSpPr>
+        <a:xfrm>
+          <a:off x="0" y="0"/>
+          <a:ext cx="0" cy="0"/>
+          <a:chOff x="0" y="0"/>
+          <a:chExt cx="0" cy="0"/>
+        </a:xfrm>
+      </p:grpSpPr>
+      <p:sp>
+        <p:nvSpPr>
+          <p:cNvPr id="2" name="Titre 1">
+            <a:extLst>
+              <a:ext uri="{FF2B5EF4-FFF2-40B4-BE49-F238E27FC236}">
+                <a16:creationId xmlns:a16="http://schemas.microsoft.com/office/drawing/2014/main" id="{BDEF606E-A611-403F-B367-E6244B4A4623}"/>
+              </a:ext>
+            </a:extLst>
+          </p:cNvPr>
+          <p:cNvSpPr>
+            <a:spLocks noGrp="1"/>
+          </p:cNvSpPr>
+          <p:nvPr>
+            <p:ph type="title"/>
+          </p:nvPr>
+        </p:nvSpPr>
+        <p:spPr/>
+        <p:txBody>
+          <a:bodyPr/>
+          <a:lstStyle/>
+          <a:p>
+            <a:r>
+              <a:rPr lang="fr-FR" dirty="0"/>
+              <a:t>FPGA: Changement de carte Dijkstra</a:t>
+            </a:r>
+          </a:p>
+        </p:txBody>
+      </p:sp>
+      <p:pic>
+        <p:nvPicPr>
+          <p:cNvPr id="4" name="Image 3">
+            <a:extLst>
+              <a:ext uri="{FF2B5EF4-FFF2-40B4-BE49-F238E27FC236}">
+                <a16:creationId xmlns:a16="http://schemas.microsoft.com/office/drawing/2014/main" id="{7D8C735E-13D5-AE5D-8CBF-1AE1D8FA442B}"/>
+              </a:ext>
+            </a:extLst>
+          </p:cNvPr>
+          <p:cNvPicPr>
+            <a:picLocks noChangeAspect="1"/>
+          </p:cNvPicPr>
+          <p:nvPr/>
+        </p:nvPicPr>
+        <p:blipFill>
+          <a:blip r:embed="rId2" cstate="print">
+            <a:extLst>
+              <a:ext uri="{28A0092B-C50C-407E-A947-70E740481C1C}">
+                <a14:useLocalDpi xmlns:a14="http://schemas.microsoft.com/office/drawing/2010/main" val="0"/>
+              </a:ext>
+            </a:extLst>
+          </a:blip>
+          <a:stretch>
+            <a:fillRect/>
+          </a:stretch>
+        </p:blipFill>
+        <p:spPr>
+          <a:xfrm>
+            <a:off x="389811" y="2294998"/>
+            <a:ext cx="3982006" cy="657317"/>
+          </a:xfrm>
+          <a:prstGeom prst="rect">
+            <a:avLst/>
+          </a:prstGeom>
+        </p:spPr>
+      </p:pic>
+      <p:pic>
+        <p:nvPicPr>
+          <p:cNvPr id="6" name="Image 5">
+            <a:extLst>
+              <a:ext uri="{FF2B5EF4-FFF2-40B4-BE49-F238E27FC236}">
+                <a16:creationId xmlns:a16="http://schemas.microsoft.com/office/drawing/2014/main" id="{9594B467-CB1C-5544-47A5-C6181C8E555E}"/>
+              </a:ext>
+            </a:extLst>
+          </p:cNvPr>
+          <p:cNvPicPr>
+            <a:picLocks noChangeAspect="1"/>
+          </p:cNvPicPr>
+          <p:nvPr/>
+        </p:nvPicPr>
+        <p:blipFill>
+          <a:blip r:embed="rId3" cstate="print">
+            <a:extLst>
+              <a:ext uri="{28A0092B-C50C-407E-A947-70E740481C1C}">
+                <a14:useLocalDpi xmlns:a14="http://schemas.microsoft.com/office/drawing/2010/main" val="0"/>
+              </a:ext>
+            </a:extLst>
+          </a:blip>
+          <a:stretch>
+            <a:fillRect/>
+          </a:stretch>
+        </p:blipFill>
+        <p:spPr>
+          <a:xfrm>
+            <a:off x="475548" y="1652911"/>
+            <a:ext cx="3810532" cy="466790"/>
+          </a:xfrm>
+          <a:prstGeom prst="rect">
+            <a:avLst/>
+          </a:prstGeom>
+        </p:spPr>
+      </p:pic>
+      <p:pic>
+        <p:nvPicPr>
+          <p:cNvPr id="8" name="Image 7">
+            <a:extLst>
+              <a:ext uri="{FF2B5EF4-FFF2-40B4-BE49-F238E27FC236}">
+                <a16:creationId xmlns:a16="http://schemas.microsoft.com/office/drawing/2014/main" id="{D34C83CC-FBEF-CE65-31B2-536D67CC40FF}"/>
+              </a:ext>
+            </a:extLst>
+          </p:cNvPr>
+          <p:cNvPicPr>
+            <a:picLocks noChangeAspect="1"/>
+          </p:cNvPicPr>
+          <p:nvPr/>
+        </p:nvPicPr>
+        <p:blipFill>
+          <a:blip r:embed="rId4" cstate="print">
+            <a:extLst>
+              <a:ext uri="{28A0092B-C50C-407E-A947-70E740481C1C}">
+                <a14:useLocalDpi xmlns:a14="http://schemas.microsoft.com/office/drawing/2010/main" val="0"/>
+              </a:ext>
+            </a:extLst>
+          </a:blip>
+          <a:stretch>
+            <a:fillRect/>
+          </a:stretch>
+        </p:blipFill>
+        <p:spPr>
+          <a:xfrm>
+            <a:off x="475548" y="3154495"/>
+            <a:ext cx="3791479" cy="762106"/>
+          </a:xfrm>
+          <a:prstGeom prst="rect">
+            <a:avLst/>
+          </a:prstGeom>
+        </p:spPr>
+      </p:pic>
+      <p:pic>
+        <p:nvPicPr>
+          <p:cNvPr id="9" name="Image 8">
+            <a:extLst>
+              <a:ext uri="{FF2B5EF4-FFF2-40B4-BE49-F238E27FC236}">
+                <a16:creationId xmlns:a16="http://schemas.microsoft.com/office/drawing/2014/main" id="{4DF7AE9B-6372-E2F3-03D5-4F5A6050F1C0}"/>
+              </a:ext>
+            </a:extLst>
+          </p:cNvPr>
+          <p:cNvPicPr>
+            <a:picLocks noChangeAspect="1"/>
+          </p:cNvPicPr>
+          <p:nvPr/>
+        </p:nvPicPr>
+        <p:blipFill rotWithShape="1">
+          <a:blip r:embed="rId5" cstate="print">
+            <a:extLst>
+              <a:ext uri="{28A0092B-C50C-407E-A947-70E740481C1C}">
+                <a14:useLocalDpi xmlns:a14="http://schemas.microsoft.com/office/drawing/2010/main" val="0"/>
+              </a:ext>
+            </a:extLst>
+          </a:blip>
+          <a:srcRect l="1441" r="9461" b="1733"/>
+          <a:stretch/>
+        </p:blipFill>
+        <p:spPr bwMode="auto">
+          <a:xfrm>
+            <a:off x="5703714" y="1494474"/>
+            <a:ext cx="4232942" cy="4447784"/>
+          </a:xfrm>
+          <a:prstGeom prst="rect">
+            <a:avLst/>
+          </a:prstGeom>
+          <a:noFill/>
+          <a:ln>
+            <a:noFill/>
+          </a:ln>
+          <a:extLst>
+            <a:ext uri="{53640926-AAD7-44D8-BBD7-CCE9431645EC}">
+              <a14:shadowObscured xmlns:a14="http://schemas.microsoft.com/office/drawing/2010/main"/>
+            </a:ext>
+          </a:extLst>
+        </p:spPr>
+      </p:pic>
+      <p:sp>
+        <p:nvSpPr>
+          <p:cNvPr id="16" name="Signe de multiplication 15">
+            <a:extLst>
+              <a:ext uri="{FF2B5EF4-FFF2-40B4-BE49-F238E27FC236}">
+                <a16:creationId xmlns:a16="http://schemas.microsoft.com/office/drawing/2014/main" id="{9D75B36A-C0A4-B3D0-F387-FC816FDC4EFA}"/>
+              </a:ext>
+            </a:extLst>
+          </p:cNvPr>
+          <p:cNvSpPr/>
+          <p:nvPr/>
+        </p:nvSpPr>
+        <p:spPr>
+          <a:xfrm>
+            <a:off x="8598716" y="2893592"/>
+            <a:ext cx="352337" cy="344558"/>
+          </a:xfrm>
+          <a:prstGeom prst="mathMultiply">
+            <a:avLst/>
+          </a:prstGeom>
+          <a:solidFill>
+            <a:schemeClr val="tx1">
+              <a:alpha val="50000"/>
+            </a:schemeClr>
+          </a:solidFill>
+          <a:ln>
+            <a:noFill/>
+          </a:ln>
+        </p:spPr>
+        <p:style>
+          <a:lnRef idx="0">
+            <a:scrgbClr r="0" g="0" b="0"/>
+          </a:lnRef>
+          <a:fillRef idx="0">
+            <a:scrgbClr r="0" g="0" b="0"/>
+          </a:fillRef>
+          <a:effectRef idx="0">
+            <a:scrgbClr r="0" g="0" b="0"/>
+          </a:effectRef>
+          <a:fontRef idx="minor">
+            <a:schemeClr val="lt1"/>
+          </a:fontRef>
+        </p:style>
+        <p:txBody>
+          <a:bodyPr rtlCol="0" anchor="ctr"/>
+          <a:lstStyle/>
+          <a:p>
+            <a:pPr algn="ctr"/>
+            <a:endParaRPr lang="fr-FR"/>
+          </a:p>
+        </p:txBody>
+      </p:sp>
+      <p:cxnSp>
+        <p:nvCxnSpPr>
+          <p:cNvPr id="18" name="Connecteur droit avec flèche 17">
+            <a:extLst>
+              <a:ext uri="{FF2B5EF4-FFF2-40B4-BE49-F238E27FC236}">
+                <a16:creationId xmlns:a16="http://schemas.microsoft.com/office/drawing/2014/main" id="{B30E9260-034A-01DC-9469-E35C54CA1836}"/>
+              </a:ext>
+            </a:extLst>
+          </p:cNvPr>
+          <p:cNvCxnSpPr/>
+          <p:nvPr/>
+        </p:nvCxnSpPr>
+        <p:spPr>
+          <a:xfrm>
+            <a:off x="6602136" y="2294998"/>
+            <a:ext cx="2172748" cy="1240550"/>
+          </a:xfrm>
+          <a:prstGeom prst="straightConnector1">
+            <a:avLst/>
+          </a:prstGeom>
+          <a:ln>
+            <a:headEnd type="triangle"/>
+            <a:tailEnd type="triangle"/>
+          </a:ln>
+        </p:spPr>
+        <p:style>
+          <a:lnRef idx="1">
+            <a:schemeClr val="dk1"/>
+          </a:lnRef>
+          <a:fillRef idx="0">
+            <a:schemeClr val="dk1"/>
+          </a:fillRef>
+          <a:effectRef idx="0">
+            <a:schemeClr val="dk1"/>
+          </a:effectRef>
+          <a:fontRef idx="minor">
+            <a:schemeClr val="tx1"/>
+          </a:fontRef>
+        </p:style>
+      </p:cxnSp>
+    </p:spTree>
+    <p:extLst>
+      <p:ext uri="{BB962C8B-B14F-4D97-AF65-F5344CB8AC3E}">
+        <p14:creationId xmlns:p14="http://schemas.microsoft.com/office/powerpoint/2010/main" val="1095449298"/>
+      </p:ext>
+    </p:extLst>
+  </p:cSld>
+  <p:clrMapOvr>
+    <a:masterClrMapping/>
+  </p:clrMapOvr>
+</p:sld>
+</file>
+
+<file path=ppt/slides/slide9.xml><?xml version="1.0" encoding="utf-8"?>
+<p:sld xmlns:a="http://schemas.openxmlformats.org/drawingml/2006/main" xmlns:r="http://schemas.openxmlformats.org/officeDocument/2006/relationships" xmlns:p="http://schemas.openxmlformats.org/presentationml/2006/main">
+  <p:cSld>
+    <p:spTree>
+      <p:nvGrpSpPr>
+        <p:cNvPr id="1" name=""/>
+        <p:cNvGrpSpPr/>
+        <p:nvPr/>
+      </p:nvGrpSpPr>
+      <p:grpSpPr>
+        <a:xfrm>
+          <a:off x="0" y="0"/>
+          <a:ext cx="0" cy="0"/>
+          <a:chOff x="0" y="0"/>
+          <a:chExt cx="0" cy="0"/>
+        </a:xfrm>
+      </p:grpSpPr>
+      <p:sp>
+        <p:nvSpPr>
+          <p:cNvPr id="2" name="Titre 1">
+            <a:extLst>
+              <a:ext uri="{FF2B5EF4-FFF2-40B4-BE49-F238E27FC236}">
+                <a16:creationId xmlns:a16="http://schemas.microsoft.com/office/drawing/2014/main" id="{BDEF606E-A611-403F-B367-E6244B4A4623}"/>
               </a:ext>
             </a:extLst>
           </p:cNvPr>
@@ -7858,7 +8955,7 @@
           <p:cNvPr id="3" name="ZoneTexte 2">
             <a:extLst>
               <a:ext uri="{FF2B5EF4-FFF2-40B4-BE49-F238E27FC236}">
-                <a16:creationId xmlns:a16="http://schemas.microsoft.com/office/drawing/2014/main" xmlns="" id="{311B03C9-6FA4-A206-F3F9-6C069ED72EAD}"/>
+                <a16:creationId xmlns:a16="http://schemas.microsoft.com/office/drawing/2014/main" id="{311B03C9-6FA4-A206-F3F9-6C069ED72EAD}"/>
               </a:ext>
             </a:extLst>
           </p:cNvPr>
@@ -7973,5344 +9070,13 @@
     </p:spTree>
     <p:extLst>
       <p:ext uri="{BB962C8B-B14F-4D97-AF65-F5344CB8AC3E}">
-        <p14:creationId xmlns:p14="http://schemas.microsoft.com/office/powerpoint/2010/main" xmlns="" val="1822520944"/>
+        <p14:creationId xmlns:p14="http://schemas.microsoft.com/office/powerpoint/2010/main" val="1822520944"/>
       </p:ext>
     </p:extLst>
   </p:cSld>
   <p:clrMapOvr>
     <a:masterClrMapping/>
   </p:clrMapOvr>
-</p:sld>
-</file>
-
-<file path=ppt/slides/slide11.xml><?xml version="1.0" encoding="utf-8"?>
-<p:sld xmlns:a="http://schemas.openxmlformats.org/drawingml/2006/main" xmlns:r="http://schemas.openxmlformats.org/officeDocument/2006/relationships" xmlns:p="http://schemas.openxmlformats.org/presentationml/2006/main">
-  <p:cSld>
-    <p:spTree>
-      <p:nvGrpSpPr>
-        <p:cNvPr id="1" name=""/>
-        <p:cNvGrpSpPr/>
-        <p:nvPr/>
-      </p:nvGrpSpPr>
-      <p:grpSpPr>
-        <a:xfrm>
-          <a:off x="0" y="0"/>
-          <a:ext cx="0" cy="0"/>
-          <a:chOff x="0" y="0"/>
-          <a:chExt cx="0" cy="0"/>
-        </a:xfrm>
-      </p:grpSpPr>
-      <p:sp>
-        <p:nvSpPr>
-          <p:cNvPr id="2" name="Titre 1">
-            <a:extLst>
-              <a:ext uri="{FF2B5EF4-FFF2-40B4-BE49-F238E27FC236}">
-                <a16:creationId xmlns:a16="http://schemas.microsoft.com/office/drawing/2014/main" xmlns="" id="{BDEF606E-A611-403F-B367-E6244B4A4623}"/>
-              </a:ext>
-            </a:extLst>
-          </p:cNvPr>
-          <p:cNvSpPr>
-            <a:spLocks noGrp="1"/>
-          </p:cNvSpPr>
-          <p:nvPr>
-            <p:ph type="title"/>
-          </p:nvPr>
-        </p:nvSpPr>
-        <p:spPr/>
-        <p:txBody>
-          <a:bodyPr/>
-          <a:lstStyle/>
-          <a:p>
-            <a:r>
-              <a:rPr lang="fr-FR" dirty="0"/>
-              <a:t>Soft: Linux embarqué PYNQ fonctionnel</a:t>
-            </a:r>
-          </a:p>
-        </p:txBody>
-      </p:sp>
-      <p:pic>
-        <p:nvPicPr>
-          <p:cNvPr id="1026" name="Picture 2" descr="GitHub - Xilinx/PYNQ: Python Productivity for ZYNQ">
-            <a:extLst>
-              <a:ext uri="{FF2B5EF4-FFF2-40B4-BE49-F238E27FC236}">
-                <a16:creationId xmlns:a16="http://schemas.microsoft.com/office/drawing/2014/main" xmlns="" id="{AD221FFC-7ED3-77CD-4AAA-804A04DAE5D5}"/>
-              </a:ext>
-            </a:extLst>
-          </p:cNvPr>
-          <p:cNvPicPr>
-            <a:picLocks noChangeAspect="1" noChangeArrowheads="1"/>
-          </p:cNvPicPr>
-          <p:nvPr/>
-        </p:nvPicPr>
-        <p:blipFill>
-          <a:blip r:embed="rId2" cstate="print">
-            <a:extLst>
-              <a:ext uri="{28A0092B-C50C-407E-A947-70E740481C1C}">
-                <a14:useLocalDpi xmlns:a14="http://schemas.microsoft.com/office/drawing/2010/main" xmlns="" val="0"/>
-              </a:ext>
-            </a:extLst>
-          </a:blip>
-          <a:srcRect/>
-          <a:stretch>
-            <a:fillRect/>
-          </a:stretch>
-        </p:blipFill>
-        <p:spPr bwMode="auto">
-          <a:xfrm>
-            <a:off x="6773510" y="1939928"/>
-            <a:ext cx="1862311" cy="928497"/>
-          </a:xfrm>
-          <a:prstGeom prst="rect">
-            <a:avLst/>
-          </a:prstGeom>
-          <a:noFill/>
-          <a:extLst>
-            <a:ext uri="{909E8E84-426E-40DD-AFC4-6F175D3DCCD1}">
-              <a14:hiddenFill xmlns:a14="http://schemas.microsoft.com/office/drawing/2010/main" xmlns="">
-                <a:solidFill>
-                  <a:srgbClr val="FFFFFF"/>
-                </a:solidFill>
-              </a14:hiddenFill>
-            </a:ext>
-          </a:extLst>
-        </p:spPr>
-      </p:pic>
-      <p:sp>
-        <p:nvSpPr>
-          <p:cNvPr id="4" name="ZoneTexte 3">
-            <a:extLst>
-              <a:ext uri="{FF2B5EF4-FFF2-40B4-BE49-F238E27FC236}">
-                <a16:creationId xmlns:a16="http://schemas.microsoft.com/office/drawing/2014/main" xmlns="" id="{970CC3E5-844D-5AA1-2220-79F59D374C7D}"/>
-              </a:ext>
-            </a:extLst>
-          </p:cNvPr>
-          <p:cNvSpPr txBox="1"/>
-          <p:nvPr/>
-        </p:nvSpPr>
-        <p:spPr>
-          <a:xfrm>
-            <a:off x="990570" y="2204122"/>
-            <a:ext cx="5700600" cy="400110"/>
-          </a:xfrm>
-          <a:prstGeom prst="rect">
-            <a:avLst/>
-          </a:prstGeom>
-          <a:noFill/>
-        </p:spPr>
-        <p:txBody>
-          <a:bodyPr wrap="none" rtlCol="0">
-            <a:spAutoFit/>
-          </a:bodyPr>
-          <a:lstStyle/>
-          <a:p>
-            <a:r>
-              <a:rPr lang="fr-FR" sz="2000" dirty="0"/>
-              <a:t>Fichiers de </a:t>
-            </a:r>
-            <a:r>
-              <a:rPr lang="fr-FR" sz="2000" dirty="0" err="1"/>
-              <a:t>build</a:t>
-            </a:r>
-            <a:r>
-              <a:rPr lang="fr-FR" sz="2000" dirty="0"/>
-              <a:t> du Linux sous git avec </a:t>
-            </a:r>
-            <a:r>
-              <a:rPr lang="fr-FR" sz="2000" dirty="0" err="1"/>
-              <a:t>Readme</a:t>
-            </a:r>
-            <a:endParaRPr lang="fr-FR" sz="2000" dirty="0"/>
-          </a:p>
-        </p:txBody>
-      </p:sp>
-    </p:spTree>
-    <p:extLst>
-      <p:ext uri="{BB962C8B-B14F-4D97-AF65-F5344CB8AC3E}">
-        <p14:creationId xmlns:p14="http://schemas.microsoft.com/office/powerpoint/2010/main" xmlns="" val="1968962188"/>
-      </p:ext>
-    </p:extLst>
-  </p:cSld>
-  <p:clrMapOvr>
-    <a:masterClrMapping/>
-  </p:clrMapOvr>
-</p:sld>
-</file>
-
-<file path=ppt/slides/slide12.xml><?xml version="1.0" encoding="utf-8"?>
-<p:sld xmlns:a="http://schemas.openxmlformats.org/drawingml/2006/main" xmlns:r="http://schemas.openxmlformats.org/officeDocument/2006/relationships" xmlns:p="http://schemas.openxmlformats.org/presentationml/2006/main">
-  <p:cSld>
-    <p:spTree>
-      <p:nvGrpSpPr>
-        <p:cNvPr id="1" name=""/>
-        <p:cNvGrpSpPr/>
-        <p:nvPr/>
-      </p:nvGrpSpPr>
-      <p:grpSpPr>
-        <a:xfrm>
-          <a:off x="0" y="0"/>
-          <a:ext cx="0" cy="0"/>
-          <a:chOff x="0" y="0"/>
-          <a:chExt cx="0" cy="0"/>
-        </a:xfrm>
-      </p:grpSpPr>
-      <p:sp>
-        <p:nvSpPr>
-          <p:cNvPr id="2" name="Titre 1">
-            <a:extLst>
-              <a:ext uri="{FF2B5EF4-FFF2-40B4-BE49-F238E27FC236}">
-                <a16:creationId xmlns:a16="http://schemas.microsoft.com/office/drawing/2014/main" xmlns="" id="{EDDD4FAF-1AF8-4391-9A8A-F1F63DD06F1E}"/>
-              </a:ext>
-            </a:extLst>
-          </p:cNvPr>
-          <p:cNvSpPr>
-            <a:spLocks noGrp="1"/>
-          </p:cNvSpPr>
-          <p:nvPr>
-            <p:ph type="title"/>
-          </p:nvPr>
-        </p:nvSpPr>
-        <p:spPr/>
-        <p:txBody>
-          <a:bodyPr/>
-          <a:lstStyle/>
-          <a:p>
-            <a:r>
-              <a:rPr lang="fr-FR" dirty="0"/>
-              <a:t>Soft: Architecture de projet Soft</a:t>
-            </a:r>
-          </a:p>
-        </p:txBody>
-      </p:sp>
-      <p:sp>
-        <p:nvSpPr>
-          <p:cNvPr id="4" name="Rectangle : coins arrondis 3">
-            <a:extLst>
-              <a:ext uri="{FF2B5EF4-FFF2-40B4-BE49-F238E27FC236}">
-                <a16:creationId xmlns:a16="http://schemas.microsoft.com/office/drawing/2014/main" xmlns="" id="{7A135F26-5CA7-7FDE-DADC-A0186D3A1185}"/>
-              </a:ext>
-            </a:extLst>
-          </p:cNvPr>
-          <p:cNvSpPr/>
-          <p:nvPr/>
-        </p:nvSpPr>
-        <p:spPr>
-          <a:xfrm>
-            <a:off x="4437428" y="2988578"/>
-            <a:ext cx="1384184" cy="813732"/>
-          </a:xfrm>
-          <a:prstGeom prst="roundRect">
-            <a:avLst/>
-          </a:prstGeom>
-          <a:noFill/>
-        </p:spPr>
-        <p:style>
-          <a:lnRef idx="2">
-            <a:schemeClr val="accent1">
-              <a:shade val="50000"/>
-            </a:schemeClr>
-          </a:lnRef>
-          <a:fillRef idx="1">
-            <a:schemeClr val="accent1"/>
-          </a:fillRef>
-          <a:effectRef idx="0">
-            <a:schemeClr val="accent1"/>
-          </a:effectRef>
-          <a:fontRef idx="minor">
-            <a:schemeClr val="lt1"/>
-          </a:fontRef>
-        </p:style>
-        <p:txBody>
-          <a:bodyPr rtlCol="0" anchor="ctr"/>
-          <a:lstStyle/>
-          <a:p>
-            <a:pPr algn="ctr"/>
-            <a:r>
-              <a:rPr lang="fr-FR" dirty="0">
-                <a:solidFill>
-                  <a:schemeClr val="tx1"/>
-                </a:solidFill>
-              </a:rPr>
-              <a:t>Gestionnaire de mission</a:t>
-            </a:r>
-          </a:p>
-        </p:txBody>
-      </p:sp>
-      <p:sp>
-        <p:nvSpPr>
-          <p:cNvPr id="5" name="Rectangle : coins arrondis 4">
-            <a:extLst>
-              <a:ext uri="{FF2B5EF4-FFF2-40B4-BE49-F238E27FC236}">
-                <a16:creationId xmlns:a16="http://schemas.microsoft.com/office/drawing/2014/main" xmlns="" id="{23CE6665-AA1B-2215-DA18-AD9439768906}"/>
-              </a:ext>
-            </a:extLst>
-          </p:cNvPr>
-          <p:cNvSpPr/>
-          <p:nvPr/>
-        </p:nvSpPr>
-        <p:spPr>
-          <a:xfrm>
-            <a:off x="6697914" y="3940185"/>
-            <a:ext cx="1384184" cy="813732"/>
-          </a:xfrm>
-          <a:prstGeom prst="roundRect">
-            <a:avLst/>
-          </a:prstGeom>
-          <a:noFill/>
-        </p:spPr>
-        <p:style>
-          <a:lnRef idx="2">
-            <a:schemeClr val="accent1">
-              <a:shade val="50000"/>
-            </a:schemeClr>
-          </a:lnRef>
-          <a:fillRef idx="1">
-            <a:schemeClr val="accent1"/>
-          </a:fillRef>
-          <a:effectRef idx="0">
-            <a:schemeClr val="accent1"/>
-          </a:effectRef>
-          <a:fontRef idx="minor">
-            <a:schemeClr val="lt1"/>
-          </a:fontRef>
-        </p:style>
-        <p:txBody>
-          <a:bodyPr rtlCol="0" anchor="ctr"/>
-          <a:lstStyle/>
-          <a:p>
-            <a:pPr algn="ctr"/>
-            <a:r>
-              <a:rPr lang="fr-FR" dirty="0">
-                <a:solidFill>
-                  <a:schemeClr val="tx1"/>
-                </a:solidFill>
-              </a:rPr>
-              <a:t>Auto</a:t>
-            </a:r>
-          </a:p>
-        </p:txBody>
-      </p:sp>
-      <p:sp>
-        <p:nvSpPr>
-          <p:cNvPr id="6" name="Rectangle : coins arrondis 5">
-            <a:extLst>
-              <a:ext uri="{FF2B5EF4-FFF2-40B4-BE49-F238E27FC236}">
-                <a16:creationId xmlns:a16="http://schemas.microsoft.com/office/drawing/2014/main" xmlns="" id="{804C6B43-D218-7EFA-48A1-7D3E48F576E6}"/>
-              </a:ext>
-            </a:extLst>
-          </p:cNvPr>
-          <p:cNvSpPr/>
-          <p:nvPr/>
-        </p:nvSpPr>
-        <p:spPr>
-          <a:xfrm>
-            <a:off x="6697914" y="2047237"/>
-            <a:ext cx="1384184" cy="813732"/>
-          </a:xfrm>
-          <a:prstGeom prst="roundRect">
-            <a:avLst/>
-          </a:prstGeom>
-          <a:noFill/>
-        </p:spPr>
-        <p:style>
-          <a:lnRef idx="2">
-            <a:schemeClr val="accent1">
-              <a:shade val="50000"/>
-            </a:schemeClr>
-          </a:lnRef>
-          <a:fillRef idx="1">
-            <a:schemeClr val="accent1"/>
-          </a:fillRef>
-          <a:effectRef idx="0">
-            <a:schemeClr val="accent1"/>
-          </a:effectRef>
-          <a:fontRef idx="minor">
-            <a:schemeClr val="lt1"/>
-          </a:fontRef>
-        </p:style>
-        <p:txBody>
-          <a:bodyPr rtlCol="0" anchor="ctr"/>
-          <a:lstStyle/>
-          <a:p>
-            <a:pPr algn="ctr"/>
-            <a:r>
-              <a:rPr lang="fr-FR" dirty="0">
-                <a:solidFill>
-                  <a:schemeClr val="tx1"/>
-                </a:solidFill>
-              </a:rPr>
-              <a:t>Manual</a:t>
-            </a:r>
-          </a:p>
-        </p:txBody>
-      </p:sp>
-      <p:grpSp>
-        <p:nvGrpSpPr>
-          <p:cNvPr id="33" name="Groupe 32">
-            <a:extLst>
-              <a:ext uri="{FF2B5EF4-FFF2-40B4-BE49-F238E27FC236}">
-                <a16:creationId xmlns:a16="http://schemas.microsoft.com/office/drawing/2014/main" xmlns="" id="{2D9B23F7-E0D5-87C4-9005-CC83FE174E7F}"/>
-              </a:ext>
-            </a:extLst>
-          </p:cNvPr>
-          <p:cNvGrpSpPr/>
-          <p:nvPr/>
-        </p:nvGrpSpPr>
-        <p:grpSpPr>
-          <a:xfrm>
-            <a:off x="175469" y="2403628"/>
-            <a:ext cx="3394046" cy="1344351"/>
-            <a:chOff x="175470" y="2950848"/>
-            <a:chExt cx="3394046" cy="1344351"/>
-          </a:xfrm>
-        </p:grpSpPr>
-        <p:sp>
-          <p:nvSpPr>
-            <p:cNvPr id="9" name="Ellipse 8">
-              <a:extLst>
-                <a:ext uri="{FF2B5EF4-FFF2-40B4-BE49-F238E27FC236}">
-                  <a16:creationId xmlns:a16="http://schemas.microsoft.com/office/drawing/2014/main" xmlns="" id="{1F63B939-20E0-B262-1715-3DC5B33C6958}"/>
-                </a:ext>
-              </a:extLst>
-            </p:cNvPr>
-            <p:cNvSpPr/>
-            <p:nvPr/>
-          </p:nvSpPr>
-          <p:spPr>
-            <a:xfrm>
-              <a:off x="183859" y="2950848"/>
-              <a:ext cx="1451994" cy="362279"/>
-            </a:xfrm>
-            <a:prstGeom prst="ellipse">
-              <a:avLst/>
-            </a:prstGeom>
-          </p:spPr>
-          <p:style>
-            <a:lnRef idx="2">
-              <a:schemeClr val="accent1">
-                <a:shade val="50000"/>
-              </a:schemeClr>
-            </a:lnRef>
-            <a:fillRef idx="1">
-              <a:schemeClr val="accent1"/>
-            </a:fillRef>
-            <a:effectRef idx="0">
-              <a:schemeClr val="accent1"/>
-            </a:effectRef>
-            <a:fontRef idx="minor">
-              <a:schemeClr val="lt1"/>
-            </a:fontRef>
-          </p:style>
-          <p:txBody>
-            <a:bodyPr rtlCol="0" anchor="ctr"/>
-            <a:lstStyle/>
-            <a:p>
-              <a:pPr algn="ctr"/>
-              <a:r>
-                <a:rPr lang="fr-FR" dirty="0"/>
-                <a:t>IMU</a:t>
-              </a:r>
-            </a:p>
-          </p:txBody>
-        </p:sp>
-        <p:sp>
-          <p:nvSpPr>
-            <p:cNvPr id="10" name="Ellipse 9">
-              <a:extLst>
-                <a:ext uri="{FF2B5EF4-FFF2-40B4-BE49-F238E27FC236}">
-                  <a16:creationId xmlns:a16="http://schemas.microsoft.com/office/drawing/2014/main" xmlns="" id="{FA76DC8F-024C-6785-3F8B-DEDA52680F40}"/>
-                </a:ext>
-              </a:extLst>
-            </p:cNvPr>
-            <p:cNvSpPr/>
-            <p:nvPr/>
-          </p:nvSpPr>
-          <p:spPr>
-            <a:xfrm>
-              <a:off x="175470" y="3509472"/>
-              <a:ext cx="1451994" cy="362279"/>
-            </a:xfrm>
-            <a:prstGeom prst="ellipse">
-              <a:avLst/>
-            </a:prstGeom>
-          </p:spPr>
-          <p:style>
-            <a:lnRef idx="2">
-              <a:schemeClr val="accent1">
-                <a:shade val="50000"/>
-              </a:schemeClr>
-            </a:lnRef>
-            <a:fillRef idx="1">
-              <a:schemeClr val="accent1"/>
-            </a:fillRef>
-            <a:effectRef idx="0">
-              <a:schemeClr val="accent1"/>
-            </a:effectRef>
-            <a:fontRef idx="minor">
-              <a:schemeClr val="lt1"/>
-            </a:fontRef>
-          </p:style>
-          <p:txBody>
-            <a:bodyPr rtlCol="0" anchor="ctr"/>
-            <a:lstStyle/>
-            <a:p>
-              <a:pPr algn="ctr"/>
-              <a:r>
-                <a:rPr lang="fr-FR" dirty="0"/>
-                <a:t>Odométrie</a:t>
-              </a:r>
-            </a:p>
-          </p:txBody>
-        </p:sp>
-        <p:sp>
-          <p:nvSpPr>
-            <p:cNvPr id="11" name="Ellipse 10">
-              <a:extLst>
-                <a:ext uri="{FF2B5EF4-FFF2-40B4-BE49-F238E27FC236}">
-                  <a16:creationId xmlns:a16="http://schemas.microsoft.com/office/drawing/2014/main" xmlns="" id="{5E80B45F-8F99-98FB-C191-3A7E58F56D08}"/>
-                </a:ext>
-              </a:extLst>
-            </p:cNvPr>
-            <p:cNvSpPr/>
-            <p:nvPr/>
-          </p:nvSpPr>
-          <p:spPr>
-            <a:xfrm>
-              <a:off x="175470" y="3932920"/>
-              <a:ext cx="1451994" cy="362279"/>
-            </a:xfrm>
-            <a:prstGeom prst="ellipse">
-              <a:avLst/>
-            </a:prstGeom>
-          </p:spPr>
-          <p:style>
-            <a:lnRef idx="2">
-              <a:schemeClr val="accent1">
-                <a:shade val="50000"/>
-              </a:schemeClr>
-            </a:lnRef>
-            <a:fillRef idx="1">
-              <a:schemeClr val="accent1"/>
-            </a:fillRef>
-            <a:effectRef idx="0">
-              <a:schemeClr val="accent1"/>
-            </a:effectRef>
-            <a:fontRef idx="minor">
-              <a:schemeClr val="lt1"/>
-            </a:fontRef>
-          </p:style>
-          <p:txBody>
-            <a:bodyPr rtlCol="0" anchor="ctr"/>
-            <a:lstStyle/>
-            <a:p>
-              <a:pPr algn="ctr"/>
-              <a:r>
-                <a:rPr lang="fr-FR" dirty="0"/>
-                <a:t>NFC</a:t>
-              </a:r>
-            </a:p>
-          </p:txBody>
-        </p:sp>
-        <p:sp>
-          <p:nvSpPr>
-            <p:cNvPr id="13" name="Rectangle : coins arrondis 12">
-              <a:extLst>
-                <a:ext uri="{FF2B5EF4-FFF2-40B4-BE49-F238E27FC236}">
-                  <a16:creationId xmlns:a16="http://schemas.microsoft.com/office/drawing/2014/main" xmlns="" id="{0F77763D-B987-CF34-26B7-2FB0A4BF2784}"/>
-                </a:ext>
-              </a:extLst>
-            </p:cNvPr>
-            <p:cNvSpPr/>
-            <p:nvPr/>
-          </p:nvSpPr>
-          <p:spPr>
-            <a:xfrm>
-              <a:off x="2185332" y="3022134"/>
-              <a:ext cx="1384184" cy="813732"/>
-            </a:xfrm>
-            <a:prstGeom prst="roundRect">
-              <a:avLst/>
-            </a:prstGeom>
-            <a:noFill/>
-          </p:spPr>
-          <p:style>
-            <a:lnRef idx="2">
-              <a:schemeClr val="accent1">
-                <a:shade val="50000"/>
-              </a:schemeClr>
-            </a:lnRef>
-            <a:fillRef idx="1">
-              <a:schemeClr val="accent1"/>
-            </a:fillRef>
-            <a:effectRef idx="0">
-              <a:schemeClr val="accent1"/>
-            </a:effectRef>
-            <a:fontRef idx="minor">
-              <a:schemeClr val="lt1"/>
-            </a:fontRef>
-          </p:style>
-          <p:txBody>
-            <a:bodyPr rtlCol="0" anchor="ctr"/>
-            <a:lstStyle/>
-            <a:p>
-              <a:pPr algn="ctr"/>
-              <a:r>
-                <a:rPr lang="fr-FR" dirty="0">
-                  <a:solidFill>
-                    <a:schemeClr val="tx1"/>
-                  </a:solidFill>
-                </a:rPr>
-                <a:t>Localisation</a:t>
-              </a:r>
-            </a:p>
-          </p:txBody>
-        </p:sp>
-        <p:cxnSp>
-          <p:nvCxnSpPr>
-            <p:cNvPr id="17" name="Connecteur : en angle 16">
-              <a:extLst>
-                <a:ext uri="{FF2B5EF4-FFF2-40B4-BE49-F238E27FC236}">
-                  <a16:creationId xmlns:a16="http://schemas.microsoft.com/office/drawing/2014/main" xmlns="" id="{0314C3F8-12F9-3110-1619-7067ECA21E23}"/>
-                </a:ext>
-              </a:extLst>
-            </p:cNvPr>
-            <p:cNvCxnSpPr>
-              <a:cxnSpLocks/>
-              <a:stCxn id="9" idx="6"/>
-            </p:cNvCxnSpPr>
-            <p:nvPr/>
-          </p:nvCxnSpPr>
-          <p:spPr>
-            <a:xfrm>
-              <a:off x="1635853" y="3131988"/>
-              <a:ext cx="541090" cy="154225"/>
-            </a:xfrm>
-            <a:prstGeom prst="bentConnector3">
-              <a:avLst>
-                <a:gd name="adj1" fmla="val 29845"/>
-              </a:avLst>
-            </a:prstGeom>
-            <a:ln>
-              <a:tailEnd type="triangle"/>
-            </a:ln>
-          </p:spPr>
-          <p:style>
-            <a:lnRef idx="1">
-              <a:schemeClr val="accent1"/>
-            </a:lnRef>
-            <a:fillRef idx="0">
-              <a:schemeClr val="accent1"/>
-            </a:fillRef>
-            <a:effectRef idx="0">
-              <a:schemeClr val="accent1"/>
-            </a:effectRef>
-            <a:fontRef idx="minor">
-              <a:schemeClr val="tx1"/>
-            </a:fontRef>
-          </p:style>
-        </p:cxnSp>
-        <p:cxnSp>
-          <p:nvCxnSpPr>
-            <p:cNvPr id="20" name="Connecteur : en angle 19">
-              <a:extLst>
-                <a:ext uri="{FF2B5EF4-FFF2-40B4-BE49-F238E27FC236}">
-                  <a16:creationId xmlns:a16="http://schemas.microsoft.com/office/drawing/2014/main" xmlns="" id="{F2CF4EE4-69EC-C7D6-978B-F9A5EF34C9BA}"/>
-                </a:ext>
-              </a:extLst>
-            </p:cNvPr>
-            <p:cNvCxnSpPr>
-              <a:cxnSpLocks/>
-              <a:stCxn id="10" idx="6"/>
-            </p:cNvCxnSpPr>
-            <p:nvPr/>
-          </p:nvCxnSpPr>
-          <p:spPr>
-            <a:xfrm flipV="1">
-              <a:off x="1627464" y="3571787"/>
-              <a:ext cx="549479" cy="118825"/>
-            </a:xfrm>
-            <a:prstGeom prst="bentConnector3">
-              <a:avLst>
-                <a:gd name="adj1" fmla="val 30153"/>
-              </a:avLst>
-            </a:prstGeom>
-            <a:ln>
-              <a:tailEnd type="triangle"/>
-            </a:ln>
-          </p:spPr>
-          <p:style>
-            <a:lnRef idx="1">
-              <a:schemeClr val="accent1"/>
-            </a:lnRef>
-            <a:fillRef idx="0">
-              <a:schemeClr val="accent1"/>
-            </a:fillRef>
-            <a:effectRef idx="0">
-              <a:schemeClr val="accent1"/>
-            </a:effectRef>
-            <a:fontRef idx="minor">
-              <a:schemeClr val="tx1"/>
-            </a:fontRef>
-          </p:style>
-        </p:cxnSp>
-        <p:cxnSp>
-          <p:nvCxnSpPr>
-            <p:cNvPr id="22" name="Connecteur : en angle 21">
-              <a:extLst>
-                <a:ext uri="{FF2B5EF4-FFF2-40B4-BE49-F238E27FC236}">
-                  <a16:creationId xmlns:a16="http://schemas.microsoft.com/office/drawing/2014/main" xmlns="" id="{920D6936-2B92-405A-4E7E-F07E0A36F2EF}"/>
-                </a:ext>
-              </a:extLst>
-            </p:cNvPr>
-            <p:cNvCxnSpPr>
-              <a:cxnSpLocks/>
-              <a:stCxn id="11" idx="6"/>
-            </p:cNvCxnSpPr>
-            <p:nvPr/>
-          </p:nvCxnSpPr>
-          <p:spPr>
-            <a:xfrm flipV="1">
-              <a:off x="1627464" y="3710361"/>
-              <a:ext cx="549479" cy="403699"/>
-            </a:xfrm>
-            <a:prstGeom prst="bentConnector3">
-              <a:avLst/>
-            </a:prstGeom>
-            <a:ln>
-              <a:tailEnd type="triangle"/>
-            </a:ln>
-          </p:spPr>
-          <p:style>
-            <a:lnRef idx="1">
-              <a:schemeClr val="accent1"/>
-            </a:lnRef>
-            <a:fillRef idx="0">
-              <a:schemeClr val="accent1"/>
-            </a:fillRef>
-            <a:effectRef idx="0">
-              <a:schemeClr val="accent1"/>
-            </a:effectRef>
-            <a:fontRef idx="minor">
-              <a:schemeClr val="tx1"/>
-            </a:fontRef>
-          </p:style>
-        </p:cxnSp>
-      </p:grpSp>
-      <p:sp>
-        <p:nvSpPr>
-          <p:cNvPr id="34" name="Ellipse 33">
-            <a:extLst>
-              <a:ext uri="{FF2B5EF4-FFF2-40B4-BE49-F238E27FC236}">
-                <a16:creationId xmlns:a16="http://schemas.microsoft.com/office/drawing/2014/main" xmlns="" id="{63F95585-822D-5F84-4FB7-347D15902B1D}"/>
-              </a:ext>
-            </a:extLst>
-          </p:cNvPr>
-          <p:cNvSpPr/>
-          <p:nvPr/>
-        </p:nvSpPr>
-        <p:spPr>
-          <a:xfrm>
-            <a:off x="183858" y="4061593"/>
-            <a:ext cx="1451994" cy="362279"/>
-          </a:xfrm>
-          <a:prstGeom prst="ellipse">
-            <a:avLst/>
-          </a:prstGeom>
-        </p:spPr>
-        <p:style>
-          <a:lnRef idx="2">
-            <a:schemeClr val="accent1">
-              <a:shade val="50000"/>
-            </a:schemeClr>
-          </a:lnRef>
-          <a:fillRef idx="1">
-            <a:schemeClr val="accent1"/>
-          </a:fillRef>
-          <a:effectRef idx="0">
-            <a:schemeClr val="accent1"/>
-          </a:effectRef>
-          <a:fontRef idx="minor">
-            <a:schemeClr val="lt1"/>
-          </a:fontRef>
-        </p:style>
-        <p:txBody>
-          <a:bodyPr rtlCol="0" anchor="ctr"/>
-          <a:lstStyle/>
-          <a:p>
-            <a:pPr algn="ctr"/>
-            <a:r>
-              <a:rPr lang="fr-FR" dirty="0"/>
-              <a:t>Balises</a:t>
-            </a:r>
-          </a:p>
-        </p:txBody>
-      </p:sp>
-      <p:sp>
-        <p:nvSpPr>
-          <p:cNvPr id="35" name="Ellipse 34">
-            <a:extLst>
-              <a:ext uri="{FF2B5EF4-FFF2-40B4-BE49-F238E27FC236}">
-                <a16:creationId xmlns:a16="http://schemas.microsoft.com/office/drawing/2014/main" xmlns="" id="{332CE12A-F7E9-196C-03CC-CCDAC39D2501}"/>
-              </a:ext>
-            </a:extLst>
-          </p:cNvPr>
-          <p:cNvSpPr/>
-          <p:nvPr/>
-        </p:nvSpPr>
-        <p:spPr>
-          <a:xfrm>
-            <a:off x="4403872" y="5981391"/>
-            <a:ext cx="1451994" cy="362279"/>
-          </a:xfrm>
-          <a:prstGeom prst="ellipse">
-            <a:avLst/>
-          </a:prstGeom>
-        </p:spPr>
-        <p:style>
-          <a:lnRef idx="2">
-            <a:schemeClr val="accent1">
-              <a:shade val="50000"/>
-            </a:schemeClr>
-          </a:lnRef>
-          <a:fillRef idx="1">
-            <a:schemeClr val="accent1"/>
-          </a:fillRef>
-          <a:effectRef idx="0">
-            <a:schemeClr val="accent1"/>
-          </a:effectRef>
-          <a:fontRef idx="minor">
-            <a:schemeClr val="lt1"/>
-          </a:fontRef>
-        </p:style>
-        <p:txBody>
-          <a:bodyPr rtlCol="0" anchor="ctr"/>
-          <a:lstStyle/>
-          <a:p>
-            <a:pPr algn="ctr"/>
-            <a:r>
-              <a:rPr lang="fr-FR" dirty="0"/>
-              <a:t>IHM</a:t>
-            </a:r>
-          </a:p>
-        </p:txBody>
-      </p:sp>
-      <p:sp>
-        <p:nvSpPr>
-          <p:cNvPr id="36" name="Rectangle : coins arrondis 35">
-            <a:extLst>
-              <a:ext uri="{FF2B5EF4-FFF2-40B4-BE49-F238E27FC236}">
-                <a16:creationId xmlns:a16="http://schemas.microsoft.com/office/drawing/2014/main" xmlns="" id="{EE35229E-419E-FB7A-8350-AE38DC9644B2}"/>
-              </a:ext>
-            </a:extLst>
-          </p:cNvPr>
-          <p:cNvSpPr/>
-          <p:nvPr/>
-        </p:nvSpPr>
-        <p:spPr>
-          <a:xfrm>
-            <a:off x="4437428" y="4753917"/>
-            <a:ext cx="1384184" cy="813732"/>
-          </a:xfrm>
-          <a:prstGeom prst="roundRect">
-            <a:avLst/>
-          </a:prstGeom>
-          <a:noFill/>
-        </p:spPr>
-        <p:style>
-          <a:lnRef idx="2">
-            <a:schemeClr val="accent1">
-              <a:shade val="50000"/>
-            </a:schemeClr>
-          </a:lnRef>
-          <a:fillRef idx="1">
-            <a:schemeClr val="accent1"/>
-          </a:fillRef>
-          <a:effectRef idx="0">
-            <a:schemeClr val="accent1"/>
-          </a:effectRef>
-          <a:fontRef idx="minor">
-            <a:schemeClr val="lt1"/>
-          </a:fontRef>
-        </p:style>
-        <p:txBody>
-          <a:bodyPr rtlCol="0" anchor="ctr"/>
-          <a:lstStyle/>
-          <a:p>
-            <a:pPr algn="ctr"/>
-            <a:r>
-              <a:rPr lang="fr-FR" dirty="0">
-                <a:solidFill>
-                  <a:schemeClr val="tx1"/>
-                </a:solidFill>
-              </a:rPr>
-              <a:t>Gestionnaire IHM</a:t>
-            </a:r>
-          </a:p>
-        </p:txBody>
-      </p:sp>
-      <p:sp>
-        <p:nvSpPr>
-          <p:cNvPr id="37" name="Rectangle : coins arrondis 36">
-            <a:extLst>
-              <a:ext uri="{FF2B5EF4-FFF2-40B4-BE49-F238E27FC236}">
-                <a16:creationId xmlns:a16="http://schemas.microsoft.com/office/drawing/2014/main" xmlns="" id="{7B754B41-568F-C0AF-00AE-A6A2DC47A026}"/>
-              </a:ext>
-            </a:extLst>
-          </p:cNvPr>
-          <p:cNvSpPr/>
-          <p:nvPr/>
-        </p:nvSpPr>
-        <p:spPr>
-          <a:xfrm>
-            <a:off x="2176942" y="3835866"/>
-            <a:ext cx="1384184" cy="813732"/>
-          </a:xfrm>
-          <a:prstGeom prst="roundRect">
-            <a:avLst/>
-          </a:prstGeom>
-          <a:noFill/>
-        </p:spPr>
-        <p:style>
-          <a:lnRef idx="2">
-            <a:schemeClr val="accent1">
-              <a:shade val="50000"/>
-            </a:schemeClr>
-          </a:lnRef>
-          <a:fillRef idx="1">
-            <a:schemeClr val="accent1"/>
-          </a:fillRef>
-          <a:effectRef idx="0">
-            <a:schemeClr val="accent1"/>
-          </a:effectRef>
-          <a:fontRef idx="minor">
-            <a:schemeClr val="lt1"/>
-          </a:fontRef>
-        </p:style>
-        <p:txBody>
-          <a:bodyPr rtlCol="0" anchor="ctr"/>
-          <a:lstStyle/>
-          <a:p>
-            <a:pPr algn="ctr"/>
-            <a:r>
-              <a:rPr lang="fr-FR" dirty="0">
-                <a:solidFill>
-                  <a:schemeClr val="tx1"/>
-                </a:solidFill>
-              </a:rPr>
-              <a:t>Détection balises</a:t>
-            </a:r>
-          </a:p>
-        </p:txBody>
-      </p:sp>
-      <p:sp>
-        <p:nvSpPr>
-          <p:cNvPr id="38" name="Rectangle : coins arrondis 37">
-            <a:extLst>
-              <a:ext uri="{FF2B5EF4-FFF2-40B4-BE49-F238E27FC236}">
-                <a16:creationId xmlns:a16="http://schemas.microsoft.com/office/drawing/2014/main" xmlns="" id="{EFF2B3C2-D712-3443-0847-EDFDE9B31840}"/>
-              </a:ext>
-            </a:extLst>
-          </p:cNvPr>
-          <p:cNvSpPr/>
-          <p:nvPr/>
-        </p:nvSpPr>
-        <p:spPr>
-          <a:xfrm>
-            <a:off x="8082098" y="5013976"/>
-            <a:ext cx="1384184" cy="813732"/>
-          </a:xfrm>
-          <a:prstGeom prst="roundRect">
-            <a:avLst/>
-          </a:prstGeom>
-          <a:noFill/>
-        </p:spPr>
-        <p:style>
-          <a:lnRef idx="2">
-            <a:schemeClr val="accent1">
-              <a:shade val="50000"/>
-            </a:schemeClr>
-          </a:lnRef>
-          <a:fillRef idx="1">
-            <a:schemeClr val="accent1"/>
-          </a:fillRef>
-          <a:effectRef idx="0">
-            <a:schemeClr val="accent1"/>
-          </a:effectRef>
-          <a:fontRef idx="minor">
-            <a:schemeClr val="lt1"/>
-          </a:fontRef>
-        </p:style>
-        <p:txBody>
-          <a:bodyPr rtlCol="0" anchor="ctr"/>
-          <a:lstStyle/>
-          <a:p>
-            <a:pPr algn="ctr"/>
-            <a:r>
-              <a:rPr lang="fr-FR" dirty="0">
-                <a:solidFill>
-                  <a:schemeClr val="tx1"/>
-                </a:solidFill>
-              </a:rPr>
-              <a:t>Gestionnaires d’alertes</a:t>
-            </a:r>
-          </a:p>
-        </p:txBody>
-      </p:sp>
-      <p:sp>
-        <p:nvSpPr>
-          <p:cNvPr id="39" name="Rectangle : coins arrondis 38">
-            <a:extLst>
-              <a:ext uri="{FF2B5EF4-FFF2-40B4-BE49-F238E27FC236}">
-                <a16:creationId xmlns:a16="http://schemas.microsoft.com/office/drawing/2014/main" xmlns="" id="{5E0FE08D-6110-7D34-11B3-D57BEC730617}"/>
-              </a:ext>
-            </a:extLst>
-          </p:cNvPr>
-          <p:cNvSpPr/>
-          <p:nvPr/>
-        </p:nvSpPr>
-        <p:spPr>
-          <a:xfrm>
-            <a:off x="9661323" y="5019724"/>
-            <a:ext cx="1384184" cy="813732"/>
-          </a:xfrm>
-          <a:prstGeom prst="roundRect">
-            <a:avLst/>
-          </a:prstGeom>
-          <a:noFill/>
-        </p:spPr>
-        <p:style>
-          <a:lnRef idx="2">
-            <a:schemeClr val="accent1">
-              <a:shade val="50000"/>
-            </a:schemeClr>
-          </a:lnRef>
-          <a:fillRef idx="1">
-            <a:schemeClr val="accent1"/>
-          </a:fillRef>
-          <a:effectRef idx="0">
-            <a:schemeClr val="accent1"/>
-          </a:effectRef>
-          <a:fontRef idx="minor">
-            <a:schemeClr val="lt1"/>
-          </a:fontRef>
-        </p:style>
-        <p:txBody>
-          <a:bodyPr rtlCol="0" anchor="ctr"/>
-          <a:lstStyle/>
-          <a:p>
-            <a:pPr algn="ctr"/>
-            <a:r>
-              <a:rPr lang="fr-FR" dirty="0">
-                <a:solidFill>
-                  <a:schemeClr val="tx1"/>
-                </a:solidFill>
-              </a:rPr>
-              <a:t>Navigation</a:t>
-            </a:r>
-          </a:p>
-        </p:txBody>
-      </p:sp>
-      <p:sp>
-        <p:nvSpPr>
-          <p:cNvPr id="40" name="Rectangle : coins arrondis 39">
-            <a:extLst>
-              <a:ext uri="{FF2B5EF4-FFF2-40B4-BE49-F238E27FC236}">
-                <a16:creationId xmlns:a16="http://schemas.microsoft.com/office/drawing/2014/main" xmlns="" id="{4CC7CF85-73D9-5C3D-5C13-72C728D6DD7A}"/>
-              </a:ext>
-            </a:extLst>
-          </p:cNvPr>
-          <p:cNvSpPr/>
-          <p:nvPr/>
-        </p:nvSpPr>
-        <p:spPr>
-          <a:xfrm>
-            <a:off x="9660625" y="2986209"/>
-            <a:ext cx="1384184" cy="813732"/>
-          </a:xfrm>
-          <a:prstGeom prst="roundRect">
-            <a:avLst/>
-          </a:prstGeom>
-          <a:noFill/>
-        </p:spPr>
-        <p:style>
-          <a:lnRef idx="2">
-            <a:schemeClr val="accent1">
-              <a:shade val="50000"/>
-            </a:schemeClr>
-          </a:lnRef>
-          <a:fillRef idx="1">
-            <a:schemeClr val="accent1"/>
-          </a:fillRef>
-          <a:effectRef idx="0">
-            <a:schemeClr val="accent1"/>
-          </a:effectRef>
-          <a:fontRef idx="minor">
-            <a:schemeClr val="lt1"/>
-          </a:fontRef>
-        </p:style>
-        <p:txBody>
-          <a:bodyPr rtlCol="0" anchor="ctr"/>
-          <a:lstStyle/>
-          <a:p>
-            <a:pPr algn="ctr"/>
-            <a:r>
-              <a:rPr lang="fr-FR" dirty="0">
-                <a:solidFill>
-                  <a:schemeClr val="tx1"/>
-                </a:solidFill>
-              </a:rPr>
-              <a:t>Evitement d’obstacles</a:t>
-            </a:r>
-          </a:p>
-        </p:txBody>
-      </p:sp>
-      <p:sp>
-        <p:nvSpPr>
-          <p:cNvPr id="41" name="Ellipse 40">
-            <a:extLst>
-              <a:ext uri="{FF2B5EF4-FFF2-40B4-BE49-F238E27FC236}">
-                <a16:creationId xmlns:a16="http://schemas.microsoft.com/office/drawing/2014/main" xmlns="" id="{F5E62DA9-4817-1857-CB4C-702544E72A15}"/>
-              </a:ext>
-            </a:extLst>
-          </p:cNvPr>
-          <p:cNvSpPr/>
-          <p:nvPr/>
-        </p:nvSpPr>
-        <p:spPr>
-          <a:xfrm>
-            <a:off x="9635458" y="6087469"/>
-            <a:ext cx="1451994" cy="362279"/>
-          </a:xfrm>
-          <a:prstGeom prst="ellipse">
-            <a:avLst/>
-          </a:prstGeom>
-        </p:spPr>
-        <p:style>
-          <a:lnRef idx="2">
-            <a:schemeClr val="accent1">
-              <a:shade val="50000"/>
-            </a:schemeClr>
-          </a:lnRef>
-          <a:fillRef idx="1">
-            <a:schemeClr val="accent1"/>
-          </a:fillRef>
-          <a:effectRef idx="0">
-            <a:schemeClr val="accent1"/>
-          </a:effectRef>
-          <a:fontRef idx="minor">
-            <a:schemeClr val="lt1"/>
-          </a:fontRef>
-        </p:style>
-        <p:txBody>
-          <a:bodyPr rtlCol="0" anchor="ctr"/>
-          <a:lstStyle/>
-          <a:p>
-            <a:pPr algn="ctr"/>
-            <a:r>
-              <a:rPr lang="fr-FR" dirty="0"/>
-              <a:t>Dijkstra</a:t>
-            </a:r>
-          </a:p>
-        </p:txBody>
-      </p:sp>
-      <p:cxnSp>
-        <p:nvCxnSpPr>
-          <p:cNvPr id="43" name="Connecteur : en angle 42">
-            <a:extLst>
-              <a:ext uri="{FF2B5EF4-FFF2-40B4-BE49-F238E27FC236}">
-                <a16:creationId xmlns:a16="http://schemas.microsoft.com/office/drawing/2014/main" xmlns="" id="{649832DF-EC81-BF95-2CAE-F7BD7955A8A5}"/>
-              </a:ext>
-            </a:extLst>
-          </p:cNvPr>
-          <p:cNvCxnSpPr>
-            <a:cxnSpLocks/>
-            <a:stCxn id="13" idx="3"/>
-          </p:cNvCxnSpPr>
-          <p:nvPr/>
-        </p:nvCxnSpPr>
-        <p:spPr>
-          <a:xfrm>
-            <a:off x="3569515" y="2881780"/>
-            <a:ext cx="867913" cy="414048"/>
-          </a:xfrm>
-          <a:prstGeom prst="bentConnector3">
-            <a:avLst/>
-          </a:prstGeom>
-          <a:ln>
-            <a:tailEnd type="triangle"/>
-          </a:ln>
-        </p:spPr>
-        <p:style>
-          <a:lnRef idx="1">
-            <a:schemeClr val="accent1"/>
-          </a:lnRef>
-          <a:fillRef idx="0">
-            <a:schemeClr val="accent1"/>
-          </a:fillRef>
-          <a:effectRef idx="0">
-            <a:schemeClr val="accent1"/>
-          </a:effectRef>
-          <a:fontRef idx="minor">
-            <a:schemeClr val="tx1"/>
-          </a:fontRef>
-        </p:style>
-      </p:cxnSp>
-      <p:cxnSp>
-        <p:nvCxnSpPr>
-          <p:cNvPr id="45" name="Connecteur : en angle 44">
-            <a:extLst>
-              <a:ext uri="{FF2B5EF4-FFF2-40B4-BE49-F238E27FC236}">
-                <a16:creationId xmlns:a16="http://schemas.microsoft.com/office/drawing/2014/main" xmlns="" id="{099266D4-97F5-4E7B-ADE9-790139E8A7D6}"/>
-              </a:ext>
-            </a:extLst>
-          </p:cNvPr>
-          <p:cNvCxnSpPr>
-            <a:cxnSpLocks/>
-            <a:stCxn id="37" idx="3"/>
-          </p:cNvCxnSpPr>
-          <p:nvPr/>
-        </p:nvCxnSpPr>
-        <p:spPr>
-          <a:xfrm flipV="1">
-            <a:off x="3561126" y="3571624"/>
-            <a:ext cx="876302" cy="671108"/>
-          </a:xfrm>
-          <a:prstGeom prst="bentConnector3">
-            <a:avLst/>
-          </a:prstGeom>
-          <a:ln>
-            <a:tailEnd type="triangle"/>
-          </a:ln>
-        </p:spPr>
-        <p:style>
-          <a:lnRef idx="1">
-            <a:schemeClr val="accent1"/>
-          </a:lnRef>
-          <a:fillRef idx="0">
-            <a:schemeClr val="accent1"/>
-          </a:fillRef>
-          <a:effectRef idx="0">
-            <a:schemeClr val="accent1"/>
-          </a:effectRef>
-          <a:fontRef idx="minor">
-            <a:schemeClr val="tx1"/>
-          </a:fontRef>
-        </p:style>
-      </p:cxnSp>
-      <p:cxnSp>
-        <p:nvCxnSpPr>
-          <p:cNvPr id="47" name="Connecteur droit avec flèche 46">
-            <a:extLst>
-              <a:ext uri="{FF2B5EF4-FFF2-40B4-BE49-F238E27FC236}">
-                <a16:creationId xmlns:a16="http://schemas.microsoft.com/office/drawing/2014/main" xmlns="" id="{9D7B20DF-908E-7C86-8190-D45D11FABD13}"/>
-              </a:ext>
-            </a:extLst>
-          </p:cNvPr>
-          <p:cNvCxnSpPr>
-            <a:cxnSpLocks/>
-            <a:stCxn id="34" idx="6"/>
-            <a:endCxn id="37" idx="1"/>
-          </p:cNvCxnSpPr>
-          <p:nvPr/>
-        </p:nvCxnSpPr>
-        <p:spPr>
-          <a:xfrm flipV="1">
-            <a:off x="1635852" y="4242732"/>
-            <a:ext cx="541090" cy="1"/>
-          </a:xfrm>
-          <a:prstGeom prst="straightConnector1">
-            <a:avLst/>
-          </a:prstGeom>
-          <a:ln>
-            <a:tailEnd type="triangle"/>
-          </a:ln>
-        </p:spPr>
-        <p:style>
-          <a:lnRef idx="1">
-            <a:schemeClr val="accent1"/>
-          </a:lnRef>
-          <a:fillRef idx="0">
-            <a:schemeClr val="accent1"/>
-          </a:fillRef>
-          <a:effectRef idx="0">
-            <a:schemeClr val="accent1"/>
-          </a:effectRef>
-          <a:fontRef idx="minor">
-            <a:schemeClr val="tx1"/>
-          </a:fontRef>
-        </p:style>
-      </p:cxnSp>
-      <p:cxnSp>
-        <p:nvCxnSpPr>
-          <p:cNvPr id="56" name="Connecteur droit avec flèche 55">
-            <a:extLst>
-              <a:ext uri="{FF2B5EF4-FFF2-40B4-BE49-F238E27FC236}">
-                <a16:creationId xmlns:a16="http://schemas.microsoft.com/office/drawing/2014/main" xmlns="" id="{FC53D68D-0788-EF8A-CDDE-B3346EF5CE34}"/>
-              </a:ext>
-            </a:extLst>
-          </p:cNvPr>
-          <p:cNvCxnSpPr>
-            <a:stCxn id="4" idx="2"/>
-            <a:endCxn id="36" idx="0"/>
-          </p:cNvCxnSpPr>
-          <p:nvPr/>
-        </p:nvCxnSpPr>
-        <p:spPr>
-          <a:xfrm>
-            <a:off x="5129520" y="3802310"/>
-            <a:ext cx="0" cy="951607"/>
-          </a:xfrm>
-          <a:prstGeom prst="straightConnector1">
-            <a:avLst/>
-          </a:prstGeom>
-          <a:ln>
-            <a:headEnd type="triangle"/>
-            <a:tailEnd type="triangle"/>
-          </a:ln>
-        </p:spPr>
-        <p:style>
-          <a:lnRef idx="1">
-            <a:schemeClr val="accent1"/>
-          </a:lnRef>
-          <a:fillRef idx="0">
-            <a:schemeClr val="accent1"/>
-          </a:fillRef>
-          <a:effectRef idx="0">
-            <a:schemeClr val="accent1"/>
-          </a:effectRef>
-          <a:fontRef idx="minor">
-            <a:schemeClr val="tx1"/>
-          </a:fontRef>
-        </p:style>
-      </p:cxnSp>
-      <p:cxnSp>
-        <p:nvCxnSpPr>
-          <p:cNvPr id="58" name="Connecteur droit avec flèche 57">
-            <a:extLst>
-              <a:ext uri="{FF2B5EF4-FFF2-40B4-BE49-F238E27FC236}">
-                <a16:creationId xmlns:a16="http://schemas.microsoft.com/office/drawing/2014/main" xmlns="" id="{24B976DA-B15A-61A7-1686-7DAB19BF621D}"/>
-              </a:ext>
-            </a:extLst>
-          </p:cNvPr>
-          <p:cNvCxnSpPr>
-            <a:stCxn id="39" idx="2"/>
-            <a:endCxn id="41" idx="0"/>
-          </p:cNvCxnSpPr>
-          <p:nvPr/>
-        </p:nvCxnSpPr>
-        <p:spPr>
-          <a:xfrm>
-            <a:off x="10353415" y="5833456"/>
-            <a:ext cx="8040" cy="254013"/>
-          </a:xfrm>
-          <a:prstGeom prst="straightConnector1">
-            <a:avLst/>
-          </a:prstGeom>
-          <a:ln>
-            <a:headEnd type="triangle"/>
-            <a:tailEnd type="triangle"/>
-          </a:ln>
-        </p:spPr>
-        <p:style>
-          <a:lnRef idx="1">
-            <a:schemeClr val="accent1"/>
-          </a:lnRef>
-          <a:fillRef idx="0">
-            <a:schemeClr val="accent1"/>
-          </a:fillRef>
-          <a:effectRef idx="0">
-            <a:schemeClr val="accent1"/>
-          </a:effectRef>
-          <a:fontRef idx="minor">
-            <a:schemeClr val="tx1"/>
-          </a:fontRef>
-        </p:style>
-      </p:cxnSp>
-      <p:cxnSp>
-        <p:nvCxnSpPr>
-          <p:cNvPr id="64" name="Connecteur : en angle 63">
-            <a:extLst>
-              <a:ext uri="{FF2B5EF4-FFF2-40B4-BE49-F238E27FC236}">
-                <a16:creationId xmlns:a16="http://schemas.microsoft.com/office/drawing/2014/main" xmlns="" id="{A6F0342A-D2FE-E4F9-C7BD-DB7EF262D74A}"/>
-              </a:ext>
-            </a:extLst>
-          </p:cNvPr>
-          <p:cNvCxnSpPr>
-            <a:cxnSpLocks/>
-            <a:endCxn id="6" idx="1"/>
-          </p:cNvCxnSpPr>
-          <p:nvPr/>
-        </p:nvCxnSpPr>
-        <p:spPr>
-          <a:xfrm flipV="1">
-            <a:off x="5821612" y="2454103"/>
-            <a:ext cx="876302" cy="793498"/>
-          </a:xfrm>
-          <a:prstGeom prst="bentConnector3">
-            <a:avLst>
-              <a:gd name="adj1" fmla="val 50000"/>
-            </a:avLst>
-          </a:prstGeom>
-          <a:ln>
-            <a:tailEnd type="triangle"/>
-          </a:ln>
-        </p:spPr>
-        <p:style>
-          <a:lnRef idx="1">
-            <a:schemeClr val="accent1"/>
-          </a:lnRef>
-          <a:fillRef idx="0">
-            <a:schemeClr val="accent1"/>
-          </a:fillRef>
-          <a:effectRef idx="0">
-            <a:schemeClr val="accent1"/>
-          </a:effectRef>
-          <a:fontRef idx="minor">
-            <a:schemeClr val="tx1"/>
-          </a:fontRef>
-        </p:style>
-      </p:cxnSp>
-      <p:cxnSp>
-        <p:nvCxnSpPr>
-          <p:cNvPr id="73" name="Connecteur : en angle 72">
-            <a:extLst>
-              <a:ext uri="{FF2B5EF4-FFF2-40B4-BE49-F238E27FC236}">
-                <a16:creationId xmlns:a16="http://schemas.microsoft.com/office/drawing/2014/main" xmlns="" id="{5F4AF7E8-F5BC-3D9D-7373-AF8E4715ADCD}"/>
-              </a:ext>
-            </a:extLst>
-          </p:cNvPr>
-          <p:cNvCxnSpPr>
-            <a:endCxn id="5" idx="1"/>
-          </p:cNvCxnSpPr>
-          <p:nvPr/>
-        </p:nvCxnSpPr>
-        <p:spPr>
-          <a:xfrm>
-            <a:off x="5821612" y="3571624"/>
-            <a:ext cx="876302" cy="775427"/>
-          </a:xfrm>
-          <a:prstGeom prst="bentConnector3">
-            <a:avLst/>
-          </a:prstGeom>
-          <a:ln>
-            <a:tailEnd type="triangle"/>
-          </a:ln>
-        </p:spPr>
-        <p:style>
-          <a:lnRef idx="1">
-            <a:schemeClr val="accent1"/>
-          </a:lnRef>
-          <a:fillRef idx="0">
-            <a:schemeClr val="accent1"/>
-          </a:fillRef>
-          <a:effectRef idx="0">
-            <a:schemeClr val="accent1"/>
-          </a:effectRef>
-          <a:fontRef idx="minor">
-            <a:schemeClr val="tx1"/>
-          </a:fontRef>
-        </p:style>
-      </p:cxnSp>
-      <p:cxnSp>
-        <p:nvCxnSpPr>
-          <p:cNvPr id="75" name="Connecteur : en angle 74">
-            <a:extLst>
-              <a:ext uri="{FF2B5EF4-FFF2-40B4-BE49-F238E27FC236}">
-                <a16:creationId xmlns:a16="http://schemas.microsoft.com/office/drawing/2014/main" xmlns="" id="{841990B5-CDAF-C60C-A02C-D28C8D27D427}"/>
-              </a:ext>
-            </a:extLst>
-          </p:cNvPr>
-          <p:cNvCxnSpPr>
-            <a:stCxn id="5" idx="2"/>
-            <a:endCxn id="38" idx="1"/>
-          </p:cNvCxnSpPr>
-          <p:nvPr/>
-        </p:nvCxnSpPr>
-        <p:spPr>
-          <a:xfrm rot="16200000" flipH="1">
-            <a:off x="7402590" y="4741333"/>
-            <a:ext cx="666925" cy="692092"/>
-          </a:xfrm>
-          <a:prstGeom prst="bentConnector2">
-            <a:avLst/>
-          </a:prstGeom>
-          <a:ln>
-            <a:tailEnd type="triangle"/>
-          </a:ln>
-        </p:spPr>
-        <p:style>
-          <a:lnRef idx="1">
-            <a:schemeClr val="accent1"/>
-          </a:lnRef>
-          <a:fillRef idx="0">
-            <a:schemeClr val="accent1"/>
-          </a:fillRef>
-          <a:effectRef idx="0">
-            <a:schemeClr val="accent1"/>
-          </a:effectRef>
-          <a:fontRef idx="minor">
-            <a:schemeClr val="tx1"/>
-          </a:fontRef>
-        </p:style>
-      </p:cxnSp>
-      <p:cxnSp>
-        <p:nvCxnSpPr>
-          <p:cNvPr id="77" name="Connecteur droit avec flèche 76">
-            <a:extLst>
-              <a:ext uri="{FF2B5EF4-FFF2-40B4-BE49-F238E27FC236}">
-                <a16:creationId xmlns:a16="http://schemas.microsoft.com/office/drawing/2014/main" xmlns="" id="{F0256DF0-9A4D-F906-5558-4EA1A4EC6AC4}"/>
-              </a:ext>
-            </a:extLst>
-          </p:cNvPr>
-          <p:cNvCxnSpPr>
-            <a:stCxn id="38" idx="3"/>
-            <a:endCxn id="39" idx="1"/>
-          </p:cNvCxnSpPr>
-          <p:nvPr/>
-        </p:nvCxnSpPr>
-        <p:spPr>
-          <a:xfrm>
-            <a:off x="9466282" y="5420842"/>
-            <a:ext cx="195041" cy="5748"/>
-          </a:xfrm>
-          <a:prstGeom prst="straightConnector1">
-            <a:avLst/>
-          </a:prstGeom>
-          <a:ln>
-            <a:tailEnd type="triangle"/>
-          </a:ln>
-        </p:spPr>
-        <p:style>
-          <a:lnRef idx="1">
-            <a:schemeClr val="accent1"/>
-          </a:lnRef>
-          <a:fillRef idx="0">
-            <a:schemeClr val="accent1"/>
-          </a:fillRef>
-          <a:effectRef idx="0">
-            <a:schemeClr val="accent1"/>
-          </a:effectRef>
-          <a:fontRef idx="minor">
-            <a:schemeClr val="tx1"/>
-          </a:fontRef>
-        </p:style>
-      </p:cxnSp>
-      <p:cxnSp>
-        <p:nvCxnSpPr>
-          <p:cNvPr id="85" name="Connecteur droit avec flèche 84">
-            <a:extLst>
-              <a:ext uri="{FF2B5EF4-FFF2-40B4-BE49-F238E27FC236}">
-                <a16:creationId xmlns:a16="http://schemas.microsoft.com/office/drawing/2014/main" xmlns="" id="{D6393167-CD56-D7FD-A5D4-364CFB24F497}"/>
-              </a:ext>
-            </a:extLst>
-          </p:cNvPr>
-          <p:cNvCxnSpPr>
-            <a:cxnSpLocks/>
-            <a:stCxn id="39" idx="0"/>
-            <a:endCxn id="40" idx="2"/>
-          </p:cNvCxnSpPr>
-          <p:nvPr/>
-        </p:nvCxnSpPr>
-        <p:spPr>
-          <a:xfrm flipH="1" flipV="1">
-            <a:off x="10352717" y="3799941"/>
-            <a:ext cx="698" cy="1219783"/>
-          </a:xfrm>
-          <a:prstGeom prst="straightConnector1">
-            <a:avLst/>
-          </a:prstGeom>
-          <a:ln>
-            <a:tailEnd type="triangle"/>
-          </a:ln>
-        </p:spPr>
-        <p:style>
-          <a:lnRef idx="1">
-            <a:schemeClr val="accent1"/>
-          </a:lnRef>
-          <a:fillRef idx="0">
-            <a:schemeClr val="accent1"/>
-          </a:fillRef>
-          <a:effectRef idx="0">
-            <a:schemeClr val="accent1"/>
-          </a:effectRef>
-          <a:fontRef idx="minor">
-            <a:schemeClr val="tx1"/>
-          </a:fontRef>
-        </p:style>
-      </p:cxnSp>
-      <p:cxnSp>
-        <p:nvCxnSpPr>
-          <p:cNvPr id="91" name="Connecteur : en angle 90">
-            <a:extLst>
-              <a:ext uri="{FF2B5EF4-FFF2-40B4-BE49-F238E27FC236}">
-                <a16:creationId xmlns:a16="http://schemas.microsoft.com/office/drawing/2014/main" xmlns="" id="{0514B31D-2EBD-B825-7FA8-E1B64CEE08AA}"/>
-              </a:ext>
-            </a:extLst>
-          </p:cNvPr>
-          <p:cNvCxnSpPr>
-            <a:stCxn id="6" idx="3"/>
-            <a:endCxn id="40" idx="1"/>
-          </p:cNvCxnSpPr>
-          <p:nvPr/>
-        </p:nvCxnSpPr>
-        <p:spPr>
-          <a:xfrm>
-            <a:off x="8082098" y="2454103"/>
-            <a:ext cx="1578527" cy="938972"/>
-          </a:xfrm>
-          <a:prstGeom prst="bentConnector3">
-            <a:avLst/>
-          </a:prstGeom>
-          <a:ln>
-            <a:tailEnd type="triangle"/>
-          </a:ln>
-        </p:spPr>
-        <p:style>
-          <a:lnRef idx="1">
-            <a:schemeClr val="accent1"/>
-          </a:lnRef>
-          <a:fillRef idx="0">
-            <a:schemeClr val="accent1"/>
-          </a:fillRef>
-          <a:effectRef idx="0">
-            <a:schemeClr val="accent1"/>
-          </a:effectRef>
-          <a:fontRef idx="minor">
-            <a:schemeClr val="tx1"/>
-          </a:fontRef>
-        </p:style>
-      </p:cxnSp>
-      <p:cxnSp>
-        <p:nvCxnSpPr>
-          <p:cNvPr id="94" name="Connecteur droit avec flèche 93">
-            <a:extLst>
-              <a:ext uri="{FF2B5EF4-FFF2-40B4-BE49-F238E27FC236}">
-                <a16:creationId xmlns:a16="http://schemas.microsoft.com/office/drawing/2014/main" xmlns="" id="{6F270C21-B04A-3EC1-5747-5CC35E6E63EF}"/>
-              </a:ext>
-            </a:extLst>
-          </p:cNvPr>
-          <p:cNvCxnSpPr>
-            <a:cxnSpLocks/>
-            <a:stCxn id="36" idx="2"/>
-            <a:endCxn id="35" idx="0"/>
-          </p:cNvCxnSpPr>
-          <p:nvPr/>
-        </p:nvCxnSpPr>
-        <p:spPr>
-          <a:xfrm>
-            <a:off x="5129520" y="5567649"/>
-            <a:ext cx="349" cy="413742"/>
-          </a:xfrm>
-          <a:prstGeom prst="straightConnector1">
-            <a:avLst/>
-          </a:prstGeom>
-          <a:ln>
-            <a:headEnd type="triangle"/>
-            <a:tailEnd type="triangle"/>
-          </a:ln>
-        </p:spPr>
-        <p:style>
-          <a:lnRef idx="1">
-            <a:schemeClr val="accent1"/>
-          </a:lnRef>
-          <a:fillRef idx="0">
-            <a:schemeClr val="accent1"/>
-          </a:fillRef>
-          <a:effectRef idx="0">
-            <a:schemeClr val="accent1"/>
-          </a:effectRef>
-          <a:fontRef idx="minor">
-            <a:schemeClr val="tx1"/>
-          </a:fontRef>
-        </p:style>
-      </p:cxnSp>
-      <p:sp>
-        <p:nvSpPr>
-          <p:cNvPr id="97" name="Ellipse 96">
-            <a:extLst>
-              <a:ext uri="{FF2B5EF4-FFF2-40B4-BE49-F238E27FC236}">
-                <a16:creationId xmlns:a16="http://schemas.microsoft.com/office/drawing/2014/main" xmlns="" id="{347DDB6E-E264-6860-9E9F-3FF861187FEA}"/>
-              </a:ext>
-            </a:extLst>
-          </p:cNvPr>
-          <p:cNvSpPr/>
-          <p:nvPr/>
-        </p:nvSpPr>
-        <p:spPr>
-          <a:xfrm>
-            <a:off x="9691732" y="2333312"/>
-            <a:ext cx="1321969" cy="328568"/>
-          </a:xfrm>
-          <a:prstGeom prst="ellipse">
-            <a:avLst/>
-          </a:prstGeom>
-        </p:spPr>
-        <p:style>
-          <a:lnRef idx="2">
-            <a:schemeClr val="accent1">
-              <a:shade val="50000"/>
-            </a:schemeClr>
-          </a:lnRef>
-          <a:fillRef idx="1">
-            <a:schemeClr val="accent1"/>
-          </a:fillRef>
-          <a:effectRef idx="0">
-            <a:schemeClr val="accent1"/>
-          </a:effectRef>
-          <a:fontRef idx="minor">
-            <a:schemeClr val="lt1"/>
-          </a:fontRef>
-        </p:style>
-        <p:txBody>
-          <a:bodyPr rtlCol="0" anchor="ctr"/>
-          <a:lstStyle/>
-          <a:p>
-            <a:pPr algn="ctr"/>
-            <a:r>
-              <a:rPr lang="fr-FR" dirty="0"/>
-              <a:t>Moteurs</a:t>
-            </a:r>
-          </a:p>
-        </p:txBody>
-      </p:sp>
-      <p:cxnSp>
-        <p:nvCxnSpPr>
-          <p:cNvPr id="99" name="Connecteur droit avec flèche 98">
-            <a:extLst>
-              <a:ext uri="{FF2B5EF4-FFF2-40B4-BE49-F238E27FC236}">
-                <a16:creationId xmlns:a16="http://schemas.microsoft.com/office/drawing/2014/main" xmlns="" id="{B6E6B8BD-6DC5-467F-595F-12C152D9FE05}"/>
-              </a:ext>
-            </a:extLst>
-          </p:cNvPr>
-          <p:cNvCxnSpPr>
-            <a:stCxn id="40" idx="0"/>
-            <a:endCxn id="97" idx="4"/>
-          </p:cNvCxnSpPr>
-          <p:nvPr/>
-        </p:nvCxnSpPr>
-        <p:spPr>
-          <a:xfrm flipV="1">
-            <a:off x="10352717" y="2661880"/>
-            <a:ext cx="0" cy="324329"/>
-          </a:xfrm>
-          <a:prstGeom prst="straightConnector1">
-            <a:avLst/>
-          </a:prstGeom>
-          <a:ln>
-            <a:headEnd type="triangle"/>
-            <a:tailEnd type="triangle"/>
-          </a:ln>
-        </p:spPr>
-        <p:style>
-          <a:lnRef idx="1">
-            <a:schemeClr val="accent1"/>
-          </a:lnRef>
-          <a:fillRef idx="0">
-            <a:schemeClr val="accent1"/>
-          </a:fillRef>
-          <a:effectRef idx="0">
-            <a:schemeClr val="accent1"/>
-          </a:effectRef>
-          <a:fontRef idx="minor">
-            <a:schemeClr val="tx1"/>
-          </a:fontRef>
-        </p:style>
-      </p:cxnSp>
-    </p:spTree>
-    <p:extLst>
-      <p:ext uri="{BB962C8B-B14F-4D97-AF65-F5344CB8AC3E}">
-        <p14:creationId xmlns:p14="http://schemas.microsoft.com/office/powerpoint/2010/main" xmlns="" val="2709414635"/>
-      </p:ext>
-    </p:extLst>
-  </p:cSld>
-  <p:clrMapOvr>
-    <a:masterClrMapping/>
-  </p:clrMapOvr>
-</p:sld>
-</file>
-
-<file path=ppt/slides/slide13.xml><?xml version="1.0" encoding="utf-8"?>
-<p:sld xmlns:a="http://schemas.openxmlformats.org/drawingml/2006/main" xmlns:r="http://schemas.openxmlformats.org/officeDocument/2006/relationships" xmlns:p="http://schemas.openxmlformats.org/presentationml/2006/main">
-  <p:cSld>
-    <p:spTree>
-      <p:nvGrpSpPr>
-        <p:cNvPr id="1" name=""/>
-        <p:cNvGrpSpPr/>
-        <p:nvPr/>
-      </p:nvGrpSpPr>
-      <p:grpSpPr>
-        <a:xfrm>
-          <a:off x="0" y="0"/>
-          <a:ext cx="0" cy="0"/>
-          <a:chOff x="0" y="0"/>
-          <a:chExt cx="0" cy="0"/>
-        </a:xfrm>
-      </p:grpSpPr>
-      <p:sp>
-        <p:nvSpPr>
-          <p:cNvPr id="2" name="Titre 1">
-            <a:extLst>
-              <a:ext uri="{FF2B5EF4-FFF2-40B4-BE49-F238E27FC236}">
-                <a16:creationId xmlns:a16="http://schemas.microsoft.com/office/drawing/2014/main" xmlns="" id="{EDDD4FAF-1AF8-4391-9A8A-F1F63DD06F1E}"/>
-              </a:ext>
-            </a:extLst>
-          </p:cNvPr>
-          <p:cNvSpPr>
-            <a:spLocks noGrp="1"/>
-          </p:cNvSpPr>
-          <p:nvPr>
-            <p:ph type="title"/>
-          </p:nvPr>
-        </p:nvSpPr>
-        <p:spPr/>
-        <p:txBody>
-          <a:bodyPr/>
-          <a:lstStyle/>
-          <a:p>
-            <a:r>
-              <a:rPr lang="fr-FR" dirty="0"/>
-              <a:t>Soft: Préparation au calcul de Localisation</a:t>
-            </a:r>
-          </a:p>
-        </p:txBody>
-      </p:sp>
-      <p:sp>
-        <p:nvSpPr>
-          <p:cNvPr id="4" name="Rectangle : coins arrondis 3">
-            <a:extLst>
-              <a:ext uri="{FF2B5EF4-FFF2-40B4-BE49-F238E27FC236}">
-                <a16:creationId xmlns:a16="http://schemas.microsoft.com/office/drawing/2014/main" xmlns="" id="{408360F4-1C42-C75F-D743-3E681C6BA735}"/>
-              </a:ext>
-            </a:extLst>
-          </p:cNvPr>
-          <p:cNvSpPr/>
-          <p:nvPr/>
-        </p:nvSpPr>
-        <p:spPr>
-          <a:xfrm>
-            <a:off x="293616" y="2823674"/>
-            <a:ext cx="659235" cy="444616"/>
-          </a:xfrm>
-          <a:prstGeom prst="roundRect">
-            <a:avLst/>
-          </a:prstGeom>
-          <a:noFill/>
-        </p:spPr>
-        <p:style>
-          <a:lnRef idx="2">
-            <a:schemeClr val="accent1">
-              <a:shade val="50000"/>
-            </a:schemeClr>
-          </a:lnRef>
-          <a:fillRef idx="1">
-            <a:schemeClr val="accent1"/>
-          </a:fillRef>
-          <a:effectRef idx="0">
-            <a:schemeClr val="accent1"/>
-          </a:effectRef>
-          <a:fontRef idx="minor">
-            <a:schemeClr val="lt1"/>
-          </a:fontRef>
-        </p:style>
-        <p:txBody>
-          <a:bodyPr rtlCol="0" anchor="ctr"/>
-          <a:lstStyle/>
-          <a:p>
-            <a:pPr algn="ctr"/>
-            <a:r>
-              <a:rPr lang="fr-FR" dirty="0">
-                <a:solidFill>
-                  <a:schemeClr val="tx1"/>
-                </a:solidFill>
-              </a:rPr>
-              <a:t>IMU</a:t>
-            </a:r>
-          </a:p>
-        </p:txBody>
-      </p:sp>
-      <p:sp>
-        <p:nvSpPr>
-          <p:cNvPr id="6" name="Rectangle : coins arrondis 5">
-            <a:extLst>
-              <a:ext uri="{FF2B5EF4-FFF2-40B4-BE49-F238E27FC236}">
-                <a16:creationId xmlns:a16="http://schemas.microsoft.com/office/drawing/2014/main" xmlns="" id="{480C5267-7A32-140F-086C-C89EC82E391F}"/>
-              </a:ext>
-            </a:extLst>
-          </p:cNvPr>
-          <p:cNvSpPr/>
-          <p:nvPr/>
-        </p:nvSpPr>
-        <p:spPr>
-          <a:xfrm>
-            <a:off x="1222501" y="1950181"/>
-            <a:ext cx="884004" cy="659055"/>
-          </a:xfrm>
-          <a:prstGeom prst="roundRect">
-            <a:avLst/>
-          </a:prstGeom>
-          <a:noFill/>
-        </p:spPr>
-        <p:style>
-          <a:lnRef idx="2">
-            <a:schemeClr val="accent1">
-              <a:shade val="50000"/>
-            </a:schemeClr>
-          </a:lnRef>
-          <a:fillRef idx="1">
-            <a:schemeClr val="accent1"/>
-          </a:fillRef>
-          <a:effectRef idx="0">
-            <a:schemeClr val="accent1"/>
-          </a:effectRef>
-          <a:fontRef idx="minor">
-            <a:schemeClr val="lt1"/>
-          </a:fontRef>
-        </p:style>
-        <p:txBody>
-          <a:bodyPr rtlCol="0" anchor="ctr"/>
-          <a:lstStyle/>
-          <a:p>
-            <a:pPr algn="ctr"/>
-            <a:r>
-              <a:rPr lang="fr-FR" dirty="0" err="1">
-                <a:solidFill>
-                  <a:schemeClr val="tx1"/>
-                </a:solidFill>
-              </a:rPr>
-              <a:t>AccX</a:t>
-            </a:r>
-            <a:endParaRPr lang="fr-FR" dirty="0">
-              <a:solidFill>
-                <a:schemeClr val="tx1"/>
-              </a:solidFill>
-            </a:endParaRPr>
-          </a:p>
-          <a:p>
-            <a:pPr algn="ctr"/>
-            <a:r>
-              <a:rPr lang="fr-FR" dirty="0" err="1">
-                <a:solidFill>
-                  <a:schemeClr val="tx1"/>
-                </a:solidFill>
-              </a:rPr>
-              <a:t>AccY</a:t>
-            </a:r>
-            <a:endParaRPr lang="fr-FR" dirty="0">
-              <a:solidFill>
-                <a:schemeClr val="tx1"/>
-              </a:solidFill>
-            </a:endParaRPr>
-          </a:p>
-          <a:p>
-            <a:pPr algn="ctr"/>
-            <a:r>
-              <a:rPr lang="fr-FR" dirty="0" err="1">
-                <a:solidFill>
-                  <a:schemeClr val="tx1"/>
-                </a:solidFill>
-              </a:rPr>
-              <a:t>AccZ</a:t>
-            </a:r>
-            <a:endParaRPr lang="fr-FR" dirty="0">
-              <a:solidFill>
-                <a:schemeClr val="tx1"/>
-              </a:solidFill>
-            </a:endParaRPr>
-          </a:p>
-        </p:txBody>
-      </p:sp>
-      <p:sp>
-        <p:nvSpPr>
-          <p:cNvPr id="7" name="Rectangle : coins arrondis 6">
-            <a:extLst>
-              <a:ext uri="{FF2B5EF4-FFF2-40B4-BE49-F238E27FC236}">
-                <a16:creationId xmlns:a16="http://schemas.microsoft.com/office/drawing/2014/main" xmlns="" id="{D0CA73F1-89CC-8128-E55C-3BB5E8E2F11D}"/>
-              </a:ext>
-            </a:extLst>
-          </p:cNvPr>
-          <p:cNvSpPr/>
-          <p:nvPr/>
-        </p:nvSpPr>
-        <p:spPr>
-          <a:xfrm>
-            <a:off x="1222501" y="2716455"/>
-            <a:ext cx="884004" cy="659055"/>
-          </a:xfrm>
-          <a:prstGeom prst="roundRect">
-            <a:avLst/>
-          </a:prstGeom>
-          <a:noFill/>
-        </p:spPr>
-        <p:style>
-          <a:lnRef idx="2">
-            <a:schemeClr val="accent1">
-              <a:shade val="50000"/>
-            </a:schemeClr>
-          </a:lnRef>
-          <a:fillRef idx="1">
-            <a:schemeClr val="accent1"/>
-          </a:fillRef>
-          <a:effectRef idx="0">
-            <a:schemeClr val="accent1"/>
-          </a:effectRef>
-          <a:fontRef idx="minor">
-            <a:schemeClr val="lt1"/>
-          </a:fontRef>
-        </p:style>
-        <p:txBody>
-          <a:bodyPr rtlCol="0" anchor="ctr"/>
-          <a:lstStyle/>
-          <a:p>
-            <a:pPr algn="ctr"/>
-            <a:r>
-              <a:rPr lang="fr-FR" dirty="0" err="1">
-                <a:solidFill>
-                  <a:schemeClr val="tx1"/>
-                </a:solidFill>
-              </a:rPr>
-              <a:t>GyrX</a:t>
-            </a:r>
-            <a:endParaRPr lang="fr-FR" dirty="0">
-              <a:solidFill>
-                <a:schemeClr val="tx1"/>
-              </a:solidFill>
-            </a:endParaRPr>
-          </a:p>
-          <a:p>
-            <a:pPr algn="ctr"/>
-            <a:r>
-              <a:rPr lang="fr-FR" dirty="0" err="1">
-                <a:solidFill>
-                  <a:schemeClr val="tx1"/>
-                </a:solidFill>
-              </a:rPr>
-              <a:t>GyrY</a:t>
-            </a:r>
-            <a:endParaRPr lang="fr-FR" dirty="0">
-              <a:solidFill>
-                <a:schemeClr val="tx1"/>
-              </a:solidFill>
-            </a:endParaRPr>
-          </a:p>
-          <a:p>
-            <a:pPr algn="ctr"/>
-            <a:r>
-              <a:rPr lang="fr-FR" dirty="0" err="1">
-                <a:solidFill>
-                  <a:schemeClr val="tx1"/>
-                </a:solidFill>
-              </a:rPr>
-              <a:t>GyrZ</a:t>
-            </a:r>
-            <a:endParaRPr lang="fr-FR" dirty="0">
-              <a:solidFill>
-                <a:schemeClr val="tx1"/>
-              </a:solidFill>
-            </a:endParaRPr>
-          </a:p>
-        </p:txBody>
-      </p:sp>
-      <p:sp>
-        <p:nvSpPr>
-          <p:cNvPr id="8" name="Rectangle : coins arrondis 7">
-            <a:extLst>
-              <a:ext uri="{FF2B5EF4-FFF2-40B4-BE49-F238E27FC236}">
-                <a16:creationId xmlns:a16="http://schemas.microsoft.com/office/drawing/2014/main" xmlns="" id="{2D0EA7FC-8644-8840-9CFD-4527CA625F49}"/>
-              </a:ext>
-            </a:extLst>
-          </p:cNvPr>
-          <p:cNvSpPr/>
-          <p:nvPr/>
-        </p:nvSpPr>
-        <p:spPr>
-          <a:xfrm>
-            <a:off x="1222501" y="3482491"/>
-            <a:ext cx="884004" cy="659055"/>
-          </a:xfrm>
-          <a:prstGeom prst="roundRect">
-            <a:avLst/>
-          </a:prstGeom>
-          <a:noFill/>
-        </p:spPr>
-        <p:style>
-          <a:lnRef idx="2">
-            <a:schemeClr val="accent1">
-              <a:shade val="50000"/>
-            </a:schemeClr>
-          </a:lnRef>
-          <a:fillRef idx="1">
-            <a:schemeClr val="accent1"/>
-          </a:fillRef>
-          <a:effectRef idx="0">
-            <a:schemeClr val="accent1"/>
-          </a:effectRef>
-          <a:fontRef idx="minor">
-            <a:schemeClr val="lt1"/>
-          </a:fontRef>
-        </p:style>
-        <p:txBody>
-          <a:bodyPr rtlCol="0" anchor="ctr"/>
-          <a:lstStyle/>
-          <a:p>
-            <a:pPr algn="ctr"/>
-            <a:r>
-              <a:rPr lang="fr-FR" dirty="0" err="1">
-                <a:solidFill>
-                  <a:schemeClr val="tx1"/>
-                </a:solidFill>
-              </a:rPr>
-              <a:t>MagX</a:t>
-            </a:r>
-            <a:endParaRPr lang="fr-FR" dirty="0">
-              <a:solidFill>
-                <a:schemeClr val="tx1"/>
-              </a:solidFill>
-            </a:endParaRPr>
-          </a:p>
-          <a:p>
-            <a:pPr algn="ctr"/>
-            <a:r>
-              <a:rPr lang="fr-FR" dirty="0" err="1">
-                <a:solidFill>
-                  <a:schemeClr val="tx1"/>
-                </a:solidFill>
-              </a:rPr>
-              <a:t>MagY</a:t>
-            </a:r>
-            <a:endParaRPr lang="fr-FR" dirty="0">
-              <a:solidFill>
-                <a:schemeClr val="tx1"/>
-              </a:solidFill>
-            </a:endParaRPr>
-          </a:p>
-          <a:p>
-            <a:pPr algn="ctr"/>
-            <a:r>
-              <a:rPr lang="fr-FR" dirty="0" err="1">
-                <a:solidFill>
-                  <a:schemeClr val="tx1"/>
-                </a:solidFill>
-              </a:rPr>
-              <a:t>MagZ</a:t>
-            </a:r>
-            <a:endParaRPr lang="fr-FR" dirty="0">
-              <a:solidFill>
-                <a:schemeClr val="tx1"/>
-              </a:solidFill>
-            </a:endParaRPr>
-          </a:p>
-        </p:txBody>
-      </p:sp>
-      <p:sp>
-        <p:nvSpPr>
-          <p:cNvPr id="9" name="Rectangle : coins arrondis 8">
-            <a:extLst>
-              <a:ext uri="{FF2B5EF4-FFF2-40B4-BE49-F238E27FC236}">
-                <a16:creationId xmlns:a16="http://schemas.microsoft.com/office/drawing/2014/main" xmlns="" id="{4B5331AA-A5F2-A4D4-BCFB-9686993ADBE6}"/>
-              </a:ext>
-            </a:extLst>
-          </p:cNvPr>
-          <p:cNvSpPr/>
-          <p:nvPr/>
-        </p:nvSpPr>
-        <p:spPr>
-          <a:xfrm>
-            <a:off x="2700361" y="2808603"/>
-            <a:ext cx="884004" cy="474757"/>
-          </a:xfrm>
-          <a:prstGeom prst="roundRect">
-            <a:avLst/>
-          </a:prstGeom>
-          <a:noFill/>
-        </p:spPr>
-        <p:style>
-          <a:lnRef idx="2">
-            <a:schemeClr val="accent1">
-              <a:shade val="50000"/>
-            </a:schemeClr>
-          </a:lnRef>
-          <a:fillRef idx="1">
-            <a:schemeClr val="accent1"/>
-          </a:fillRef>
-          <a:effectRef idx="0">
-            <a:schemeClr val="accent1"/>
-          </a:effectRef>
-          <a:fontRef idx="minor">
-            <a:schemeClr val="lt1"/>
-          </a:fontRef>
-        </p:style>
-        <p:txBody>
-          <a:bodyPr rtlCol="0" anchor="ctr"/>
-          <a:lstStyle/>
-          <a:p>
-            <a:pPr algn="ctr"/>
-            <a:r>
-              <a:rPr lang="fr-FR" dirty="0">
-                <a:solidFill>
-                  <a:schemeClr val="tx1"/>
-                </a:solidFill>
-              </a:rPr>
-              <a:t>AHRS</a:t>
-            </a:r>
-          </a:p>
-        </p:txBody>
-      </p:sp>
-      <p:cxnSp>
-        <p:nvCxnSpPr>
-          <p:cNvPr id="11" name="Connecteur droit avec flèche 10">
-            <a:extLst>
-              <a:ext uri="{FF2B5EF4-FFF2-40B4-BE49-F238E27FC236}">
-                <a16:creationId xmlns:a16="http://schemas.microsoft.com/office/drawing/2014/main" xmlns="" id="{538CF4AC-C5F5-BF36-FFC3-76006B5FE3CF}"/>
-              </a:ext>
-            </a:extLst>
-          </p:cNvPr>
-          <p:cNvCxnSpPr>
-            <a:cxnSpLocks/>
-            <a:stCxn id="4" idx="3"/>
-            <a:endCxn id="7" idx="1"/>
-          </p:cNvCxnSpPr>
-          <p:nvPr/>
-        </p:nvCxnSpPr>
-        <p:spPr>
-          <a:xfrm>
-            <a:off x="952851" y="3045982"/>
-            <a:ext cx="269650" cy="1"/>
-          </a:xfrm>
-          <a:prstGeom prst="straightConnector1">
-            <a:avLst/>
-          </a:prstGeom>
-          <a:ln>
-            <a:tailEnd type="triangle"/>
-          </a:ln>
-        </p:spPr>
-        <p:style>
-          <a:lnRef idx="1">
-            <a:schemeClr val="accent1"/>
-          </a:lnRef>
-          <a:fillRef idx="0">
-            <a:schemeClr val="accent1"/>
-          </a:fillRef>
-          <a:effectRef idx="0">
-            <a:schemeClr val="accent1"/>
-          </a:effectRef>
-          <a:fontRef idx="minor">
-            <a:schemeClr val="tx1"/>
-          </a:fontRef>
-        </p:style>
-      </p:cxnSp>
-      <p:cxnSp>
-        <p:nvCxnSpPr>
-          <p:cNvPr id="13" name="Connecteur : en angle 12">
-            <a:extLst>
-              <a:ext uri="{FF2B5EF4-FFF2-40B4-BE49-F238E27FC236}">
-                <a16:creationId xmlns:a16="http://schemas.microsoft.com/office/drawing/2014/main" xmlns="" id="{91CE8145-9DAB-9C1D-4A85-8AF1160DC6EA}"/>
-              </a:ext>
-            </a:extLst>
-          </p:cNvPr>
-          <p:cNvCxnSpPr>
-            <a:cxnSpLocks/>
-            <a:stCxn id="4" idx="3"/>
-            <a:endCxn id="6" idx="1"/>
-          </p:cNvCxnSpPr>
-          <p:nvPr/>
-        </p:nvCxnSpPr>
-        <p:spPr>
-          <a:xfrm flipV="1">
-            <a:off x="952851" y="2279709"/>
-            <a:ext cx="269650" cy="766273"/>
-          </a:xfrm>
-          <a:prstGeom prst="bentConnector3">
-            <a:avLst>
-              <a:gd name="adj1" fmla="val 50000"/>
-            </a:avLst>
-          </a:prstGeom>
-          <a:ln>
-            <a:tailEnd type="triangle"/>
-          </a:ln>
-        </p:spPr>
-        <p:style>
-          <a:lnRef idx="1">
-            <a:schemeClr val="accent1"/>
-          </a:lnRef>
-          <a:fillRef idx="0">
-            <a:schemeClr val="accent1"/>
-          </a:fillRef>
-          <a:effectRef idx="0">
-            <a:schemeClr val="accent1"/>
-          </a:effectRef>
-          <a:fontRef idx="minor">
-            <a:schemeClr val="tx1"/>
-          </a:fontRef>
-        </p:style>
-      </p:cxnSp>
-      <p:cxnSp>
-        <p:nvCxnSpPr>
-          <p:cNvPr id="16" name="Connecteur : en angle 15">
-            <a:extLst>
-              <a:ext uri="{FF2B5EF4-FFF2-40B4-BE49-F238E27FC236}">
-                <a16:creationId xmlns:a16="http://schemas.microsoft.com/office/drawing/2014/main" xmlns="" id="{6206946B-EE9C-7337-4DB5-72FB851B7748}"/>
-              </a:ext>
-            </a:extLst>
-          </p:cNvPr>
-          <p:cNvCxnSpPr>
-            <a:cxnSpLocks/>
-            <a:stCxn id="4" idx="3"/>
-            <a:endCxn id="8" idx="1"/>
-          </p:cNvCxnSpPr>
-          <p:nvPr/>
-        </p:nvCxnSpPr>
-        <p:spPr>
-          <a:xfrm>
-            <a:off x="952851" y="3045982"/>
-            <a:ext cx="269650" cy="766037"/>
-          </a:xfrm>
-          <a:prstGeom prst="bentConnector3">
-            <a:avLst/>
-          </a:prstGeom>
-          <a:ln>
-            <a:tailEnd type="triangle"/>
-          </a:ln>
-        </p:spPr>
-        <p:style>
-          <a:lnRef idx="1">
-            <a:schemeClr val="accent1"/>
-          </a:lnRef>
-          <a:fillRef idx="0">
-            <a:schemeClr val="accent1"/>
-          </a:fillRef>
-          <a:effectRef idx="0">
-            <a:schemeClr val="accent1"/>
-          </a:effectRef>
-          <a:fontRef idx="minor">
-            <a:schemeClr val="tx1"/>
-          </a:fontRef>
-        </p:style>
-      </p:cxnSp>
-      <p:cxnSp>
-        <p:nvCxnSpPr>
-          <p:cNvPr id="18" name="Connecteur : en angle 17">
-            <a:extLst>
-              <a:ext uri="{FF2B5EF4-FFF2-40B4-BE49-F238E27FC236}">
-                <a16:creationId xmlns:a16="http://schemas.microsoft.com/office/drawing/2014/main" xmlns="" id="{4F00918C-E217-40A5-A50C-14723B5C1BF6}"/>
-              </a:ext>
-            </a:extLst>
-          </p:cNvPr>
-          <p:cNvCxnSpPr>
-            <a:stCxn id="6" idx="3"/>
-            <a:endCxn id="9" idx="1"/>
-          </p:cNvCxnSpPr>
-          <p:nvPr/>
-        </p:nvCxnSpPr>
-        <p:spPr>
-          <a:xfrm>
-            <a:off x="2106505" y="2279709"/>
-            <a:ext cx="593856" cy="766273"/>
-          </a:xfrm>
-          <a:prstGeom prst="bentConnector3">
-            <a:avLst/>
-          </a:prstGeom>
-          <a:ln>
-            <a:tailEnd type="triangle"/>
-          </a:ln>
-        </p:spPr>
-        <p:style>
-          <a:lnRef idx="1">
-            <a:schemeClr val="accent1"/>
-          </a:lnRef>
-          <a:fillRef idx="0">
-            <a:schemeClr val="accent1"/>
-          </a:fillRef>
-          <a:effectRef idx="0">
-            <a:schemeClr val="accent1"/>
-          </a:effectRef>
-          <a:fontRef idx="minor">
-            <a:schemeClr val="tx1"/>
-          </a:fontRef>
-        </p:style>
-      </p:cxnSp>
-      <p:cxnSp>
-        <p:nvCxnSpPr>
-          <p:cNvPr id="20" name="Connecteur droit avec flèche 19">
-            <a:extLst>
-              <a:ext uri="{FF2B5EF4-FFF2-40B4-BE49-F238E27FC236}">
-                <a16:creationId xmlns:a16="http://schemas.microsoft.com/office/drawing/2014/main" xmlns="" id="{FB82EACB-A79E-2C71-8F82-2481E4ED9E16}"/>
-              </a:ext>
-            </a:extLst>
-          </p:cNvPr>
-          <p:cNvCxnSpPr>
-            <a:stCxn id="7" idx="3"/>
-            <a:endCxn id="9" idx="1"/>
-          </p:cNvCxnSpPr>
-          <p:nvPr/>
-        </p:nvCxnSpPr>
-        <p:spPr>
-          <a:xfrm flipV="1">
-            <a:off x="2106505" y="3045982"/>
-            <a:ext cx="593856" cy="1"/>
-          </a:xfrm>
-          <a:prstGeom prst="straightConnector1">
-            <a:avLst/>
-          </a:prstGeom>
-          <a:ln>
-            <a:tailEnd type="triangle"/>
-          </a:ln>
-        </p:spPr>
-        <p:style>
-          <a:lnRef idx="1">
-            <a:schemeClr val="accent1"/>
-          </a:lnRef>
-          <a:fillRef idx="0">
-            <a:schemeClr val="accent1"/>
-          </a:fillRef>
-          <a:effectRef idx="0">
-            <a:schemeClr val="accent1"/>
-          </a:effectRef>
-          <a:fontRef idx="minor">
-            <a:schemeClr val="tx1"/>
-          </a:fontRef>
-        </p:style>
-      </p:cxnSp>
-      <p:cxnSp>
-        <p:nvCxnSpPr>
-          <p:cNvPr id="22" name="Connecteur : en angle 21">
-            <a:extLst>
-              <a:ext uri="{FF2B5EF4-FFF2-40B4-BE49-F238E27FC236}">
-                <a16:creationId xmlns:a16="http://schemas.microsoft.com/office/drawing/2014/main" xmlns="" id="{37C1945C-B3E1-3114-F0E4-2378E67B7020}"/>
-              </a:ext>
-            </a:extLst>
-          </p:cNvPr>
-          <p:cNvCxnSpPr>
-            <a:stCxn id="8" idx="3"/>
-            <a:endCxn id="9" idx="1"/>
-          </p:cNvCxnSpPr>
-          <p:nvPr/>
-        </p:nvCxnSpPr>
-        <p:spPr>
-          <a:xfrm flipV="1">
-            <a:off x="2106505" y="3045982"/>
-            <a:ext cx="593856" cy="766037"/>
-          </a:xfrm>
-          <a:prstGeom prst="bentConnector3">
-            <a:avLst/>
-          </a:prstGeom>
-          <a:ln>
-            <a:tailEnd type="triangle"/>
-          </a:ln>
-        </p:spPr>
-        <p:style>
-          <a:lnRef idx="1">
-            <a:schemeClr val="accent1"/>
-          </a:lnRef>
-          <a:fillRef idx="0">
-            <a:schemeClr val="accent1"/>
-          </a:fillRef>
-          <a:effectRef idx="0">
-            <a:schemeClr val="accent1"/>
-          </a:effectRef>
-          <a:fontRef idx="minor">
-            <a:schemeClr val="tx1"/>
-          </a:fontRef>
-        </p:style>
-      </p:cxnSp>
-      <p:sp>
-        <p:nvSpPr>
-          <p:cNvPr id="23" name="Rectangle : coins arrondis 22">
-            <a:extLst>
-              <a:ext uri="{FF2B5EF4-FFF2-40B4-BE49-F238E27FC236}">
-                <a16:creationId xmlns:a16="http://schemas.microsoft.com/office/drawing/2014/main" xmlns="" id="{9D2F720B-C588-00B1-6FB1-9F478F94CCBF}"/>
-              </a:ext>
-            </a:extLst>
-          </p:cNvPr>
-          <p:cNvSpPr/>
-          <p:nvPr/>
-        </p:nvSpPr>
-        <p:spPr>
-          <a:xfrm>
-            <a:off x="4178221" y="2710035"/>
-            <a:ext cx="1236846" cy="674124"/>
-          </a:xfrm>
-          <a:prstGeom prst="roundRect">
-            <a:avLst/>
-          </a:prstGeom>
-          <a:noFill/>
-        </p:spPr>
-        <p:style>
-          <a:lnRef idx="2">
-            <a:schemeClr val="accent1">
-              <a:shade val="50000"/>
-            </a:schemeClr>
-          </a:lnRef>
-          <a:fillRef idx="1">
-            <a:schemeClr val="accent1"/>
-          </a:fillRef>
-          <a:effectRef idx="0">
-            <a:schemeClr val="accent1"/>
-          </a:effectRef>
-          <a:fontRef idx="minor">
-            <a:schemeClr val="lt1"/>
-          </a:fontRef>
-        </p:style>
-        <p:txBody>
-          <a:bodyPr rtlCol="0" anchor="ctr"/>
-          <a:lstStyle/>
-          <a:p>
-            <a:pPr algn="ctr"/>
-            <a:r>
-              <a:rPr lang="fr-FR" dirty="0">
-                <a:solidFill>
-                  <a:schemeClr val="tx1"/>
-                </a:solidFill>
-              </a:rPr>
-              <a:t>Déclinaison magnétique</a:t>
-            </a:r>
-          </a:p>
-          <a:p>
-            <a:pPr algn="ctr"/>
-            <a:r>
-              <a:rPr lang="fr-FR" dirty="0">
-                <a:solidFill>
-                  <a:schemeClr val="tx1"/>
-                </a:solidFill>
-              </a:rPr>
-              <a:t>+ gravité</a:t>
-            </a:r>
-          </a:p>
-        </p:txBody>
-      </p:sp>
-      <p:sp>
-        <p:nvSpPr>
-          <p:cNvPr id="24" name="Rectangle : coins arrondis 23">
-            <a:extLst>
-              <a:ext uri="{FF2B5EF4-FFF2-40B4-BE49-F238E27FC236}">
-                <a16:creationId xmlns:a16="http://schemas.microsoft.com/office/drawing/2014/main" xmlns="" id="{6D14735D-2E8E-5A28-3193-3583FFF962BD}"/>
-              </a:ext>
-            </a:extLst>
-          </p:cNvPr>
-          <p:cNvSpPr/>
-          <p:nvPr/>
-        </p:nvSpPr>
-        <p:spPr>
-          <a:xfrm>
-            <a:off x="5924530" y="2701386"/>
-            <a:ext cx="1236846" cy="674124"/>
-          </a:xfrm>
-          <a:prstGeom prst="roundRect">
-            <a:avLst/>
-          </a:prstGeom>
-          <a:noFill/>
-        </p:spPr>
-        <p:style>
-          <a:lnRef idx="2">
-            <a:schemeClr val="accent1">
-              <a:shade val="50000"/>
-            </a:schemeClr>
-          </a:lnRef>
-          <a:fillRef idx="1">
-            <a:schemeClr val="accent1"/>
-          </a:fillRef>
-          <a:effectRef idx="0">
-            <a:schemeClr val="accent1"/>
-          </a:effectRef>
-          <a:fontRef idx="minor">
-            <a:schemeClr val="lt1"/>
-          </a:fontRef>
-        </p:style>
-        <p:txBody>
-          <a:bodyPr rtlCol="0" anchor="ctr"/>
-          <a:lstStyle/>
-          <a:p>
-            <a:pPr algn="ctr"/>
-            <a:r>
-              <a:rPr lang="fr-FR" dirty="0" err="1">
-                <a:solidFill>
-                  <a:schemeClr val="tx1"/>
-                </a:solidFill>
-              </a:rPr>
-              <a:t>AccN</a:t>
-            </a:r>
-            <a:endParaRPr lang="fr-FR" dirty="0">
-              <a:solidFill>
-                <a:schemeClr val="tx1"/>
-              </a:solidFill>
-            </a:endParaRPr>
-          </a:p>
-          <a:p>
-            <a:pPr algn="ctr"/>
-            <a:r>
-              <a:rPr lang="fr-FR" dirty="0" err="1">
-                <a:solidFill>
-                  <a:schemeClr val="tx1"/>
-                </a:solidFill>
-              </a:rPr>
-              <a:t>AccE</a:t>
-            </a:r>
-            <a:endParaRPr lang="fr-FR" dirty="0">
-              <a:solidFill>
-                <a:schemeClr val="tx1"/>
-              </a:solidFill>
-            </a:endParaRPr>
-          </a:p>
-          <a:p>
-            <a:pPr algn="ctr"/>
-            <a:r>
-              <a:rPr lang="fr-FR" dirty="0" err="1">
-                <a:solidFill>
-                  <a:schemeClr val="tx1"/>
-                </a:solidFill>
-              </a:rPr>
-              <a:t>AccS</a:t>
-            </a:r>
-            <a:endParaRPr lang="fr-FR" dirty="0">
-              <a:solidFill>
-                <a:schemeClr val="tx1"/>
-              </a:solidFill>
-            </a:endParaRPr>
-          </a:p>
-        </p:txBody>
-      </p:sp>
-      <p:cxnSp>
-        <p:nvCxnSpPr>
-          <p:cNvPr id="26" name="Connecteur droit avec flèche 25">
-            <a:extLst>
-              <a:ext uri="{FF2B5EF4-FFF2-40B4-BE49-F238E27FC236}">
-                <a16:creationId xmlns:a16="http://schemas.microsoft.com/office/drawing/2014/main" xmlns="" id="{48EB9CB8-FDEB-830B-F42C-D8AAB5BA809C}"/>
-              </a:ext>
-            </a:extLst>
-          </p:cNvPr>
-          <p:cNvCxnSpPr>
-            <a:stCxn id="9" idx="3"/>
-            <a:endCxn id="23" idx="1"/>
-          </p:cNvCxnSpPr>
-          <p:nvPr/>
-        </p:nvCxnSpPr>
-        <p:spPr>
-          <a:xfrm>
-            <a:off x="3584365" y="3045982"/>
-            <a:ext cx="593856" cy="1115"/>
-          </a:xfrm>
-          <a:prstGeom prst="straightConnector1">
-            <a:avLst/>
-          </a:prstGeom>
-          <a:ln>
-            <a:tailEnd type="triangle"/>
-          </a:ln>
-        </p:spPr>
-        <p:style>
-          <a:lnRef idx="1">
-            <a:schemeClr val="accent1"/>
-          </a:lnRef>
-          <a:fillRef idx="0">
-            <a:schemeClr val="accent1"/>
-          </a:fillRef>
-          <a:effectRef idx="0">
-            <a:schemeClr val="accent1"/>
-          </a:effectRef>
-          <a:fontRef idx="minor">
-            <a:schemeClr val="tx1"/>
-          </a:fontRef>
-        </p:style>
-      </p:cxnSp>
-      <p:cxnSp>
-        <p:nvCxnSpPr>
-          <p:cNvPr id="28" name="Connecteur droit avec flèche 27">
-            <a:extLst>
-              <a:ext uri="{FF2B5EF4-FFF2-40B4-BE49-F238E27FC236}">
-                <a16:creationId xmlns:a16="http://schemas.microsoft.com/office/drawing/2014/main" xmlns="" id="{8B5E8CF1-D755-71CC-5528-A14775016C0C}"/>
-              </a:ext>
-            </a:extLst>
-          </p:cNvPr>
-          <p:cNvCxnSpPr>
-            <a:stCxn id="23" idx="3"/>
-            <a:endCxn id="24" idx="1"/>
-          </p:cNvCxnSpPr>
-          <p:nvPr/>
-        </p:nvCxnSpPr>
-        <p:spPr>
-          <a:xfrm flipV="1">
-            <a:off x="5415067" y="3038448"/>
-            <a:ext cx="509463" cy="8649"/>
-          </a:xfrm>
-          <a:prstGeom prst="straightConnector1">
-            <a:avLst/>
-          </a:prstGeom>
-          <a:ln>
-            <a:tailEnd type="triangle"/>
-          </a:ln>
-        </p:spPr>
-        <p:style>
-          <a:lnRef idx="1">
-            <a:schemeClr val="accent1"/>
-          </a:lnRef>
-          <a:fillRef idx="0">
-            <a:schemeClr val="accent1"/>
-          </a:fillRef>
-          <a:effectRef idx="0">
-            <a:schemeClr val="accent1"/>
-          </a:effectRef>
-          <a:fontRef idx="minor">
-            <a:schemeClr val="tx1"/>
-          </a:fontRef>
-        </p:style>
-      </p:cxnSp>
-      <p:sp>
-        <p:nvSpPr>
-          <p:cNvPr id="29" name="Rectangle : coins arrondis 28">
-            <a:extLst>
-              <a:ext uri="{FF2B5EF4-FFF2-40B4-BE49-F238E27FC236}">
-                <a16:creationId xmlns:a16="http://schemas.microsoft.com/office/drawing/2014/main" xmlns="" id="{8964EDCE-378D-7DB8-E663-ABEECE2A6376}"/>
-              </a:ext>
-            </a:extLst>
-          </p:cNvPr>
-          <p:cNvSpPr/>
-          <p:nvPr/>
-        </p:nvSpPr>
-        <p:spPr>
-          <a:xfrm>
-            <a:off x="214621" y="5324394"/>
-            <a:ext cx="738230" cy="444616"/>
-          </a:xfrm>
-          <a:prstGeom prst="roundRect">
-            <a:avLst/>
-          </a:prstGeom>
-          <a:noFill/>
-        </p:spPr>
-        <p:style>
-          <a:lnRef idx="2">
-            <a:schemeClr val="accent1">
-              <a:shade val="50000"/>
-            </a:schemeClr>
-          </a:lnRef>
-          <a:fillRef idx="1">
-            <a:schemeClr val="accent1"/>
-          </a:fillRef>
-          <a:effectRef idx="0">
-            <a:schemeClr val="accent1"/>
-          </a:effectRef>
-          <a:fontRef idx="minor">
-            <a:schemeClr val="lt1"/>
-          </a:fontRef>
-        </p:style>
-        <p:txBody>
-          <a:bodyPr rtlCol="0" anchor="ctr"/>
-          <a:lstStyle/>
-          <a:p>
-            <a:pPr algn="ctr"/>
-            <a:r>
-              <a:rPr lang="fr-FR" dirty="0" err="1">
-                <a:solidFill>
-                  <a:schemeClr val="tx1"/>
-                </a:solidFill>
-              </a:rPr>
-              <a:t>Odom</a:t>
-            </a:r>
-            <a:endParaRPr lang="fr-FR" dirty="0">
-              <a:solidFill>
-                <a:schemeClr val="tx1"/>
-              </a:solidFill>
-            </a:endParaRPr>
-          </a:p>
-        </p:txBody>
-      </p:sp>
-      <p:sp>
-        <p:nvSpPr>
-          <p:cNvPr id="33" name="Rectangle : coins arrondis 32">
-            <a:extLst>
-              <a:ext uri="{FF2B5EF4-FFF2-40B4-BE49-F238E27FC236}">
-                <a16:creationId xmlns:a16="http://schemas.microsoft.com/office/drawing/2014/main" xmlns="" id="{761FE718-768F-2F5C-79F7-F194CEEDAE62}"/>
-              </a:ext>
-            </a:extLst>
-          </p:cNvPr>
-          <p:cNvSpPr/>
-          <p:nvPr/>
-        </p:nvSpPr>
-        <p:spPr>
-          <a:xfrm>
-            <a:off x="1222501" y="4451419"/>
-            <a:ext cx="884004" cy="659055"/>
-          </a:xfrm>
-          <a:prstGeom prst="roundRect">
-            <a:avLst/>
-          </a:prstGeom>
-          <a:noFill/>
-        </p:spPr>
-        <p:style>
-          <a:lnRef idx="2">
-            <a:schemeClr val="accent1">
-              <a:shade val="50000"/>
-            </a:schemeClr>
-          </a:lnRef>
-          <a:fillRef idx="1">
-            <a:schemeClr val="accent1"/>
-          </a:fillRef>
-          <a:effectRef idx="0">
-            <a:schemeClr val="accent1"/>
-          </a:effectRef>
-          <a:fontRef idx="minor">
-            <a:schemeClr val="lt1"/>
-          </a:fontRef>
-        </p:style>
-        <p:txBody>
-          <a:bodyPr rtlCol="0" anchor="ctr"/>
-          <a:lstStyle/>
-          <a:p>
-            <a:pPr algn="ctr"/>
-            <a:r>
-              <a:rPr lang="fr-FR" dirty="0" err="1">
-                <a:solidFill>
-                  <a:schemeClr val="tx1"/>
-                </a:solidFill>
-              </a:rPr>
-              <a:t>VitY</a:t>
-            </a:r>
-            <a:endParaRPr lang="fr-FR" dirty="0">
-              <a:solidFill>
-                <a:schemeClr val="tx1"/>
-              </a:solidFill>
-            </a:endParaRPr>
-          </a:p>
-          <a:p>
-            <a:pPr algn="ctr"/>
-            <a:r>
-              <a:rPr lang="fr-FR" dirty="0" err="1">
-                <a:solidFill>
-                  <a:schemeClr val="tx1"/>
-                </a:solidFill>
-              </a:rPr>
-              <a:t>VitZ</a:t>
-            </a:r>
-            <a:endParaRPr lang="fr-FR" dirty="0">
-              <a:solidFill>
-                <a:schemeClr val="tx1"/>
-              </a:solidFill>
-            </a:endParaRPr>
-          </a:p>
-        </p:txBody>
-      </p:sp>
-      <p:sp>
-        <p:nvSpPr>
-          <p:cNvPr id="34" name="Rectangle : coins arrondis 33">
-            <a:extLst>
-              <a:ext uri="{FF2B5EF4-FFF2-40B4-BE49-F238E27FC236}">
-                <a16:creationId xmlns:a16="http://schemas.microsoft.com/office/drawing/2014/main" xmlns="" id="{7E90820F-5D34-0413-1E80-55237E614638}"/>
-              </a:ext>
-            </a:extLst>
-          </p:cNvPr>
-          <p:cNvSpPr/>
-          <p:nvPr/>
-        </p:nvSpPr>
-        <p:spPr>
-          <a:xfrm>
-            <a:off x="1222501" y="5215595"/>
-            <a:ext cx="884004" cy="659055"/>
-          </a:xfrm>
-          <a:prstGeom prst="roundRect">
-            <a:avLst/>
-          </a:prstGeom>
-          <a:noFill/>
-        </p:spPr>
-        <p:style>
-          <a:lnRef idx="2">
-            <a:schemeClr val="accent1">
-              <a:shade val="50000"/>
-            </a:schemeClr>
-          </a:lnRef>
-          <a:fillRef idx="1">
-            <a:schemeClr val="accent1"/>
-          </a:fillRef>
-          <a:effectRef idx="0">
-            <a:schemeClr val="accent1"/>
-          </a:effectRef>
-          <a:fontRef idx="minor">
-            <a:schemeClr val="lt1"/>
-          </a:fontRef>
-        </p:style>
-        <p:txBody>
-          <a:bodyPr rtlCol="0" anchor="ctr"/>
-          <a:lstStyle/>
-          <a:p>
-            <a:pPr algn="ctr"/>
-            <a:r>
-              <a:rPr lang="fr-FR" dirty="0" err="1">
-                <a:solidFill>
-                  <a:schemeClr val="tx1"/>
-                </a:solidFill>
-              </a:rPr>
-              <a:t>AngZ</a:t>
-            </a:r>
-            <a:endParaRPr lang="fr-FR" dirty="0">
-              <a:solidFill>
-                <a:schemeClr val="tx1"/>
-              </a:solidFill>
-            </a:endParaRPr>
-          </a:p>
-        </p:txBody>
-      </p:sp>
-      <p:sp>
-        <p:nvSpPr>
-          <p:cNvPr id="35" name="Rectangle : coins arrondis 34">
-            <a:extLst>
-              <a:ext uri="{FF2B5EF4-FFF2-40B4-BE49-F238E27FC236}">
-                <a16:creationId xmlns:a16="http://schemas.microsoft.com/office/drawing/2014/main" xmlns="" id="{19F321DE-F48A-05FA-1088-ADF77DEC07D1}"/>
-              </a:ext>
-            </a:extLst>
-          </p:cNvPr>
-          <p:cNvSpPr/>
-          <p:nvPr/>
-        </p:nvSpPr>
-        <p:spPr>
-          <a:xfrm>
-            <a:off x="1222501" y="5969803"/>
-            <a:ext cx="884004" cy="659055"/>
-          </a:xfrm>
-          <a:prstGeom prst="roundRect">
-            <a:avLst/>
-          </a:prstGeom>
-          <a:noFill/>
-        </p:spPr>
-        <p:style>
-          <a:lnRef idx="2">
-            <a:schemeClr val="accent1">
-              <a:shade val="50000"/>
-            </a:schemeClr>
-          </a:lnRef>
-          <a:fillRef idx="1">
-            <a:schemeClr val="accent1"/>
-          </a:fillRef>
-          <a:effectRef idx="0">
-            <a:schemeClr val="accent1"/>
-          </a:effectRef>
-          <a:fontRef idx="minor">
-            <a:schemeClr val="lt1"/>
-          </a:fontRef>
-        </p:style>
-        <p:txBody>
-          <a:bodyPr rtlCol="0" anchor="ctr"/>
-          <a:lstStyle/>
-          <a:p>
-            <a:pPr algn="ctr"/>
-            <a:r>
-              <a:rPr lang="fr-FR" dirty="0" err="1">
-                <a:solidFill>
-                  <a:schemeClr val="tx1"/>
-                </a:solidFill>
-              </a:rPr>
-              <a:t>DistX</a:t>
-            </a:r>
-            <a:endParaRPr lang="fr-FR" dirty="0">
-              <a:solidFill>
-                <a:schemeClr val="tx1"/>
-              </a:solidFill>
-            </a:endParaRPr>
-          </a:p>
-          <a:p>
-            <a:pPr algn="ctr"/>
-            <a:r>
-              <a:rPr lang="fr-FR" dirty="0" err="1">
-                <a:solidFill>
-                  <a:schemeClr val="tx1"/>
-                </a:solidFill>
-              </a:rPr>
-              <a:t>DistY</a:t>
-            </a:r>
-            <a:endParaRPr lang="fr-FR" dirty="0">
-              <a:solidFill>
-                <a:schemeClr val="tx1"/>
-              </a:solidFill>
-            </a:endParaRPr>
-          </a:p>
-        </p:txBody>
-      </p:sp>
-      <p:cxnSp>
-        <p:nvCxnSpPr>
-          <p:cNvPr id="37" name="Connecteur : en angle 36">
-            <a:extLst>
-              <a:ext uri="{FF2B5EF4-FFF2-40B4-BE49-F238E27FC236}">
-                <a16:creationId xmlns:a16="http://schemas.microsoft.com/office/drawing/2014/main" xmlns="" id="{194AA783-B657-67BB-2AC4-12BB270F3B8F}"/>
-              </a:ext>
-            </a:extLst>
-          </p:cNvPr>
-          <p:cNvCxnSpPr>
-            <a:stCxn id="29" idx="3"/>
-            <a:endCxn id="33" idx="1"/>
-          </p:cNvCxnSpPr>
-          <p:nvPr/>
-        </p:nvCxnSpPr>
-        <p:spPr>
-          <a:xfrm flipV="1">
-            <a:off x="952851" y="4780947"/>
-            <a:ext cx="269650" cy="765755"/>
-          </a:xfrm>
-          <a:prstGeom prst="bentConnector3">
-            <a:avLst/>
-          </a:prstGeom>
-          <a:ln>
-            <a:tailEnd type="triangle"/>
-          </a:ln>
-        </p:spPr>
-        <p:style>
-          <a:lnRef idx="1">
-            <a:schemeClr val="accent1"/>
-          </a:lnRef>
-          <a:fillRef idx="0">
-            <a:schemeClr val="accent1"/>
-          </a:fillRef>
-          <a:effectRef idx="0">
-            <a:schemeClr val="accent1"/>
-          </a:effectRef>
-          <a:fontRef idx="minor">
-            <a:schemeClr val="tx1"/>
-          </a:fontRef>
-        </p:style>
-      </p:cxnSp>
-      <p:cxnSp>
-        <p:nvCxnSpPr>
-          <p:cNvPr id="41" name="Connecteur : en angle 40">
-            <a:extLst>
-              <a:ext uri="{FF2B5EF4-FFF2-40B4-BE49-F238E27FC236}">
-                <a16:creationId xmlns:a16="http://schemas.microsoft.com/office/drawing/2014/main" xmlns="" id="{E7E5FD3C-A12E-14B0-C398-88A95F5121EB}"/>
-              </a:ext>
-            </a:extLst>
-          </p:cNvPr>
-          <p:cNvCxnSpPr>
-            <a:stCxn id="29" idx="3"/>
-            <a:endCxn id="35" idx="1"/>
-          </p:cNvCxnSpPr>
-          <p:nvPr/>
-        </p:nvCxnSpPr>
-        <p:spPr>
-          <a:xfrm>
-            <a:off x="952851" y="5546702"/>
-            <a:ext cx="269650" cy="752629"/>
-          </a:xfrm>
-          <a:prstGeom prst="bentConnector3">
-            <a:avLst/>
-          </a:prstGeom>
-          <a:ln>
-            <a:tailEnd type="triangle"/>
-          </a:ln>
-        </p:spPr>
-        <p:style>
-          <a:lnRef idx="1">
-            <a:schemeClr val="accent1"/>
-          </a:lnRef>
-          <a:fillRef idx="0">
-            <a:schemeClr val="accent1"/>
-          </a:fillRef>
-          <a:effectRef idx="0">
-            <a:schemeClr val="accent1"/>
-          </a:effectRef>
-          <a:fontRef idx="minor">
-            <a:schemeClr val="tx1"/>
-          </a:fontRef>
-        </p:style>
-      </p:cxnSp>
-      <p:cxnSp>
-        <p:nvCxnSpPr>
-          <p:cNvPr id="43" name="Connecteur droit avec flèche 42">
-            <a:extLst>
-              <a:ext uri="{FF2B5EF4-FFF2-40B4-BE49-F238E27FC236}">
-                <a16:creationId xmlns:a16="http://schemas.microsoft.com/office/drawing/2014/main" xmlns="" id="{F81F4414-E13F-EBDD-DF03-EDD00751248E}"/>
-              </a:ext>
-            </a:extLst>
-          </p:cNvPr>
-          <p:cNvCxnSpPr>
-            <a:stCxn id="29" idx="3"/>
-            <a:endCxn id="34" idx="1"/>
-          </p:cNvCxnSpPr>
-          <p:nvPr/>
-        </p:nvCxnSpPr>
-        <p:spPr>
-          <a:xfrm flipV="1">
-            <a:off x="952851" y="5545123"/>
-            <a:ext cx="269650" cy="1579"/>
-          </a:xfrm>
-          <a:prstGeom prst="straightConnector1">
-            <a:avLst/>
-          </a:prstGeom>
-          <a:ln>
-            <a:tailEnd type="triangle"/>
-          </a:ln>
-        </p:spPr>
-        <p:style>
-          <a:lnRef idx="1">
-            <a:schemeClr val="accent1"/>
-          </a:lnRef>
-          <a:fillRef idx="0">
-            <a:schemeClr val="accent1"/>
-          </a:fillRef>
-          <a:effectRef idx="0">
-            <a:schemeClr val="accent1"/>
-          </a:effectRef>
-          <a:fontRef idx="minor">
-            <a:schemeClr val="tx1"/>
-          </a:fontRef>
-        </p:style>
-      </p:cxnSp>
-      <p:sp>
-        <p:nvSpPr>
-          <p:cNvPr id="44" name="Rectangle : coins arrondis 43">
-            <a:extLst>
-              <a:ext uri="{FF2B5EF4-FFF2-40B4-BE49-F238E27FC236}">
-                <a16:creationId xmlns:a16="http://schemas.microsoft.com/office/drawing/2014/main" xmlns="" id="{FCAD3380-B30F-8363-2DE2-AB222B90A466}"/>
-              </a:ext>
-            </a:extLst>
-          </p:cNvPr>
-          <p:cNvSpPr/>
-          <p:nvPr/>
-        </p:nvSpPr>
-        <p:spPr>
-          <a:xfrm>
-            <a:off x="7911852" y="3038447"/>
-            <a:ext cx="3224169" cy="2506675"/>
-          </a:xfrm>
-          <a:prstGeom prst="roundRect">
-            <a:avLst/>
-          </a:prstGeom>
-          <a:noFill/>
-        </p:spPr>
-        <p:style>
-          <a:lnRef idx="2">
-            <a:schemeClr val="accent1">
-              <a:shade val="50000"/>
-            </a:schemeClr>
-          </a:lnRef>
-          <a:fillRef idx="1">
-            <a:schemeClr val="accent1"/>
-          </a:fillRef>
-          <a:effectRef idx="0">
-            <a:schemeClr val="accent1"/>
-          </a:effectRef>
-          <a:fontRef idx="minor">
-            <a:schemeClr val="lt1"/>
-          </a:fontRef>
-        </p:style>
-        <p:txBody>
-          <a:bodyPr rtlCol="0" anchor="ctr"/>
-          <a:lstStyle/>
-          <a:p>
-            <a:pPr algn="ctr"/>
-            <a:r>
-              <a:rPr lang="fr-FR" dirty="0">
-                <a:solidFill>
-                  <a:schemeClr val="tx1"/>
-                </a:solidFill>
-              </a:rPr>
-              <a:t>Filtre de </a:t>
-            </a:r>
-            <a:r>
-              <a:rPr lang="fr-FR" dirty="0" err="1">
-                <a:solidFill>
-                  <a:schemeClr val="tx1"/>
-                </a:solidFill>
-              </a:rPr>
-              <a:t>Kalman</a:t>
-            </a:r>
-            <a:endParaRPr lang="fr-FR" dirty="0">
-              <a:solidFill>
-                <a:schemeClr val="tx1"/>
-              </a:solidFill>
-            </a:endParaRPr>
-          </a:p>
-          <a:p>
-            <a:pPr algn="ctr"/>
-            <a:endParaRPr lang="fr-FR" dirty="0">
-              <a:solidFill>
-                <a:schemeClr val="tx1"/>
-              </a:solidFill>
-            </a:endParaRPr>
-          </a:p>
-          <a:p>
-            <a:pPr algn="ctr"/>
-            <a:r>
-              <a:rPr lang="fr-FR" dirty="0">
-                <a:solidFill>
-                  <a:schemeClr val="tx1"/>
-                </a:solidFill>
-              </a:rPr>
-              <a:t>P(t) = P(t-1)+V*</a:t>
-            </a:r>
-            <a:r>
-              <a:rPr lang="fr-FR" dirty="0" err="1">
-                <a:solidFill>
-                  <a:schemeClr val="tx1"/>
-                </a:solidFill>
-              </a:rPr>
-              <a:t>Δt</a:t>
-            </a:r>
-            <a:r>
-              <a:rPr lang="fr-FR" dirty="0">
-                <a:solidFill>
-                  <a:schemeClr val="tx1"/>
-                </a:solidFill>
-              </a:rPr>
-              <a:t> + ½ Acc*Δt²</a:t>
-            </a:r>
-          </a:p>
-        </p:txBody>
-      </p:sp>
-      <p:cxnSp>
-        <p:nvCxnSpPr>
-          <p:cNvPr id="46" name="Connecteur : en angle 45">
-            <a:extLst>
-              <a:ext uri="{FF2B5EF4-FFF2-40B4-BE49-F238E27FC236}">
-                <a16:creationId xmlns:a16="http://schemas.microsoft.com/office/drawing/2014/main" xmlns="" id="{FC02D047-0F9B-7A30-F0DC-C65827D5617F}"/>
-              </a:ext>
-            </a:extLst>
-          </p:cNvPr>
-          <p:cNvCxnSpPr>
-            <a:stCxn id="24" idx="3"/>
-          </p:cNvCxnSpPr>
-          <p:nvPr/>
-        </p:nvCxnSpPr>
-        <p:spPr>
-          <a:xfrm>
-            <a:off x="7161376" y="3038448"/>
-            <a:ext cx="750477" cy="610763"/>
-          </a:xfrm>
-          <a:prstGeom prst="bentConnector3">
-            <a:avLst/>
-          </a:prstGeom>
-          <a:ln>
-            <a:tailEnd type="triangle"/>
-          </a:ln>
-        </p:spPr>
-        <p:style>
-          <a:lnRef idx="1">
-            <a:schemeClr val="accent1"/>
-          </a:lnRef>
-          <a:fillRef idx="0">
-            <a:schemeClr val="accent1"/>
-          </a:fillRef>
-          <a:effectRef idx="0">
-            <a:schemeClr val="accent1"/>
-          </a:effectRef>
-          <a:fontRef idx="minor">
-            <a:schemeClr val="tx1"/>
-          </a:fontRef>
-        </p:style>
-      </p:cxnSp>
-      <p:cxnSp>
-        <p:nvCxnSpPr>
-          <p:cNvPr id="48" name="Connecteur : en angle 47">
-            <a:extLst>
-              <a:ext uri="{FF2B5EF4-FFF2-40B4-BE49-F238E27FC236}">
-                <a16:creationId xmlns:a16="http://schemas.microsoft.com/office/drawing/2014/main" xmlns="" id="{7921153C-DCAD-D5A9-BDB8-3CABA52A375D}"/>
-              </a:ext>
-            </a:extLst>
-          </p:cNvPr>
-          <p:cNvCxnSpPr>
-            <a:stCxn id="34" idx="3"/>
-          </p:cNvCxnSpPr>
-          <p:nvPr/>
-        </p:nvCxnSpPr>
-        <p:spPr>
-          <a:xfrm flipV="1">
-            <a:off x="2106505" y="4865615"/>
-            <a:ext cx="5805348" cy="679508"/>
-          </a:xfrm>
-          <a:prstGeom prst="bentConnector3">
-            <a:avLst>
-              <a:gd name="adj1" fmla="val 91329"/>
-            </a:avLst>
-          </a:prstGeom>
-          <a:ln>
-            <a:tailEnd type="triangle"/>
-          </a:ln>
-        </p:spPr>
-        <p:style>
-          <a:lnRef idx="1">
-            <a:schemeClr val="accent1"/>
-          </a:lnRef>
-          <a:fillRef idx="0">
-            <a:schemeClr val="accent1"/>
-          </a:fillRef>
-          <a:effectRef idx="0">
-            <a:schemeClr val="accent1"/>
-          </a:effectRef>
-          <a:fontRef idx="minor">
-            <a:schemeClr val="tx1"/>
-          </a:fontRef>
-        </p:style>
-      </p:cxnSp>
-      <p:cxnSp>
-        <p:nvCxnSpPr>
-          <p:cNvPr id="50" name="Connecteur : en angle 49">
-            <a:extLst>
-              <a:ext uri="{FF2B5EF4-FFF2-40B4-BE49-F238E27FC236}">
-                <a16:creationId xmlns:a16="http://schemas.microsoft.com/office/drawing/2014/main" xmlns="" id="{35521BC1-1ABB-0909-AE90-BB448CBF71F5}"/>
-              </a:ext>
-            </a:extLst>
-          </p:cNvPr>
-          <p:cNvCxnSpPr>
-            <a:stCxn id="33" idx="3"/>
-          </p:cNvCxnSpPr>
-          <p:nvPr/>
-        </p:nvCxnSpPr>
-        <p:spPr>
-          <a:xfrm>
-            <a:off x="2106505" y="4780947"/>
-            <a:ext cx="5805348" cy="85783"/>
-          </a:xfrm>
-          <a:prstGeom prst="bentConnector3">
-            <a:avLst>
-              <a:gd name="adj1" fmla="val 88583"/>
-            </a:avLst>
-          </a:prstGeom>
-          <a:ln>
-            <a:tailEnd type="triangle"/>
-          </a:ln>
-        </p:spPr>
-        <p:style>
-          <a:lnRef idx="1">
-            <a:schemeClr val="accent1"/>
-          </a:lnRef>
-          <a:fillRef idx="0">
-            <a:schemeClr val="accent1"/>
-          </a:fillRef>
-          <a:effectRef idx="0">
-            <a:schemeClr val="accent1"/>
-          </a:effectRef>
-          <a:fontRef idx="minor">
-            <a:schemeClr val="tx1"/>
-          </a:fontRef>
-        </p:style>
-      </p:cxnSp>
-      <p:cxnSp>
-        <p:nvCxnSpPr>
-          <p:cNvPr id="52" name="Connecteur : en angle 51">
-            <a:extLst>
-              <a:ext uri="{FF2B5EF4-FFF2-40B4-BE49-F238E27FC236}">
-                <a16:creationId xmlns:a16="http://schemas.microsoft.com/office/drawing/2014/main" xmlns="" id="{CB799732-1313-5D67-4F99-8F2A543279BF}"/>
-              </a:ext>
-            </a:extLst>
-          </p:cNvPr>
-          <p:cNvCxnSpPr>
-            <a:cxnSpLocks/>
-            <a:stCxn id="35" idx="3"/>
-          </p:cNvCxnSpPr>
-          <p:nvPr/>
-        </p:nvCxnSpPr>
-        <p:spPr>
-          <a:xfrm flipV="1">
-            <a:off x="2106505" y="4865615"/>
-            <a:ext cx="5805348" cy="1433716"/>
-          </a:xfrm>
-          <a:prstGeom prst="bentConnector3">
-            <a:avLst>
-              <a:gd name="adj1" fmla="val 94074"/>
-            </a:avLst>
-          </a:prstGeom>
-          <a:ln>
-            <a:tailEnd type="triangle"/>
-          </a:ln>
-        </p:spPr>
-        <p:style>
-          <a:lnRef idx="1">
-            <a:schemeClr val="accent1"/>
-          </a:lnRef>
-          <a:fillRef idx="0">
-            <a:schemeClr val="accent1"/>
-          </a:fillRef>
-          <a:effectRef idx="0">
-            <a:schemeClr val="accent1"/>
-          </a:effectRef>
-          <a:fontRef idx="minor">
-            <a:schemeClr val="tx1"/>
-          </a:fontRef>
-        </p:style>
-      </p:cxnSp>
-    </p:spTree>
-    <p:extLst>
-      <p:ext uri="{BB962C8B-B14F-4D97-AF65-F5344CB8AC3E}">
-        <p14:creationId xmlns:p14="http://schemas.microsoft.com/office/powerpoint/2010/main" xmlns="" val="399026903"/>
-      </p:ext>
-    </p:extLst>
-  </p:cSld>
-  <p:clrMapOvr>
-    <a:masterClrMapping/>
-  </p:clrMapOvr>
-</p:sld>
-</file>
-
-<file path=ppt/slides/slide14.xml><?xml version="1.0" encoding="utf-8"?>
-<p:sld xmlns:a="http://schemas.openxmlformats.org/drawingml/2006/main" xmlns:r="http://schemas.openxmlformats.org/officeDocument/2006/relationships" xmlns:p="http://schemas.openxmlformats.org/presentationml/2006/main">
-  <p:cSld>
-    <p:spTree>
-      <p:nvGrpSpPr>
-        <p:cNvPr id="1" name=""/>
-        <p:cNvGrpSpPr/>
-        <p:nvPr/>
-      </p:nvGrpSpPr>
-      <p:grpSpPr>
-        <a:xfrm>
-          <a:off x="0" y="0"/>
-          <a:ext cx="0" cy="0"/>
-          <a:chOff x="0" y="0"/>
-          <a:chExt cx="0" cy="0"/>
-        </a:xfrm>
-      </p:grpSpPr>
-      <p:sp>
-        <p:nvSpPr>
-          <p:cNvPr id="4" name="Titre 1">
-            <a:extLst>
-              <a:ext uri="{FF2B5EF4-FFF2-40B4-BE49-F238E27FC236}">
-                <a16:creationId xmlns:a16="http://schemas.microsoft.com/office/drawing/2014/main" xmlns="" id="{BCDD4BC3-33C4-0072-9904-331307E4B50B}"/>
-              </a:ext>
-            </a:extLst>
-          </p:cNvPr>
-          <p:cNvSpPr>
-            <a:spLocks noGrp="1"/>
-          </p:cNvSpPr>
-          <p:nvPr>
-            <p:ph type="title"/>
-          </p:nvPr>
-        </p:nvSpPr>
-        <p:spPr>
-          <a:xfrm>
-            <a:off x="838200" y="769938"/>
-            <a:ext cx="10515600" cy="536575"/>
-          </a:xfrm>
-        </p:spPr>
-        <p:txBody>
-          <a:bodyPr/>
-          <a:lstStyle/>
-          <a:p>
-            <a:r>
-              <a:rPr lang="fr-FR" dirty="0"/>
-              <a:t>Derniers éléments</a:t>
-            </a:r>
-          </a:p>
-        </p:txBody>
-      </p:sp>
-      <p:sp>
-        <p:nvSpPr>
-          <p:cNvPr id="5" name="Titre 1">
-            <a:extLst>
-              <a:ext uri="{FF2B5EF4-FFF2-40B4-BE49-F238E27FC236}">
-                <a16:creationId xmlns:a16="http://schemas.microsoft.com/office/drawing/2014/main" xmlns="" id="{66530794-D329-D508-55C7-BFF305556223}"/>
-              </a:ext>
-            </a:extLst>
-          </p:cNvPr>
-          <p:cNvSpPr txBox="1">
-            <a:spLocks/>
-          </p:cNvSpPr>
-          <p:nvPr/>
-        </p:nvSpPr>
-        <p:spPr>
-          <a:xfrm>
-            <a:off x="838200" y="4044442"/>
-            <a:ext cx="10515600" cy="535200"/>
-          </a:xfrm>
-          <a:prstGeom prst="rect">
-            <a:avLst/>
-          </a:prstGeom>
-          <a:noFill/>
-          <a:ln>
-            <a:noFill/>
-          </a:ln>
-        </p:spPr>
-        <p:txBody>
-          <a:bodyPr spcFirstLastPara="1" wrap="square" lIns="68575" tIns="34275" rIns="68575" bIns="34275" anchor="ctr" anchorCtr="0">
-            <a:noAutofit/>
-          </a:bodyPr>
-          <a:lstStyle>
-            <a:defPPr marR="0" lvl="0" algn="l" rtl="0">
-              <a:lnSpc>
-                <a:spcPct val="100000"/>
-              </a:lnSpc>
-              <a:spcBef>
-                <a:spcPts val="0"/>
-              </a:spcBef>
-              <a:spcAft>
-                <a:spcPts val="0"/>
-              </a:spcAft>
-            </a:defPPr>
-            <a:lvl1pPr marR="0" lvl="0" algn="l" rtl="0" eaLnBrk="1" hangingPunct="1">
-              <a:lnSpc>
-                <a:spcPct val="90000"/>
-              </a:lnSpc>
-              <a:spcBef>
-                <a:spcPts val="0"/>
-              </a:spcBef>
-              <a:spcAft>
-                <a:spcPts val="0"/>
-              </a:spcAft>
-              <a:buClr>
-                <a:srgbClr val="20468D"/>
-              </a:buClr>
-              <a:buSzPts val="1400"/>
-              <a:buFont typeface="Arial"/>
-              <a:buNone/>
-              <a:defRPr sz="3300" b="1" i="0" u="none" strike="noStrike" cap="none">
-                <a:solidFill>
-                  <a:srgbClr val="20468D"/>
-                </a:solidFill>
-                <a:latin typeface="Arial"/>
-                <a:ea typeface="Arial"/>
-                <a:cs typeface="Arial"/>
-                <a:sym typeface="Arial"/>
-              </a:defRPr>
-            </a:lvl1pPr>
-            <a:lvl2pPr marR="0" lvl="1" algn="l" rtl="0" eaLnBrk="1" hangingPunct="1">
-              <a:lnSpc>
-                <a:spcPct val="100000"/>
-              </a:lnSpc>
-              <a:spcBef>
-                <a:spcPts val="0"/>
-              </a:spcBef>
-              <a:spcAft>
-                <a:spcPts val="0"/>
-              </a:spcAft>
-              <a:buClr>
-                <a:srgbClr val="000000"/>
-              </a:buClr>
-              <a:buSzPts val="1100"/>
-              <a:buFont typeface="Arial"/>
-              <a:buNone/>
-              <a:defRPr sz="1400" b="0" i="0" u="none" strike="noStrike" cap="none">
-                <a:solidFill>
-                  <a:srgbClr val="000000"/>
-                </a:solidFill>
-                <a:latin typeface="Arial"/>
-                <a:ea typeface="Arial"/>
-                <a:cs typeface="Arial"/>
-                <a:sym typeface="Arial"/>
-              </a:defRPr>
-            </a:lvl2pPr>
-            <a:lvl3pPr marR="0" lvl="2" algn="l" rtl="0" eaLnBrk="1" hangingPunct="1">
-              <a:lnSpc>
-                <a:spcPct val="100000"/>
-              </a:lnSpc>
-              <a:spcBef>
-                <a:spcPts val="0"/>
-              </a:spcBef>
-              <a:spcAft>
-                <a:spcPts val="0"/>
-              </a:spcAft>
-              <a:buClr>
-                <a:srgbClr val="000000"/>
-              </a:buClr>
-              <a:buSzPts val="1100"/>
-              <a:buFont typeface="Arial"/>
-              <a:buNone/>
-              <a:defRPr sz="1400" b="0" i="0" u="none" strike="noStrike" cap="none">
-                <a:solidFill>
-                  <a:srgbClr val="000000"/>
-                </a:solidFill>
-                <a:latin typeface="Arial"/>
-                <a:ea typeface="Arial"/>
-                <a:cs typeface="Arial"/>
-                <a:sym typeface="Arial"/>
-              </a:defRPr>
-            </a:lvl3pPr>
-            <a:lvl4pPr marR="0" lvl="3" algn="l" rtl="0" eaLnBrk="1" hangingPunct="1">
-              <a:lnSpc>
-                <a:spcPct val="100000"/>
-              </a:lnSpc>
-              <a:spcBef>
-                <a:spcPts val="0"/>
-              </a:spcBef>
-              <a:spcAft>
-                <a:spcPts val="0"/>
-              </a:spcAft>
-              <a:buClr>
-                <a:srgbClr val="000000"/>
-              </a:buClr>
-              <a:buSzPts val="1100"/>
-              <a:buFont typeface="Arial"/>
-              <a:buNone/>
-              <a:defRPr sz="1400" b="0" i="0" u="none" strike="noStrike" cap="none">
-                <a:solidFill>
-                  <a:srgbClr val="000000"/>
-                </a:solidFill>
-                <a:latin typeface="Arial"/>
-                <a:ea typeface="Arial"/>
-                <a:cs typeface="Arial"/>
-                <a:sym typeface="Arial"/>
-              </a:defRPr>
-            </a:lvl4pPr>
-            <a:lvl5pPr marR="0" lvl="4" algn="l" rtl="0" eaLnBrk="1" hangingPunct="1">
-              <a:lnSpc>
-                <a:spcPct val="100000"/>
-              </a:lnSpc>
-              <a:spcBef>
-                <a:spcPts val="0"/>
-              </a:spcBef>
-              <a:spcAft>
-                <a:spcPts val="0"/>
-              </a:spcAft>
-              <a:buClr>
-                <a:srgbClr val="000000"/>
-              </a:buClr>
-              <a:buSzPts val="1100"/>
-              <a:buFont typeface="Arial"/>
-              <a:buNone/>
-              <a:defRPr sz="1400" b="0" i="0" u="none" strike="noStrike" cap="none">
-                <a:solidFill>
-                  <a:srgbClr val="000000"/>
-                </a:solidFill>
-                <a:latin typeface="Arial"/>
-                <a:ea typeface="Arial"/>
-                <a:cs typeface="Arial"/>
-                <a:sym typeface="Arial"/>
-              </a:defRPr>
-            </a:lvl5pPr>
-            <a:lvl6pPr marR="0" lvl="5" algn="l" rtl="0" eaLnBrk="1" hangingPunct="1">
-              <a:lnSpc>
-                <a:spcPct val="100000"/>
-              </a:lnSpc>
-              <a:spcBef>
-                <a:spcPts val="0"/>
-              </a:spcBef>
-              <a:spcAft>
-                <a:spcPts val="0"/>
-              </a:spcAft>
-              <a:buClr>
-                <a:srgbClr val="000000"/>
-              </a:buClr>
-              <a:buSzPts val="1100"/>
-              <a:buFont typeface="Arial"/>
-              <a:buNone/>
-              <a:defRPr sz="1400" b="0" i="0" u="none" strike="noStrike" cap="none">
-                <a:solidFill>
-                  <a:srgbClr val="000000"/>
-                </a:solidFill>
-                <a:latin typeface="Arial"/>
-                <a:ea typeface="Arial"/>
-                <a:cs typeface="Arial"/>
-                <a:sym typeface="Arial"/>
-              </a:defRPr>
-            </a:lvl6pPr>
-            <a:lvl7pPr marR="0" lvl="6" algn="l" rtl="0" eaLnBrk="1" hangingPunct="1">
-              <a:lnSpc>
-                <a:spcPct val="100000"/>
-              </a:lnSpc>
-              <a:spcBef>
-                <a:spcPts val="0"/>
-              </a:spcBef>
-              <a:spcAft>
-                <a:spcPts val="0"/>
-              </a:spcAft>
-              <a:buClr>
-                <a:srgbClr val="000000"/>
-              </a:buClr>
-              <a:buSzPts val="1100"/>
-              <a:buFont typeface="Arial"/>
-              <a:buNone/>
-              <a:defRPr sz="1400" b="0" i="0" u="none" strike="noStrike" cap="none">
-                <a:solidFill>
-                  <a:srgbClr val="000000"/>
-                </a:solidFill>
-                <a:latin typeface="Arial"/>
-                <a:ea typeface="Arial"/>
-                <a:cs typeface="Arial"/>
-                <a:sym typeface="Arial"/>
-              </a:defRPr>
-            </a:lvl7pPr>
-            <a:lvl8pPr marR="0" lvl="7" algn="l" rtl="0" eaLnBrk="1" hangingPunct="1">
-              <a:lnSpc>
-                <a:spcPct val="100000"/>
-              </a:lnSpc>
-              <a:spcBef>
-                <a:spcPts val="0"/>
-              </a:spcBef>
-              <a:spcAft>
-                <a:spcPts val="0"/>
-              </a:spcAft>
-              <a:buClr>
-                <a:srgbClr val="000000"/>
-              </a:buClr>
-              <a:buSzPts val="1100"/>
-              <a:buFont typeface="Arial"/>
-              <a:buNone/>
-              <a:defRPr sz="1400" b="0" i="0" u="none" strike="noStrike" cap="none">
-                <a:solidFill>
-                  <a:srgbClr val="000000"/>
-                </a:solidFill>
-                <a:latin typeface="Arial"/>
-                <a:ea typeface="Arial"/>
-                <a:cs typeface="Arial"/>
-                <a:sym typeface="Arial"/>
-              </a:defRPr>
-            </a:lvl8pPr>
-            <a:lvl9pPr marR="0" lvl="8" algn="l" rtl="0" eaLnBrk="1" hangingPunct="1">
-              <a:lnSpc>
-                <a:spcPct val="100000"/>
-              </a:lnSpc>
-              <a:spcBef>
-                <a:spcPts val="0"/>
-              </a:spcBef>
-              <a:spcAft>
-                <a:spcPts val="0"/>
-              </a:spcAft>
-              <a:buClr>
-                <a:srgbClr val="000000"/>
-              </a:buClr>
-              <a:buSzPts val="1100"/>
-              <a:buFont typeface="Arial"/>
-              <a:buNone/>
-              <a:defRPr sz="1400" b="0" i="0" u="none" strike="noStrike" cap="none">
-                <a:solidFill>
-                  <a:srgbClr val="000000"/>
-                </a:solidFill>
-                <a:latin typeface="Arial"/>
-                <a:ea typeface="Arial"/>
-                <a:cs typeface="Arial"/>
-                <a:sym typeface="Arial"/>
-              </a:defRPr>
-            </a:lvl9pPr>
-          </a:lstStyle>
-          <a:p>
-            <a:r>
-              <a:rPr lang="fr-FR"/>
-              <a:t>Déplacement Manuel et utilisation du Dijkstra</a:t>
-            </a:r>
-            <a:endParaRPr lang="fr-FR" dirty="0"/>
-          </a:p>
-        </p:txBody>
-      </p:sp>
-      <p:sp>
-        <p:nvSpPr>
-          <p:cNvPr id="6" name="Titre 1">
-            <a:extLst>
-              <a:ext uri="{FF2B5EF4-FFF2-40B4-BE49-F238E27FC236}">
-                <a16:creationId xmlns:a16="http://schemas.microsoft.com/office/drawing/2014/main" xmlns="" id="{46C6AF4B-B1D6-4344-AA48-68F4E2C3E564}"/>
-              </a:ext>
-            </a:extLst>
-          </p:cNvPr>
-          <p:cNvSpPr txBox="1">
-            <a:spLocks/>
-          </p:cNvSpPr>
-          <p:nvPr/>
-        </p:nvSpPr>
-        <p:spPr>
-          <a:xfrm>
-            <a:off x="838200" y="2398351"/>
-            <a:ext cx="10515600" cy="536575"/>
-          </a:xfrm>
-          <a:prstGeom prst="rect">
-            <a:avLst/>
-          </a:prstGeom>
-          <a:noFill/>
-          <a:ln>
-            <a:noFill/>
-          </a:ln>
-        </p:spPr>
-        <p:txBody>
-          <a:bodyPr spcFirstLastPara="1" wrap="square" lIns="68575" tIns="34275" rIns="68575" bIns="34275" anchor="ctr" anchorCtr="0">
-            <a:noAutofit/>
-          </a:bodyPr>
-          <a:lstStyle>
-            <a:defPPr marR="0" lvl="0" algn="l" rtl="0">
-              <a:lnSpc>
-                <a:spcPct val="100000"/>
-              </a:lnSpc>
-              <a:spcBef>
-                <a:spcPts val="0"/>
-              </a:spcBef>
-              <a:spcAft>
-                <a:spcPts val="0"/>
-              </a:spcAft>
-            </a:defPPr>
-            <a:lvl1pPr marR="0" lvl="0" algn="l" rtl="0" eaLnBrk="1" hangingPunct="1">
-              <a:lnSpc>
-                <a:spcPct val="90000"/>
-              </a:lnSpc>
-              <a:spcBef>
-                <a:spcPts val="0"/>
-              </a:spcBef>
-              <a:spcAft>
-                <a:spcPts val="0"/>
-              </a:spcAft>
-              <a:buClr>
-                <a:srgbClr val="20468D"/>
-              </a:buClr>
-              <a:buSzPts val="1400"/>
-              <a:buFont typeface="Arial"/>
-              <a:buNone/>
-              <a:defRPr sz="3300" b="1" i="0" u="none" strike="noStrike" cap="none">
-                <a:solidFill>
-                  <a:srgbClr val="20468D"/>
-                </a:solidFill>
-                <a:latin typeface="Arial"/>
-                <a:ea typeface="Arial"/>
-                <a:cs typeface="Arial"/>
-                <a:sym typeface="Arial"/>
-              </a:defRPr>
-            </a:lvl1pPr>
-            <a:lvl2pPr marR="0" lvl="1" algn="l" rtl="0" eaLnBrk="1" hangingPunct="1">
-              <a:lnSpc>
-                <a:spcPct val="100000"/>
-              </a:lnSpc>
-              <a:spcBef>
-                <a:spcPts val="0"/>
-              </a:spcBef>
-              <a:spcAft>
-                <a:spcPts val="0"/>
-              </a:spcAft>
-              <a:buClr>
-                <a:srgbClr val="000000"/>
-              </a:buClr>
-              <a:buSzPts val="1100"/>
-              <a:buFont typeface="Arial"/>
-              <a:buNone/>
-              <a:defRPr sz="1400" b="0" i="0" u="none" strike="noStrike" cap="none">
-                <a:solidFill>
-                  <a:srgbClr val="000000"/>
-                </a:solidFill>
-                <a:latin typeface="Arial"/>
-                <a:ea typeface="Arial"/>
-                <a:cs typeface="Arial"/>
-                <a:sym typeface="Arial"/>
-              </a:defRPr>
-            </a:lvl2pPr>
-            <a:lvl3pPr marR="0" lvl="2" algn="l" rtl="0" eaLnBrk="1" hangingPunct="1">
-              <a:lnSpc>
-                <a:spcPct val="100000"/>
-              </a:lnSpc>
-              <a:spcBef>
-                <a:spcPts val="0"/>
-              </a:spcBef>
-              <a:spcAft>
-                <a:spcPts val="0"/>
-              </a:spcAft>
-              <a:buClr>
-                <a:srgbClr val="000000"/>
-              </a:buClr>
-              <a:buSzPts val="1100"/>
-              <a:buFont typeface="Arial"/>
-              <a:buNone/>
-              <a:defRPr sz="1400" b="0" i="0" u="none" strike="noStrike" cap="none">
-                <a:solidFill>
-                  <a:srgbClr val="000000"/>
-                </a:solidFill>
-                <a:latin typeface="Arial"/>
-                <a:ea typeface="Arial"/>
-                <a:cs typeface="Arial"/>
-                <a:sym typeface="Arial"/>
-              </a:defRPr>
-            </a:lvl3pPr>
-            <a:lvl4pPr marR="0" lvl="3" algn="l" rtl="0" eaLnBrk="1" hangingPunct="1">
-              <a:lnSpc>
-                <a:spcPct val="100000"/>
-              </a:lnSpc>
-              <a:spcBef>
-                <a:spcPts val="0"/>
-              </a:spcBef>
-              <a:spcAft>
-                <a:spcPts val="0"/>
-              </a:spcAft>
-              <a:buClr>
-                <a:srgbClr val="000000"/>
-              </a:buClr>
-              <a:buSzPts val="1100"/>
-              <a:buFont typeface="Arial"/>
-              <a:buNone/>
-              <a:defRPr sz="1400" b="0" i="0" u="none" strike="noStrike" cap="none">
-                <a:solidFill>
-                  <a:srgbClr val="000000"/>
-                </a:solidFill>
-                <a:latin typeface="Arial"/>
-                <a:ea typeface="Arial"/>
-                <a:cs typeface="Arial"/>
-                <a:sym typeface="Arial"/>
-              </a:defRPr>
-            </a:lvl4pPr>
-            <a:lvl5pPr marR="0" lvl="4" algn="l" rtl="0" eaLnBrk="1" hangingPunct="1">
-              <a:lnSpc>
-                <a:spcPct val="100000"/>
-              </a:lnSpc>
-              <a:spcBef>
-                <a:spcPts val="0"/>
-              </a:spcBef>
-              <a:spcAft>
-                <a:spcPts val="0"/>
-              </a:spcAft>
-              <a:buClr>
-                <a:srgbClr val="000000"/>
-              </a:buClr>
-              <a:buSzPts val="1100"/>
-              <a:buFont typeface="Arial"/>
-              <a:buNone/>
-              <a:defRPr sz="1400" b="0" i="0" u="none" strike="noStrike" cap="none">
-                <a:solidFill>
-                  <a:srgbClr val="000000"/>
-                </a:solidFill>
-                <a:latin typeface="Arial"/>
-                <a:ea typeface="Arial"/>
-                <a:cs typeface="Arial"/>
-                <a:sym typeface="Arial"/>
-              </a:defRPr>
-            </a:lvl5pPr>
-            <a:lvl6pPr marR="0" lvl="5" algn="l" rtl="0" eaLnBrk="1" hangingPunct="1">
-              <a:lnSpc>
-                <a:spcPct val="100000"/>
-              </a:lnSpc>
-              <a:spcBef>
-                <a:spcPts val="0"/>
-              </a:spcBef>
-              <a:spcAft>
-                <a:spcPts val="0"/>
-              </a:spcAft>
-              <a:buClr>
-                <a:srgbClr val="000000"/>
-              </a:buClr>
-              <a:buSzPts val="1100"/>
-              <a:buFont typeface="Arial"/>
-              <a:buNone/>
-              <a:defRPr sz="1400" b="0" i="0" u="none" strike="noStrike" cap="none">
-                <a:solidFill>
-                  <a:srgbClr val="000000"/>
-                </a:solidFill>
-                <a:latin typeface="Arial"/>
-                <a:ea typeface="Arial"/>
-                <a:cs typeface="Arial"/>
-                <a:sym typeface="Arial"/>
-              </a:defRPr>
-            </a:lvl6pPr>
-            <a:lvl7pPr marR="0" lvl="6" algn="l" rtl="0" eaLnBrk="1" hangingPunct="1">
-              <a:lnSpc>
-                <a:spcPct val="100000"/>
-              </a:lnSpc>
-              <a:spcBef>
-                <a:spcPts val="0"/>
-              </a:spcBef>
-              <a:spcAft>
-                <a:spcPts val="0"/>
-              </a:spcAft>
-              <a:buClr>
-                <a:srgbClr val="000000"/>
-              </a:buClr>
-              <a:buSzPts val="1100"/>
-              <a:buFont typeface="Arial"/>
-              <a:buNone/>
-              <a:defRPr sz="1400" b="0" i="0" u="none" strike="noStrike" cap="none">
-                <a:solidFill>
-                  <a:srgbClr val="000000"/>
-                </a:solidFill>
-                <a:latin typeface="Arial"/>
-                <a:ea typeface="Arial"/>
-                <a:cs typeface="Arial"/>
-                <a:sym typeface="Arial"/>
-              </a:defRPr>
-            </a:lvl7pPr>
-            <a:lvl8pPr marR="0" lvl="7" algn="l" rtl="0" eaLnBrk="1" hangingPunct="1">
-              <a:lnSpc>
-                <a:spcPct val="100000"/>
-              </a:lnSpc>
-              <a:spcBef>
-                <a:spcPts val="0"/>
-              </a:spcBef>
-              <a:spcAft>
-                <a:spcPts val="0"/>
-              </a:spcAft>
-              <a:buClr>
-                <a:srgbClr val="000000"/>
-              </a:buClr>
-              <a:buSzPts val="1100"/>
-              <a:buFont typeface="Arial"/>
-              <a:buNone/>
-              <a:defRPr sz="1400" b="0" i="0" u="none" strike="noStrike" cap="none">
-                <a:solidFill>
-                  <a:srgbClr val="000000"/>
-                </a:solidFill>
-                <a:latin typeface="Arial"/>
-                <a:ea typeface="Arial"/>
-                <a:cs typeface="Arial"/>
-                <a:sym typeface="Arial"/>
-              </a:defRPr>
-            </a:lvl8pPr>
-            <a:lvl9pPr marR="0" lvl="8" algn="l" rtl="0" eaLnBrk="1" hangingPunct="1">
-              <a:lnSpc>
-                <a:spcPct val="100000"/>
-              </a:lnSpc>
-              <a:spcBef>
-                <a:spcPts val="0"/>
-              </a:spcBef>
-              <a:spcAft>
-                <a:spcPts val="0"/>
-              </a:spcAft>
-              <a:buClr>
-                <a:srgbClr val="000000"/>
-              </a:buClr>
-              <a:buSzPts val="1100"/>
-              <a:buFont typeface="Arial"/>
-              <a:buNone/>
-              <a:defRPr sz="1400" b="0" i="0" u="none" strike="noStrike" cap="none">
-                <a:solidFill>
-                  <a:srgbClr val="000000"/>
-                </a:solidFill>
-                <a:latin typeface="Arial"/>
-                <a:ea typeface="Arial"/>
-                <a:cs typeface="Arial"/>
-                <a:sym typeface="Arial"/>
-              </a:defRPr>
-            </a:lvl9pPr>
-          </a:lstStyle>
-          <a:p>
-            <a:r>
-              <a:rPr lang="fr-FR" dirty="0"/>
-              <a:t>Architecture Mécanique</a:t>
-            </a:r>
-          </a:p>
-        </p:txBody>
-      </p:sp>
-    </p:spTree>
-    <p:extLst>
-      <p:ext uri="{BB962C8B-B14F-4D97-AF65-F5344CB8AC3E}">
-        <p14:creationId xmlns:p14="http://schemas.microsoft.com/office/powerpoint/2010/main" xmlns="" val="3270809342"/>
-      </p:ext>
-    </p:extLst>
-  </p:cSld>
-  <p:clrMapOvr>
-    <a:masterClrMapping/>
-  </p:clrMapOvr>
-</p:sld>
-</file>
-
-<file path=ppt/slides/slide15.xml><?xml version="1.0" encoding="utf-8"?>
-<p:sld xmlns:a="http://schemas.openxmlformats.org/drawingml/2006/main" xmlns:r="http://schemas.openxmlformats.org/officeDocument/2006/relationships" xmlns:p="http://schemas.openxmlformats.org/presentationml/2006/main">
-  <p:cSld>
-    <p:spTree>
-      <p:nvGrpSpPr>
-        <p:cNvPr id="1" name=""/>
-        <p:cNvGrpSpPr/>
-        <p:nvPr/>
-      </p:nvGrpSpPr>
-      <p:grpSpPr>
-        <a:xfrm>
-          <a:off x="0" y="0"/>
-          <a:ext cx="0" cy="0"/>
-          <a:chOff x="0" y="0"/>
-          <a:chExt cx="0" cy="0"/>
-        </a:xfrm>
-      </p:grpSpPr>
-      <p:sp>
-        <p:nvSpPr>
-          <p:cNvPr id="2" name="Titre 1">
-            <a:extLst>
-              <a:ext uri="{FF2B5EF4-FFF2-40B4-BE49-F238E27FC236}">
-                <a16:creationId xmlns:a16="http://schemas.microsoft.com/office/drawing/2014/main" xmlns="" id="{2EA2BC10-1FAE-3800-B973-2D0E47A0D267}"/>
-              </a:ext>
-            </a:extLst>
-          </p:cNvPr>
-          <p:cNvSpPr>
-            <a:spLocks noGrp="1"/>
-          </p:cNvSpPr>
-          <p:nvPr>
-            <p:ph type="title"/>
-          </p:nvPr>
-        </p:nvSpPr>
-        <p:spPr/>
-        <p:txBody>
-          <a:bodyPr/>
-          <a:lstStyle/>
-          <a:p>
-            <a:r>
-              <a:rPr lang="fr-FR" dirty="0"/>
-              <a:t>Déplacement Manuel et utilisation du Dijkstra</a:t>
-            </a:r>
-          </a:p>
-        </p:txBody>
-      </p:sp>
-    </p:spTree>
-    <p:extLst>
-      <p:ext uri="{BB962C8B-B14F-4D97-AF65-F5344CB8AC3E}">
-        <p14:creationId xmlns:p14="http://schemas.microsoft.com/office/powerpoint/2010/main" xmlns="" val="1808465620"/>
-      </p:ext>
-    </p:extLst>
-  </p:cSld>
-  <p:clrMapOvr>
-    <a:masterClrMapping/>
-  </p:clrMapOvr>
-</p:sld>
-</file>
-
-<file path=ppt/slides/slide2.xml><?xml version="1.0" encoding="utf-8"?>
-<p:sld xmlns:a="http://schemas.openxmlformats.org/drawingml/2006/main" xmlns:r="http://schemas.openxmlformats.org/officeDocument/2006/relationships" xmlns:p="http://schemas.openxmlformats.org/presentationml/2006/main">
-  <p:cSld>
-    <p:spTree>
-      <p:nvGrpSpPr>
-        <p:cNvPr id="1" name=""/>
-        <p:cNvGrpSpPr/>
-        <p:nvPr/>
-      </p:nvGrpSpPr>
-      <p:grpSpPr>
-        <a:xfrm>
-          <a:off x="0" y="0"/>
-          <a:ext cx="0" cy="0"/>
-          <a:chOff x="0" y="0"/>
-          <a:chExt cx="0" cy="0"/>
-        </a:xfrm>
-      </p:grpSpPr>
-      <p:sp>
-        <p:nvSpPr>
-          <p:cNvPr id="2" name="Titre 1">
-            <a:extLst>
-              <a:ext uri="{FF2B5EF4-FFF2-40B4-BE49-F238E27FC236}">
-                <a16:creationId xmlns:a16="http://schemas.microsoft.com/office/drawing/2014/main" xmlns="" id="{709515F8-52F5-41EA-9F94-01B0981A1295}"/>
-              </a:ext>
-            </a:extLst>
-          </p:cNvPr>
-          <p:cNvSpPr>
-            <a:spLocks noGrp="1"/>
-          </p:cNvSpPr>
-          <p:nvPr>
-            <p:ph type="title"/>
-          </p:nvPr>
-        </p:nvSpPr>
-        <p:spPr/>
-        <p:txBody>
-          <a:bodyPr/>
-          <a:lstStyle/>
-          <a:p>
-            <a:r>
-              <a:rPr lang="fr-FR" dirty="0"/>
-              <a:t>Ordre du jour</a:t>
-            </a:r>
-          </a:p>
-        </p:txBody>
-      </p:sp>
-      <p:sp>
-        <p:nvSpPr>
-          <p:cNvPr id="3" name="Espace réservé du contenu 2">
-            <a:extLst>
-              <a:ext uri="{FF2B5EF4-FFF2-40B4-BE49-F238E27FC236}">
-                <a16:creationId xmlns:a16="http://schemas.microsoft.com/office/drawing/2014/main" xmlns="" id="{BF6A637C-CB97-4C62-85F7-63CB79C428D8}"/>
-              </a:ext>
-            </a:extLst>
-          </p:cNvPr>
-          <p:cNvSpPr>
-            <a:spLocks noGrp="1"/>
-          </p:cNvSpPr>
-          <p:nvPr>
-            <p:ph type="body" idx="1"/>
-          </p:nvPr>
-        </p:nvSpPr>
-        <p:spPr>
-          <a:xfrm>
-            <a:off x="838200" y="1305730"/>
-            <a:ext cx="10515600" cy="5271239"/>
-          </a:xfrm>
-        </p:spPr>
-        <p:txBody>
-          <a:bodyPr/>
-          <a:lstStyle/>
-          <a:p>
-            <a:pPr marL="186262" indent="0" algn="l">
-              <a:buNone/>
-            </a:pPr>
-            <a:r>
-              <a:rPr lang="fr-FR" sz="1600" b="0" i="0" dirty="0">
-                <a:solidFill>
-                  <a:srgbClr val="000000"/>
-                </a:solidFill>
-                <a:effectLst/>
-                <a:latin typeface="arial" panose="020B0604020202020204" pitchFamily="34" charset="0"/>
-              </a:rPr>
-              <a:t>Partie Hard:</a:t>
-            </a:r>
-          </a:p>
-          <a:p>
-            <a:pPr algn="l">
-              <a:buFont typeface="Arial" panose="020B0604020202020204" pitchFamily="34" charset="0"/>
-              <a:buChar char="•"/>
-            </a:pPr>
-            <a:r>
-              <a:rPr lang="fr-FR" sz="1600" b="0" i="0" dirty="0" smtClean="0">
-                <a:solidFill>
-                  <a:srgbClr val="000000"/>
-                </a:solidFill>
-                <a:effectLst/>
-                <a:latin typeface="arial" panose="020B0604020202020204" pitchFamily="34" charset="0"/>
-              </a:rPr>
-              <a:t>Avancée </a:t>
-            </a:r>
-            <a:r>
-              <a:rPr lang="fr-FR" sz="1600" b="0" i="0" dirty="0">
-                <a:solidFill>
-                  <a:srgbClr val="000000"/>
-                </a:solidFill>
-                <a:effectLst/>
-                <a:latin typeface="arial" panose="020B0604020202020204" pitchFamily="34" charset="0"/>
-              </a:rPr>
-              <a:t>sur la  conception de la station de charge</a:t>
-            </a:r>
-          </a:p>
-          <a:p>
-            <a:pPr marL="186262" indent="0" algn="l">
-              <a:buNone/>
-            </a:pPr>
-            <a:r>
-              <a:rPr lang="fr-FR" sz="1600" b="0" i="0" dirty="0">
-                <a:solidFill>
-                  <a:srgbClr val="000000"/>
-                </a:solidFill>
-                <a:effectLst/>
-                <a:latin typeface="arial" panose="020B0604020202020204" pitchFamily="34" charset="0"/>
-              </a:rPr>
-              <a:t>Partie FPGA:</a:t>
-            </a:r>
-          </a:p>
-          <a:p>
-            <a:pPr algn="l">
-              <a:buFont typeface="Arial" panose="020B0604020202020204" pitchFamily="34" charset="0"/>
-              <a:buChar char="•"/>
-            </a:pPr>
-            <a:r>
-              <a:rPr lang="fr-FR" sz="1600" b="0" i="0" dirty="0">
-                <a:solidFill>
-                  <a:srgbClr val="000000"/>
-                </a:solidFill>
-                <a:effectLst/>
-                <a:latin typeface="arial" panose="020B0604020202020204" pitchFamily="34" charset="0"/>
-              </a:rPr>
-              <a:t>Gestion des ultrasons</a:t>
-            </a:r>
-          </a:p>
-          <a:p>
-            <a:pPr algn="l">
-              <a:buFont typeface="Arial" panose="020B0604020202020204" pitchFamily="34" charset="0"/>
-              <a:buChar char="•"/>
-            </a:pPr>
-            <a:r>
-              <a:rPr lang="fr-FR" sz="1600" dirty="0">
-                <a:solidFill>
-                  <a:srgbClr val="000000"/>
-                </a:solidFill>
-                <a:latin typeface="arial" panose="020B0604020202020204" pitchFamily="34" charset="0"/>
-              </a:rPr>
-              <a:t>Changement de carte Dijkstra</a:t>
-            </a:r>
-          </a:p>
-          <a:p>
-            <a:pPr algn="l">
-              <a:buFont typeface="Arial" panose="020B0604020202020204" pitchFamily="34" charset="0"/>
-              <a:buChar char="•"/>
-            </a:pPr>
-            <a:r>
-              <a:rPr lang="fr-FR" sz="1600" dirty="0">
-                <a:solidFill>
-                  <a:srgbClr val="000000"/>
-                </a:solidFill>
-                <a:latin typeface="arial" panose="020B0604020202020204" pitchFamily="34" charset="0"/>
-              </a:rPr>
-              <a:t>Balises</a:t>
-            </a:r>
-            <a:endParaRPr lang="fr-FR" sz="1600" b="0" i="0" dirty="0">
-              <a:solidFill>
-                <a:srgbClr val="000000"/>
-              </a:solidFill>
-              <a:effectLst/>
-              <a:latin typeface="arial" panose="020B0604020202020204" pitchFamily="34" charset="0"/>
-            </a:endParaRPr>
-          </a:p>
-          <a:p>
-            <a:pPr marL="186262" indent="0" algn="l">
-              <a:buNone/>
-            </a:pPr>
-            <a:r>
-              <a:rPr lang="fr-FR" sz="1600" b="0" i="0" dirty="0">
-                <a:solidFill>
-                  <a:srgbClr val="000000"/>
-                </a:solidFill>
-                <a:effectLst/>
-                <a:latin typeface="arial" panose="020B0604020202020204" pitchFamily="34" charset="0"/>
-              </a:rPr>
-              <a:t>Partie Soft:</a:t>
-            </a:r>
-          </a:p>
-          <a:p>
-            <a:r>
-              <a:rPr lang="fr-FR" sz="1600" dirty="0" smtClean="0"/>
-              <a:t>Présentation de l'architecture de projet Soft</a:t>
-            </a:r>
-          </a:p>
-          <a:p>
-            <a:r>
-              <a:rPr lang="fr-FR" sz="1600" dirty="0" err="1" smtClean="0"/>
-              <a:t>Debug</a:t>
-            </a:r>
-            <a:r>
-              <a:rPr lang="fr-FR" sz="1600" dirty="0" smtClean="0"/>
-              <a:t> du </a:t>
-            </a:r>
-            <a:r>
-              <a:rPr lang="fr-FR" sz="1600" dirty="0" smtClean="0"/>
-              <a:t>robot</a:t>
-            </a:r>
-            <a:endParaRPr lang="fr-FR" sz="1600" dirty="0" smtClean="0"/>
-          </a:p>
-          <a:p>
-            <a:r>
-              <a:rPr lang="fr-FR" sz="1600" dirty="0" smtClean="0"/>
-              <a:t>Filtre de </a:t>
-            </a:r>
-            <a:r>
-              <a:rPr lang="fr-FR" sz="1600" dirty="0" err="1" smtClean="0"/>
-              <a:t>Kalman</a:t>
-            </a:r>
-            <a:endParaRPr lang="fr-FR" sz="1600" dirty="0" smtClean="0"/>
-          </a:p>
-          <a:p>
-            <a:endParaRPr lang="fr-FR" sz="1600" dirty="0"/>
-          </a:p>
-          <a:p>
-            <a:endParaRPr lang="fr-FR" sz="1600" dirty="0"/>
-          </a:p>
-          <a:p>
-            <a:endParaRPr lang="fr-FR" sz="1600" dirty="0"/>
-          </a:p>
-        </p:txBody>
-      </p:sp>
-    </p:spTree>
-    <p:extLst>
-      <p:ext uri="{BB962C8B-B14F-4D97-AF65-F5344CB8AC3E}">
-        <p14:creationId xmlns:p14="http://schemas.microsoft.com/office/powerpoint/2010/main" xmlns="" val="4219772065"/>
-      </p:ext>
-    </p:extLst>
-  </p:cSld>
-  <p:clrMapOvr>
-    <a:masterClrMapping/>
-  </p:clrMapOvr>
-  <p:timing>
-    <p:tnLst>
-      <p:par>
-        <p:cTn id="1" dur="indefinite" restart="never" nodeType="tmRoot"/>
-      </p:par>
-    </p:tnLst>
-  </p:timing>
-</p:sld>
-</file>
-
-<file path=ppt/slides/slide3.xml><?xml version="1.0" encoding="utf-8"?>
-<p:sld xmlns:a="http://schemas.openxmlformats.org/drawingml/2006/main" xmlns:r="http://schemas.openxmlformats.org/officeDocument/2006/relationships" xmlns:p="http://schemas.openxmlformats.org/presentationml/2006/main">
-  <p:cSld>
-    <p:spTree>
-      <p:nvGrpSpPr>
-        <p:cNvPr id="1" name=""/>
-        <p:cNvGrpSpPr/>
-        <p:nvPr/>
-      </p:nvGrpSpPr>
-      <p:grpSpPr>
-        <a:xfrm>
-          <a:off x="0" y="0"/>
-          <a:ext cx="0" cy="0"/>
-          <a:chOff x="0" y="0"/>
-          <a:chExt cx="0" cy="0"/>
-        </a:xfrm>
-      </p:grpSpPr>
-      <p:sp>
-        <p:nvSpPr>
-          <p:cNvPr id="2" name="Titre 1">
-            <a:extLst>
-              <a:ext uri="{FF2B5EF4-FFF2-40B4-BE49-F238E27FC236}">
-                <a16:creationId xmlns:a16="http://schemas.microsoft.com/office/drawing/2014/main" xmlns="" id="{BDEF606E-A611-403F-B367-E6244B4A4623}"/>
-              </a:ext>
-            </a:extLst>
-          </p:cNvPr>
-          <p:cNvSpPr>
-            <a:spLocks noGrp="1"/>
-          </p:cNvSpPr>
-          <p:nvPr>
-            <p:ph type="title"/>
-          </p:nvPr>
-        </p:nvSpPr>
-        <p:spPr/>
-        <p:txBody>
-          <a:bodyPr/>
-          <a:lstStyle/>
-          <a:p>
-            <a:r>
-              <a:rPr lang="fr-FR" dirty="0"/>
-              <a:t>Hard: Conception de la station de charge</a:t>
-            </a:r>
-          </a:p>
-        </p:txBody>
-      </p:sp>
-      <p:pic>
-        <p:nvPicPr>
-          <p:cNvPr id="1026" name="Picture 2"/>
-          <p:cNvPicPr>
-            <a:picLocks noChangeAspect="1" noChangeArrowheads="1"/>
-          </p:cNvPicPr>
-          <p:nvPr/>
-        </p:nvPicPr>
-        <p:blipFill>
-          <a:blip r:embed="rId2" cstate="print"/>
-          <a:srcRect/>
-          <a:stretch>
-            <a:fillRect/>
-          </a:stretch>
-        </p:blipFill>
-        <p:spPr bwMode="auto">
-          <a:xfrm>
-            <a:off x="424542" y="1504497"/>
-            <a:ext cx="11115675" cy="4736497"/>
-          </a:xfrm>
-          <a:prstGeom prst="rect">
-            <a:avLst/>
-          </a:prstGeom>
-          <a:noFill/>
-          <a:ln w="9525">
-            <a:noFill/>
-            <a:miter lim="800000"/>
-            <a:headEnd/>
-            <a:tailEnd/>
-          </a:ln>
-        </p:spPr>
-      </p:pic>
-    </p:spTree>
-    <p:extLst>
-      <p:ext uri="{BB962C8B-B14F-4D97-AF65-F5344CB8AC3E}">
-        <p14:creationId xmlns:p14="http://schemas.microsoft.com/office/powerpoint/2010/main" xmlns="" val="205039471"/>
-      </p:ext>
-    </p:extLst>
-  </p:cSld>
-  <p:clrMapOvr>
-    <a:masterClrMapping/>
-  </p:clrMapOvr>
-  <p:timing>
-    <p:tnLst>
-      <p:par>
-        <p:cTn id="1" dur="indefinite" restart="never" nodeType="tmRoot"/>
-      </p:par>
-    </p:tnLst>
-  </p:timing>
-</p:sld>
-</file>
-
-<file path=ppt/slides/slide4.xml><?xml version="1.0" encoding="utf-8"?>
-<p:sld xmlns:a="http://schemas.openxmlformats.org/drawingml/2006/main" xmlns:r="http://schemas.openxmlformats.org/officeDocument/2006/relationships" xmlns:p="http://schemas.openxmlformats.org/presentationml/2006/main">
-  <p:cSld>
-    <p:spTree>
-      <p:nvGrpSpPr>
-        <p:cNvPr id="1" name=""/>
-        <p:cNvGrpSpPr/>
-        <p:nvPr/>
-      </p:nvGrpSpPr>
-      <p:grpSpPr>
-        <a:xfrm>
-          <a:off x="0" y="0"/>
-          <a:ext cx="0" cy="0"/>
-          <a:chOff x="0" y="0"/>
-          <a:chExt cx="0" cy="0"/>
-        </a:xfrm>
-      </p:grpSpPr>
-      <p:sp>
-        <p:nvSpPr>
-          <p:cNvPr id="2" name="Titre 1">
-            <a:extLst>
-              <a:ext uri="{FF2B5EF4-FFF2-40B4-BE49-F238E27FC236}">
-                <a16:creationId xmlns:a16="http://schemas.microsoft.com/office/drawing/2014/main" xmlns="" id="{BDEF606E-A611-403F-B367-E6244B4A4623}"/>
-              </a:ext>
-            </a:extLst>
-          </p:cNvPr>
-          <p:cNvSpPr>
-            <a:spLocks noGrp="1"/>
-          </p:cNvSpPr>
-          <p:nvPr>
-            <p:ph type="title"/>
-          </p:nvPr>
-        </p:nvSpPr>
-        <p:spPr/>
-        <p:txBody>
-          <a:bodyPr/>
-          <a:lstStyle/>
-          <a:p>
-            <a:r>
-              <a:rPr lang="fr-FR" dirty="0"/>
-              <a:t>Hard: Conception de la station de charge</a:t>
-            </a:r>
-          </a:p>
-        </p:txBody>
-      </p:sp>
-      <p:pic>
-        <p:nvPicPr>
-          <p:cNvPr id="3074" name="Picture 2"/>
-          <p:cNvPicPr>
-            <a:picLocks noChangeAspect="1" noChangeArrowheads="1"/>
-          </p:cNvPicPr>
-          <p:nvPr/>
-        </p:nvPicPr>
-        <p:blipFill>
-          <a:blip r:embed="rId2" cstate="print"/>
-          <a:srcRect/>
-          <a:stretch>
-            <a:fillRect/>
-          </a:stretch>
-        </p:blipFill>
-        <p:spPr bwMode="auto">
-          <a:xfrm>
-            <a:off x="189366" y="1335314"/>
-            <a:ext cx="4529797" cy="5213803"/>
-          </a:xfrm>
-          <a:prstGeom prst="rect">
-            <a:avLst/>
-          </a:prstGeom>
-          <a:noFill/>
-          <a:ln w="9525">
-            <a:noFill/>
-            <a:miter lim="800000"/>
-            <a:headEnd/>
-            <a:tailEnd/>
-          </a:ln>
-        </p:spPr>
-      </p:pic>
-      <p:pic>
-        <p:nvPicPr>
-          <p:cNvPr id="3075" name="Picture 3"/>
-          <p:cNvPicPr>
-            <a:picLocks noChangeAspect="1" noChangeArrowheads="1"/>
-          </p:cNvPicPr>
-          <p:nvPr/>
-        </p:nvPicPr>
-        <p:blipFill>
-          <a:blip r:embed="rId3" cstate="print"/>
-          <a:srcRect/>
-          <a:stretch>
-            <a:fillRect/>
-          </a:stretch>
-        </p:blipFill>
-        <p:spPr bwMode="auto">
-          <a:xfrm>
-            <a:off x="4727145" y="1539388"/>
-            <a:ext cx="7464855" cy="4664022"/>
-          </a:xfrm>
-          <a:prstGeom prst="rect">
-            <a:avLst/>
-          </a:prstGeom>
-          <a:noFill/>
-          <a:ln w="9525">
-            <a:noFill/>
-            <a:miter lim="800000"/>
-            <a:headEnd/>
-            <a:tailEnd/>
-          </a:ln>
-        </p:spPr>
-      </p:pic>
-    </p:spTree>
-    <p:extLst>
-      <p:ext uri="{BB962C8B-B14F-4D97-AF65-F5344CB8AC3E}">
-        <p14:creationId xmlns:p14="http://schemas.microsoft.com/office/powerpoint/2010/main" xmlns="" val="205039471"/>
-      </p:ext>
-    </p:extLst>
-  </p:cSld>
-  <p:clrMapOvr>
-    <a:masterClrMapping/>
-  </p:clrMapOvr>
-  <p:timing>
-    <p:tnLst>
-      <p:par>
-        <p:cTn id="1" dur="indefinite" restart="never" nodeType="tmRoot"/>
-      </p:par>
-    </p:tnLst>
-  </p:timing>
-</p:sld>
-</file>
-
-<file path=ppt/slides/slide5.xml><?xml version="1.0" encoding="utf-8"?>
-<p:sld xmlns:a="http://schemas.openxmlformats.org/drawingml/2006/main" xmlns:r="http://schemas.openxmlformats.org/officeDocument/2006/relationships" xmlns:p="http://schemas.openxmlformats.org/presentationml/2006/main">
-  <p:cSld>
-    <p:spTree>
-      <p:nvGrpSpPr>
-        <p:cNvPr id="1" name=""/>
-        <p:cNvGrpSpPr/>
-        <p:nvPr/>
-      </p:nvGrpSpPr>
-      <p:grpSpPr>
-        <a:xfrm>
-          <a:off x="0" y="0"/>
-          <a:ext cx="0" cy="0"/>
-          <a:chOff x="0" y="0"/>
-          <a:chExt cx="0" cy="0"/>
-        </a:xfrm>
-      </p:grpSpPr>
-      <p:sp>
-        <p:nvSpPr>
-          <p:cNvPr id="2" name="Titre 1">
-            <a:extLst>
-              <a:ext uri="{FF2B5EF4-FFF2-40B4-BE49-F238E27FC236}">
-                <a16:creationId xmlns:a16="http://schemas.microsoft.com/office/drawing/2014/main" xmlns="" id="{BDEF606E-A611-403F-B367-E6244B4A4623}"/>
-              </a:ext>
-            </a:extLst>
-          </p:cNvPr>
-          <p:cNvSpPr>
-            <a:spLocks noGrp="1"/>
-          </p:cNvSpPr>
-          <p:nvPr>
-            <p:ph type="title"/>
-          </p:nvPr>
-        </p:nvSpPr>
-        <p:spPr/>
-        <p:txBody>
-          <a:bodyPr/>
-          <a:lstStyle/>
-          <a:p>
-            <a:r>
-              <a:rPr lang="fr-FR" dirty="0"/>
-              <a:t>Hard: Conception de la station de charge</a:t>
-            </a:r>
-          </a:p>
-        </p:txBody>
-      </p:sp>
-      <p:pic>
-        <p:nvPicPr>
-          <p:cNvPr id="4098" name="Picture 2"/>
-          <p:cNvPicPr>
-            <a:picLocks noChangeAspect="1" noChangeArrowheads="1"/>
-          </p:cNvPicPr>
-          <p:nvPr/>
-        </p:nvPicPr>
-        <p:blipFill>
-          <a:blip r:embed="rId2" cstate="print"/>
-          <a:srcRect/>
-          <a:stretch>
-            <a:fillRect/>
-          </a:stretch>
-        </p:blipFill>
-        <p:spPr bwMode="auto">
-          <a:xfrm rot="16200000">
-            <a:off x="-719946" y="2178634"/>
-            <a:ext cx="5450114" cy="3603821"/>
-          </a:xfrm>
-          <a:prstGeom prst="rect">
-            <a:avLst/>
-          </a:prstGeom>
-          <a:noFill/>
-          <a:ln w="9525">
-            <a:noFill/>
-            <a:miter lim="800000"/>
-            <a:headEnd/>
-            <a:tailEnd/>
-          </a:ln>
-        </p:spPr>
-      </p:pic>
-      <p:pic>
-        <p:nvPicPr>
-          <p:cNvPr id="4099" name="Picture 3"/>
-          <p:cNvPicPr>
-            <a:picLocks noChangeAspect="1" noChangeArrowheads="1"/>
-          </p:cNvPicPr>
-          <p:nvPr/>
-        </p:nvPicPr>
-        <p:blipFill>
-          <a:blip r:embed="rId3" cstate="print"/>
-          <a:srcRect/>
-          <a:stretch>
-            <a:fillRect/>
-          </a:stretch>
-        </p:blipFill>
-        <p:spPr bwMode="auto">
-          <a:xfrm>
-            <a:off x="4357688" y="1295400"/>
-            <a:ext cx="6715125" cy="5391150"/>
-          </a:xfrm>
-          <a:prstGeom prst="rect">
-            <a:avLst/>
-          </a:prstGeom>
-          <a:noFill/>
-          <a:ln w="9525">
-            <a:noFill/>
-            <a:miter lim="800000"/>
-            <a:headEnd/>
-            <a:tailEnd/>
-          </a:ln>
-        </p:spPr>
-      </p:pic>
-    </p:spTree>
-    <p:extLst>
-      <p:ext uri="{BB962C8B-B14F-4D97-AF65-F5344CB8AC3E}">
-        <p14:creationId xmlns:p14="http://schemas.microsoft.com/office/powerpoint/2010/main" xmlns="" val="205039471"/>
-      </p:ext>
-    </p:extLst>
-  </p:cSld>
-  <p:clrMapOvr>
-    <a:masterClrMapping/>
-  </p:clrMapOvr>
-  <p:timing>
-    <p:tnLst>
-      <p:par>
-        <p:cTn id="1" dur="indefinite" restart="never" nodeType="tmRoot"/>
-      </p:par>
-    </p:tnLst>
-  </p:timing>
-</p:sld>
-</file>
-
-<file path=ppt/slides/slide6.xml><?xml version="1.0" encoding="utf-8"?>
-<p:sld xmlns:a="http://schemas.openxmlformats.org/drawingml/2006/main" xmlns:r="http://schemas.openxmlformats.org/officeDocument/2006/relationships" xmlns:p="http://schemas.openxmlformats.org/presentationml/2006/main">
-  <p:cSld>
-    <p:spTree>
-      <p:nvGrpSpPr>
-        <p:cNvPr id="1" name=""/>
-        <p:cNvGrpSpPr/>
-        <p:nvPr/>
-      </p:nvGrpSpPr>
-      <p:grpSpPr>
-        <a:xfrm>
-          <a:off x="0" y="0"/>
-          <a:ext cx="0" cy="0"/>
-          <a:chOff x="0" y="0"/>
-          <a:chExt cx="0" cy="0"/>
-        </a:xfrm>
-      </p:grpSpPr>
-      <p:sp>
-        <p:nvSpPr>
-          <p:cNvPr id="2" name="Titre 1">
-            <a:extLst>
-              <a:ext uri="{FF2B5EF4-FFF2-40B4-BE49-F238E27FC236}">
-                <a16:creationId xmlns:a16="http://schemas.microsoft.com/office/drawing/2014/main" xmlns="" id="{BDEF606E-A611-403F-B367-E6244B4A4623}"/>
-              </a:ext>
-            </a:extLst>
-          </p:cNvPr>
-          <p:cNvSpPr>
-            <a:spLocks noGrp="1"/>
-          </p:cNvSpPr>
-          <p:nvPr>
-            <p:ph type="title"/>
-          </p:nvPr>
-        </p:nvSpPr>
-        <p:spPr/>
-        <p:txBody>
-          <a:bodyPr/>
-          <a:lstStyle/>
-          <a:p>
-            <a:r>
-              <a:rPr lang="fr-FR" dirty="0"/>
-              <a:t>Hard: Conception de la station de charge</a:t>
-            </a:r>
-          </a:p>
-        </p:txBody>
-      </p:sp>
-      <p:pic>
-        <p:nvPicPr>
-          <p:cNvPr id="2050" name="Picture 2"/>
-          <p:cNvPicPr>
-            <a:picLocks noChangeAspect="1" noChangeArrowheads="1"/>
-          </p:cNvPicPr>
-          <p:nvPr/>
-        </p:nvPicPr>
-        <p:blipFill>
-          <a:blip r:embed="rId2" cstate="print"/>
-          <a:srcRect/>
-          <a:stretch>
-            <a:fillRect/>
-          </a:stretch>
-        </p:blipFill>
-        <p:spPr bwMode="auto">
-          <a:xfrm>
-            <a:off x="261257" y="2009465"/>
-            <a:ext cx="5950857" cy="3927106"/>
-          </a:xfrm>
-          <a:prstGeom prst="rect">
-            <a:avLst/>
-          </a:prstGeom>
-          <a:noFill/>
-          <a:ln w="9525">
-            <a:noFill/>
-            <a:miter lim="800000"/>
-            <a:headEnd/>
-            <a:tailEnd/>
-          </a:ln>
-        </p:spPr>
-      </p:pic>
-      <p:pic>
-        <p:nvPicPr>
-          <p:cNvPr id="2051" name="Picture 3"/>
-          <p:cNvPicPr>
-            <a:picLocks noChangeAspect="1" noChangeArrowheads="1"/>
-          </p:cNvPicPr>
-          <p:nvPr/>
-        </p:nvPicPr>
-        <p:blipFill>
-          <a:blip r:embed="rId3" cstate="print"/>
-          <a:srcRect/>
-          <a:stretch>
-            <a:fillRect/>
-          </a:stretch>
-        </p:blipFill>
-        <p:spPr bwMode="auto">
-          <a:xfrm>
-            <a:off x="6281057" y="1987904"/>
-            <a:ext cx="5910943" cy="3715756"/>
-          </a:xfrm>
-          <a:prstGeom prst="rect">
-            <a:avLst/>
-          </a:prstGeom>
-          <a:noFill/>
-          <a:ln w="9525">
-            <a:noFill/>
-            <a:miter lim="800000"/>
-            <a:headEnd/>
-            <a:tailEnd/>
-          </a:ln>
-        </p:spPr>
-      </p:pic>
-    </p:spTree>
-    <p:extLst>
-      <p:ext uri="{BB962C8B-B14F-4D97-AF65-F5344CB8AC3E}">
-        <p14:creationId xmlns:p14="http://schemas.microsoft.com/office/powerpoint/2010/main" xmlns="" val="205039471"/>
-      </p:ext>
-    </p:extLst>
-  </p:cSld>
-  <p:clrMapOvr>
-    <a:masterClrMapping/>
-  </p:clrMapOvr>
-  <p:timing>
-    <p:tnLst>
-      <p:par>
-        <p:cTn id="1" dur="indefinite" restart="never" nodeType="tmRoot"/>
-      </p:par>
-    </p:tnLst>
-  </p:timing>
-</p:sld>
-</file>
-
-<file path=ppt/slides/slide7.xml><?xml version="1.0" encoding="utf-8"?>
-<p:sld xmlns:a="http://schemas.openxmlformats.org/drawingml/2006/main" xmlns:r="http://schemas.openxmlformats.org/officeDocument/2006/relationships" xmlns:p="http://schemas.openxmlformats.org/presentationml/2006/main">
-  <p:cSld>
-    <p:spTree>
-      <p:nvGrpSpPr>
-        <p:cNvPr id="1" name=""/>
-        <p:cNvGrpSpPr/>
-        <p:nvPr/>
-      </p:nvGrpSpPr>
-      <p:grpSpPr>
-        <a:xfrm>
-          <a:off x="0" y="0"/>
-          <a:ext cx="0" cy="0"/>
-          <a:chOff x="0" y="0"/>
-          <a:chExt cx="0" cy="0"/>
-        </a:xfrm>
-      </p:grpSpPr>
-      <p:sp>
-        <p:nvSpPr>
-          <p:cNvPr id="2" name="Titre 1">
-            <a:extLst>
-              <a:ext uri="{FF2B5EF4-FFF2-40B4-BE49-F238E27FC236}">
-                <a16:creationId xmlns:a16="http://schemas.microsoft.com/office/drawing/2014/main" xmlns="" id="{BDEF606E-A611-403F-B367-E6244B4A4623}"/>
-              </a:ext>
-            </a:extLst>
-          </p:cNvPr>
-          <p:cNvSpPr>
-            <a:spLocks noGrp="1"/>
-          </p:cNvSpPr>
-          <p:nvPr>
-            <p:ph type="title"/>
-          </p:nvPr>
-        </p:nvSpPr>
-        <p:spPr/>
-        <p:txBody>
-          <a:bodyPr/>
-          <a:lstStyle/>
-          <a:p>
-            <a:r>
-              <a:rPr lang="fr-FR" dirty="0"/>
-              <a:t>Hard: Conception de la station de charge</a:t>
-            </a:r>
-          </a:p>
-        </p:txBody>
-      </p:sp>
-      <p:pic>
-        <p:nvPicPr>
-          <p:cNvPr id="5122" name="Picture 2"/>
-          <p:cNvPicPr>
-            <a:picLocks noChangeAspect="1" noChangeArrowheads="1"/>
-          </p:cNvPicPr>
-          <p:nvPr/>
-        </p:nvPicPr>
-        <p:blipFill>
-          <a:blip r:embed="rId2" cstate="print"/>
-          <a:srcRect/>
-          <a:stretch>
-            <a:fillRect/>
-          </a:stretch>
-        </p:blipFill>
-        <p:spPr bwMode="auto">
-          <a:xfrm>
-            <a:off x="2386013" y="1438827"/>
-            <a:ext cx="6853237" cy="5219147"/>
-          </a:xfrm>
-          <a:prstGeom prst="rect">
-            <a:avLst/>
-          </a:prstGeom>
-          <a:noFill/>
-          <a:ln w="9525">
-            <a:noFill/>
-            <a:miter lim="800000"/>
-            <a:headEnd/>
-            <a:tailEnd/>
-          </a:ln>
-        </p:spPr>
-      </p:pic>
-    </p:spTree>
-    <p:extLst>
-      <p:ext uri="{BB962C8B-B14F-4D97-AF65-F5344CB8AC3E}">
-        <p14:creationId xmlns:p14="http://schemas.microsoft.com/office/powerpoint/2010/main" xmlns="" val="205039471"/>
-      </p:ext>
-    </p:extLst>
-  </p:cSld>
-  <p:clrMapOvr>
-    <a:masterClrMapping/>
-  </p:clrMapOvr>
-  <p:timing>
-    <p:tnLst>
-      <p:par>
-        <p:cTn id="1" dur="indefinite" restart="never" nodeType="tmRoot"/>
-      </p:par>
-    </p:tnLst>
-  </p:timing>
-</p:sld>
-</file>
-
-<file path=ppt/slides/slide8.xml><?xml version="1.0" encoding="utf-8"?>
-<p:sld xmlns:a="http://schemas.openxmlformats.org/drawingml/2006/main" xmlns:r="http://schemas.openxmlformats.org/officeDocument/2006/relationships" xmlns:p="http://schemas.openxmlformats.org/presentationml/2006/main">
-  <p:cSld>
-    <p:spTree>
-      <p:nvGrpSpPr>
-        <p:cNvPr id="1" name=""/>
-        <p:cNvGrpSpPr/>
-        <p:nvPr/>
-      </p:nvGrpSpPr>
-      <p:grpSpPr>
-        <a:xfrm>
-          <a:off x="0" y="0"/>
-          <a:ext cx="0" cy="0"/>
-          <a:chOff x="0" y="0"/>
-          <a:chExt cx="0" cy="0"/>
-        </a:xfrm>
-      </p:grpSpPr>
-      <p:sp>
-        <p:nvSpPr>
-          <p:cNvPr id="2" name="Titre 1">
-            <a:extLst>
-              <a:ext uri="{FF2B5EF4-FFF2-40B4-BE49-F238E27FC236}">
-                <a16:creationId xmlns:a16="http://schemas.microsoft.com/office/drawing/2014/main" xmlns="" id="{BDEF606E-A611-403F-B367-E6244B4A4623}"/>
-              </a:ext>
-            </a:extLst>
-          </p:cNvPr>
-          <p:cNvSpPr>
-            <a:spLocks noGrp="1"/>
-          </p:cNvSpPr>
-          <p:nvPr>
-            <p:ph type="title"/>
-          </p:nvPr>
-        </p:nvSpPr>
-        <p:spPr/>
-        <p:txBody>
-          <a:bodyPr/>
-          <a:lstStyle/>
-          <a:p>
-            <a:r>
-              <a:rPr lang="fr-FR" dirty="0"/>
-              <a:t>FPGA: Gestion des ultrasons</a:t>
-            </a:r>
-          </a:p>
-        </p:txBody>
-      </p:sp>
-      <p:pic>
-        <p:nvPicPr>
-          <p:cNvPr id="1026" name="Picture 2">
-            <a:extLst>
-              <a:ext uri="{FF2B5EF4-FFF2-40B4-BE49-F238E27FC236}">
-                <a16:creationId xmlns:a16="http://schemas.microsoft.com/office/drawing/2014/main" xmlns="" id="{EEEBF244-653F-C43E-B306-701F51A05604}"/>
-              </a:ext>
-            </a:extLst>
-          </p:cNvPr>
-          <p:cNvPicPr>
-            <a:picLocks noChangeAspect="1" noChangeArrowheads="1"/>
-          </p:cNvPicPr>
-          <p:nvPr/>
-        </p:nvPicPr>
-        <p:blipFill>
-          <a:blip r:embed="rId2" cstate="print">
-            <a:extLst>
-              <a:ext uri="{28A0092B-C50C-407E-A947-70E740481C1C}">
-                <a14:useLocalDpi xmlns:a14="http://schemas.microsoft.com/office/drawing/2010/main" xmlns="" val="0"/>
-              </a:ext>
-            </a:extLst>
-          </a:blip>
-          <a:srcRect/>
-          <a:stretch>
-            <a:fillRect/>
-          </a:stretch>
-        </p:blipFill>
-        <p:spPr bwMode="auto">
-          <a:xfrm>
-            <a:off x="838200" y="1305731"/>
-            <a:ext cx="6537695" cy="3601829"/>
-          </a:xfrm>
-          <a:prstGeom prst="rect">
-            <a:avLst/>
-          </a:prstGeom>
-          <a:noFill/>
-          <a:extLst>
-            <a:ext uri="{909E8E84-426E-40DD-AFC4-6F175D3DCCD1}">
-              <a14:hiddenFill xmlns:a14="http://schemas.microsoft.com/office/drawing/2010/main" xmlns="">
-                <a:solidFill>
-                  <a:srgbClr val="FFFFFF"/>
-                </a:solidFill>
-              </a14:hiddenFill>
-            </a:ext>
-          </a:extLst>
-        </p:spPr>
-      </p:pic>
-      <p:pic>
-        <p:nvPicPr>
-          <p:cNvPr id="3" name="Image 2">
-            <a:extLst>
-              <a:ext uri="{FF2B5EF4-FFF2-40B4-BE49-F238E27FC236}">
-                <a16:creationId xmlns:a16="http://schemas.microsoft.com/office/drawing/2014/main" xmlns="" id="{B41E45BF-A8FB-6DA4-FD07-87CB1C5DD9D8}"/>
-              </a:ext>
-            </a:extLst>
-          </p:cNvPr>
-          <p:cNvPicPr>
-            <a:picLocks noChangeAspect="1"/>
-          </p:cNvPicPr>
-          <p:nvPr/>
-        </p:nvPicPr>
-        <p:blipFill>
-          <a:blip r:embed="rId3" cstate="print"/>
-          <a:stretch>
-            <a:fillRect/>
-          </a:stretch>
-        </p:blipFill>
-        <p:spPr>
-          <a:xfrm>
-            <a:off x="7853827" y="1175467"/>
-            <a:ext cx="3499973" cy="5523142"/>
-          </a:xfrm>
-          <a:prstGeom prst="rect">
-            <a:avLst/>
-          </a:prstGeom>
-        </p:spPr>
-      </p:pic>
-    </p:spTree>
-    <p:extLst>
-      <p:ext uri="{BB962C8B-B14F-4D97-AF65-F5344CB8AC3E}">
-        <p14:creationId xmlns:p14="http://schemas.microsoft.com/office/powerpoint/2010/main" xmlns="" val="205039471"/>
-      </p:ext>
-    </p:extLst>
-  </p:cSld>
-  <p:clrMapOvr>
-    <a:masterClrMapping/>
-  </p:clrMapOvr>
-  <p:timing>
-    <p:tnLst>
-      <p:par>
-        <p:cTn id="1" dur="indefinite" restart="never" nodeType="tmRoot"/>
-      </p:par>
-    </p:tnLst>
-  </p:timing>
-</p:sld>
-</file>
-
-<file path=ppt/slides/slide9.xml><?xml version="1.0" encoding="utf-8"?>
-<p:sld xmlns:a="http://schemas.openxmlformats.org/drawingml/2006/main" xmlns:r="http://schemas.openxmlformats.org/officeDocument/2006/relationships" xmlns:p="http://schemas.openxmlformats.org/presentationml/2006/main">
-  <p:cSld>
-    <p:spTree>
-      <p:nvGrpSpPr>
-        <p:cNvPr id="1" name=""/>
-        <p:cNvGrpSpPr/>
-        <p:nvPr/>
-      </p:nvGrpSpPr>
-      <p:grpSpPr>
-        <a:xfrm>
-          <a:off x="0" y="0"/>
-          <a:ext cx="0" cy="0"/>
-          <a:chOff x="0" y="0"/>
-          <a:chExt cx="0" cy="0"/>
-        </a:xfrm>
-      </p:grpSpPr>
-      <p:sp>
-        <p:nvSpPr>
-          <p:cNvPr id="2" name="Titre 1">
-            <a:extLst>
-              <a:ext uri="{FF2B5EF4-FFF2-40B4-BE49-F238E27FC236}">
-                <a16:creationId xmlns:a16="http://schemas.microsoft.com/office/drawing/2014/main" xmlns="" id="{BDEF606E-A611-403F-B367-E6244B4A4623}"/>
-              </a:ext>
-            </a:extLst>
-          </p:cNvPr>
-          <p:cNvSpPr>
-            <a:spLocks noGrp="1"/>
-          </p:cNvSpPr>
-          <p:nvPr>
-            <p:ph type="title"/>
-          </p:nvPr>
-        </p:nvSpPr>
-        <p:spPr/>
-        <p:txBody>
-          <a:bodyPr/>
-          <a:lstStyle/>
-          <a:p>
-            <a:r>
-              <a:rPr lang="fr-FR" dirty="0"/>
-              <a:t>FPGA: Changement de carte Dijkstra</a:t>
-            </a:r>
-          </a:p>
-        </p:txBody>
-      </p:sp>
-      <p:pic>
-        <p:nvPicPr>
-          <p:cNvPr id="4" name="Image 3">
-            <a:extLst>
-              <a:ext uri="{FF2B5EF4-FFF2-40B4-BE49-F238E27FC236}">
-                <a16:creationId xmlns:a16="http://schemas.microsoft.com/office/drawing/2014/main" xmlns="" id="{7D8C735E-13D5-AE5D-8CBF-1AE1D8FA442B}"/>
-              </a:ext>
-            </a:extLst>
-          </p:cNvPr>
-          <p:cNvPicPr>
-            <a:picLocks noChangeAspect="1"/>
-          </p:cNvPicPr>
-          <p:nvPr/>
-        </p:nvPicPr>
-        <p:blipFill>
-          <a:blip r:embed="rId2" cstate="print">
-            <a:extLst>
-              <a:ext uri="{28A0092B-C50C-407E-A947-70E740481C1C}">
-                <a14:useLocalDpi xmlns:a14="http://schemas.microsoft.com/office/drawing/2010/main" xmlns="" val="0"/>
-              </a:ext>
-            </a:extLst>
-          </a:blip>
-          <a:stretch>
-            <a:fillRect/>
-          </a:stretch>
-        </p:blipFill>
-        <p:spPr>
-          <a:xfrm>
-            <a:off x="389811" y="2294998"/>
-            <a:ext cx="3982006" cy="657317"/>
-          </a:xfrm>
-          <a:prstGeom prst="rect">
-            <a:avLst/>
-          </a:prstGeom>
-        </p:spPr>
-      </p:pic>
-      <p:pic>
-        <p:nvPicPr>
-          <p:cNvPr id="6" name="Image 5">
-            <a:extLst>
-              <a:ext uri="{FF2B5EF4-FFF2-40B4-BE49-F238E27FC236}">
-                <a16:creationId xmlns:a16="http://schemas.microsoft.com/office/drawing/2014/main" xmlns="" id="{9594B467-CB1C-5544-47A5-C6181C8E555E}"/>
-              </a:ext>
-            </a:extLst>
-          </p:cNvPr>
-          <p:cNvPicPr>
-            <a:picLocks noChangeAspect="1"/>
-          </p:cNvPicPr>
-          <p:nvPr/>
-        </p:nvPicPr>
-        <p:blipFill>
-          <a:blip r:embed="rId3" cstate="print">
-            <a:extLst>
-              <a:ext uri="{28A0092B-C50C-407E-A947-70E740481C1C}">
-                <a14:useLocalDpi xmlns:a14="http://schemas.microsoft.com/office/drawing/2010/main" xmlns="" val="0"/>
-              </a:ext>
-            </a:extLst>
-          </a:blip>
-          <a:stretch>
-            <a:fillRect/>
-          </a:stretch>
-        </p:blipFill>
-        <p:spPr>
-          <a:xfrm>
-            <a:off x="475548" y="1652911"/>
-            <a:ext cx="3810532" cy="466790"/>
-          </a:xfrm>
-          <a:prstGeom prst="rect">
-            <a:avLst/>
-          </a:prstGeom>
-        </p:spPr>
-      </p:pic>
-      <p:pic>
-        <p:nvPicPr>
-          <p:cNvPr id="8" name="Image 7">
-            <a:extLst>
-              <a:ext uri="{FF2B5EF4-FFF2-40B4-BE49-F238E27FC236}">
-                <a16:creationId xmlns:a16="http://schemas.microsoft.com/office/drawing/2014/main" xmlns="" id="{D34C83CC-FBEF-CE65-31B2-536D67CC40FF}"/>
-              </a:ext>
-            </a:extLst>
-          </p:cNvPr>
-          <p:cNvPicPr>
-            <a:picLocks noChangeAspect="1"/>
-          </p:cNvPicPr>
-          <p:nvPr/>
-        </p:nvPicPr>
-        <p:blipFill>
-          <a:blip r:embed="rId4" cstate="print">
-            <a:extLst>
-              <a:ext uri="{28A0092B-C50C-407E-A947-70E740481C1C}">
-                <a14:useLocalDpi xmlns:a14="http://schemas.microsoft.com/office/drawing/2010/main" xmlns="" val="0"/>
-              </a:ext>
-            </a:extLst>
-          </a:blip>
-          <a:stretch>
-            <a:fillRect/>
-          </a:stretch>
-        </p:blipFill>
-        <p:spPr>
-          <a:xfrm>
-            <a:off x="475548" y="3154495"/>
-            <a:ext cx="3791479" cy="762106"/>
-          </a:xfrm>
-          <a:prstGeom prst="rect">
-            <a:avLst/>
-          </a:prstGeom>
-        </p:spPr>
-      </p:pic>
-      <p:pic>
-        <p:nvPicPr>
-          <p:cNvPr id="9" name="Image 8">
-            <a:extLst>
-              <a:ext uri="{FF2B5EF4-FFF2-40B4-BE49-F238E27FC236}">
-                <a16:creationId xmlns:a16="http://schemas.microsoft.com/office/drawing/2014/main" xmlns="" id="{4DF7AE9B-6372-E2F3-03D5-4F5A6050F1C0}"/>
-              </a:ext>
-            </a:extLst>
-          </p:cNvPr>
-          <p:cNvPicPr>
-            <a:picLocks noChangeAspect="1"/>
-          </p:cNvPicPr>
-          <p:nvPr/>
-        </p:nvPicPr>
-        <p:blipFill rotWithShape="1">
-          <a:blip r:embed="rId5" cstate="print">
-            <a:extLst>
-              <a:ext uri="{28A0092B-C50C-407E-A947-70E740481C1C}">
-                <a14:useLocalDpi xmlns:a14="http://schemas.microsoft.com/office/drawing/2010/main" xmlns="" val="0"/>
-              </a:ext>
-            </a:extLst>
-          </a:blip>
-          <a:srcRect l="1441" r="9461" b="1733"/>
-          <a:stretch/>
-        </p:blipFill>
-        <p:spPr bwMode="auto">
-          <a:xfrm>
-            <a:off x="5703714" y="1494474"/>
-            <a:ext cx="4232942" cy="4447784"/>
-          </a:xfrm>
-          <a:prstGeom prst="rect">
-            <a:avLst/>
-          </a:prstGeom>
-          <a:noFill/>
-          <a:ln>
-            <a:noFill/>
-          </a:ln>
-          <a:extLst>
-            <a:ext uri="{53640926-AAD7-44D8-BBD7-CCE9431645EC}">
-              <a14:shadowObscured xmlns:a14="http://schemas.microsoft.com/office/drawing/2010/main" xmlns=""/>
-            </a:ext>
-          </a:extLst>
-        </p:spPr>
-      </p:pic>
-      <p:sp>
-        <p:nvSpPr>
-          <p:cNvPr id="16" name="Signe de multiplication 15">
-            <a:extLst>
-              <a:ext uri="{FF2B5EF4-FFF2-40B4-BE49-F238E27FC236}">
-                <a16:creationId xmlns:a16="http://schemas.microsoft.com/office/drawing/2014/main" xmlns="" id="{9D75B36A-C0A4-B3D0-F387-FC816FDC4EFA}"/>
-              </a:ext>
-            </a:extLst>
-          </p:cNvPr>
-          <p:cNvSpPr/>
-          <p:nvPr/>
-        </p:nvSpPr>
-        <p:spPr>
-          <a:xfrm>
-            <a:off x="8598716" y="2893592"/>
-            <a:ext cx="352337" cy="344558"/>
-          </a:xfrm>
-          <a:prstGeom prst="mathMultiply">
-            <a:avLst/>
-          </a:prstGeom>
-          <a:solidFill>
-            <a:schemeClr val="tx1">
-              <a:alpha val="50000"/>
-            </a:schemeClr>
-          </a:solidFill>
-          <a:ln>
-            <a:noFill/>
-          </a:ln>
-        </p:spPr>
-        <p:style>
-          <a:lnRef idx="0">
-            <a:scrgbClr r="0" g="0" b="0"/>
-          </a:lnRef>
-          <a:fillRef idx="0">
-            <a:scrgbClr r="0" g="0" b="0"/>
-          </a:fillRef>
-          <a:effectRef idx="0">
-            <a:scrgbClr r="0" g="0" b="0"/>
-          </a:effectRef>
-          <a:fontRef idx="minor">
-            <a:schemeClr val="lt1"/>
-          </a:fontRef>
-        </p:style>
-        <p:txBody>
-          <a:bodyPr rtlCol="0" anchor="ctr"/>
-          <a:lstStyle/>
-          <a:p>
-            <a:pPr algn="ctr"/>
-            <a:endParaRPr lang="fr-FR"/>
-          </a:p>
-        </p:txBody>
-      </p:sp>
-      <p:cxnSp>
-        <p:nvCxnSpPr>
-          <p:cNvPr id="18" name="Connecteur droit avec flèche 17">
-            <a:extLst>
-              <a:ext uri="{FF2B5EF4-FFF2-40B4-BE49-F238E27FC236}">
-                <a16:creationId xmlns:a16="http://schemas.microsoft.com/office/drawing/2014/main" xmlns="" id="{B30E9260-034A-01DC-9469-E35C54CA1836}"/>
-              </a:ext>
-            </a:extLst>
-          </p:cNvPr>
-          <p:cNvCxnSpPr/>
-          <p:nvPr/>
-        </p:nvCxnSpPr>
-        <p:spPr>
-          <a:xfrm>
-            <a:off x="6602136" y="2294998"/>
-            <a:ext cx="2172748" cy="1240550"/>
-          </a:xfrm>
-          <a:prstGeom prst="straightConnector1">
-            <a:avLst/>
-          </a:prstGeom>
-          <a:ln>
-            <a:headEnd type="triangle"/>
-            <a:tailEnd type="triangle"/>
-          </a:ln>
-        </p:spPr>
-        <p:style>
-          <a:lnRef idx="1">
-            <a:schemeClr val="dk1"/>
-          </a:lnRef>
-          <a:fillRef idx="0">
-            <a:schemeClr val="dk1"/>
-          </a:fillRef>
-          <a:effectRef idx="0">
-            <a:schemeClr val="dk1"/>
-          </a:effectRef>
-          <a:fontRef idx="minor">
-            <a:schemeClr val="tx1"/>
-          </a:fontRef>
-        </p:style>
-      </p:cxnSp>
-    </p:spTree>
-    <p:extLst>
-      <p:ext uri="{BB962C8B-B14F-4D97-AF65-F5344CB8AC3E}">
-        <p14:creationId xmlns:p14="http://schemas.microsoft.com/office/powerpoint/2010/main" xmlns="" val="1095449298"/>
-      </p:ext>
-    </p:extLst>
-  </p:cSld>
-  <p:clrMapOvr>
-    <a:masterClrMapping/>
-  </p:clrMapOvr>
-  <p:timing>
-    <p:tnLst>
-      <p:par>
-        <p:cTn id="1" dur="indefinite" restart="never" nodeType="tmRoot"/>
-      </p:par>
-    </p:tnLst>
-  </p:timing>
 </p:sld>
 </file>
 
@@ -13594,7 +9360,7 @@
   <a:extraClrSchemeLst/>
   <a:extLst>
     <a:ext uri="{05A4C25C-085E-4340-85A3-A5531E510DB2}">
-      <thm15:themeFamily xmlns:thm15="http://schemas.microsoft.com/office/thememl/2012/main" xmlns="" name="Thème1" id="{F8D90D31-0E82-441F-979D-5CA5121051FF}" vid="{6756C6E6-5B85-46E8-8880-4CDFF9CDDAE6}"/>
+      <thm15:themeFamily xmlns:thm15="http://schemas.microsoft.com/office/thememl/2012/main" name="Thème1" id="{F8D90D31-0E82-441F-979D-5CA5121051FF}" vid="{6756C6E6-5B85-46E8-8880-4CDFF9CDDAE6}"/>
     </a:ext>
   </a:extLst>
 </a:theme>

--- a/GestionDeProjet/Reunions/Reunion_06_07_2022/Reunion_avancement_06_07_22.pptx
+++ b/GestionDeProjet/Reunions/Reunion_06_07_2022/Reunion_avancement_06_07_22.pptx
@@ -7729,7 +7729,7 @@
             <a:pPr algn="ctr"/>
             <a:r>
               <a:rPr lang="fr" sz="4000" dirty="0"/>
-              <a:t>Réunion d’avancement du 23/06/2022</a:t>
+              <a:t>Réunion d’avancement du 06/07/2022</a:t>
             </a:r>
             <a:endParaRPr lang="fr-FR" sz="4000" dirty="0"/>
           </a:p>
@@ -8440,7 +8440,7 @@
         </p:blipFill>
         <p:spPr bwMode="auto">
           <a:xfrm>
-            <a:off x="2386013" y="1438827"/>
+            <a:off x="2382838" y="1438827"/>
             <a:ext cx="6853237" cy="5219147"/>
           </a:xfrm>
           <a:prstGeom prst="rect">
